--- a/網頁製作PPT.pptx
+++ b/網頁製作PPT.pptx
@@ -1827,6 +1827,13 @@
     <dgm:pt modelId="{2CC929F5-A0A1-4943-9A7E-4139AA62F6F9}" type="pres">
       <dgm:prSet presAssocID="{A8884CAD-A470-44D3-9702-AFB78DC40E67}" presName="Name111" presStyleLbl="parChTrans1D2" presStyleIdx="4" presStyleCnt="5"/>
       <dgm:spPr/>
+      <dgm:t>
+        <a:bodyPr/>
+        <a:lstStyle/>
+        <a:p>
+          <a:endParaRPr lang="zh-TW" altLang="en-US"/>
+        </a:p>
+      </dgm:t>
     </dgm:pt>
     <dgm:pt modelId="{37A4AB28-04D4-466F-9E50-5F3CFBF0DDE3}" type="pres">
       <dgm:prSet presAssocID="{37749676-8A07-4E80-92CC-4C6A8988D3DA}" presName="hierRoot3" presStyleCnt="0">
@@ -1906,8 +1913,8 @@
     <dgm:cxn modelId="{91A0B01C-6E61-4DB9-A838-56DB1DF25AED}" type="presOf" srcId="{7933155A-116E-4432-AA6B-2264948CA236}" destId="{62D0ED7E-A67C-4B88-A109-FE85545F60E0}" srcOrd="1" destOrd="0" presId="urn:microsoft.com/office/officeart/2005/8/layout/orgChart1"/>
     <dgm:cxn modelId="{E2BCD5CC-C19F-46E7-96BA-10C27A258668}" srcId="{865843BD-05F5-4DDF-ACF1-0652AACDF84C}" destId="{E83FCBC3-F052-4EBA-9026-C3A96072690D}" srcOrd="0" destOrd="0" parTransId="{119BBBED-FBBB-4463-AE3E-F8D8357136BF}" sibTransId="{0A28126F-ABF9-4CAC-BB0B-8A9865B956B0}"/>
     <dgm:cxn modelId="{DA635689-1ADD-4014-81AB-DB98F6950DAD}" type="presOf" srcId="{1A1E818D-3E7A-4B07-AEBE-6E03C6893FEC}" destId="{62F08504-DB4B-410A-BBF8-72232ED2C64F}" srcOrd="0" destOrd="0" presId="urn:microsoft.com/office/officeart/2005/8/layout/orgChart1"/>
+    <dgm:cxn modelId="{EE0ABDF1-69D2-4A75-94B5-0F5832E4F30B}" type="presOf" srcId="{A8884CAD-A470-44D3-9702-AFB78DC40E67}" destId="{2CC929F5-A0A1-4943-9A7E-4139AA62F6F9}" srcOrd="0" destOrd="0" presId="urn:microsoft.com/office/officeart/2005/8/layout/orgChart1"/>
     <dgm:cxn modelId="{CFE4797E-D5EB-4328-9332-7EE9FE0D91C7}" type="presOf" srcId="{A09EB63E-0F22-46A1-B752-DAF48CB5D35B}" destId="{FE23B95C-96C1-461D-BC78-6F3D07042963}" srcOrd="1" destOrd="0" presId="urn:microsoft.com/office/officeart/2005/8/layout/orgChart1"/>
-    <dgm:cxn modelId="{EE0ABDF1-69D2-4A75-94B5-0F5832E4F30B}" type="presOf" srcId="{A8884CAD-A470-44D3-9702-AFB78DC40E67}" destId="{2CC929F5-A0A1-4943-9A7E-4139AA62F6F9}" srcOrd="0" destOrd="0" presId="urn:microsoft.com/office/officeart/2005/8/layout/orgChart1"/>
     <dgm:cxn modelId="{C3F957DE-5443-4DC9-AD1F-D6BC21008842}" type="presOf" srcId="{A09EB63E-0F22-46A1-B752-DAF48CB5D35B}" destId="{091F391E-0197-454F-9B9F-98CAF943A0CF}" srcOrd="0" destOrd="0" presId="urn:microsoft.com/office/officeart/2005/8/layout/orgChart1"/>
     <dgm:cxn modelId="{A95A8E0F-0D40-4A04-AC2E-D74990A458B9}" type="presOf" srcId="{7933155A-116E-4432-AA6B-2264948CA236}" destId="{13050432-583A-4EB7-A17F-8ECC73B32173}" srcOrd="0" destOrd="0" presId="urn:microsoft.com/office/officeart/2005/8/layout/orgChart1"/>
     <dgm:cxn modelId="{4D853C1A-176C-42B8-99C8-C78686B26587}" type="presOf" srcId="{29440E7C-FD2F-4434-A54D-C3364A2B980E}" destId="{942A89B4-7C9A-4D76-A3D4-953B85D59956}" srcOrd="0" destOrd="0" presId="urn:microsoft.com/office/officeart/2005/8/layout/orgChart1"/>
@@ -5985,7 +5992,7 @@
           <a:p>
             <a:fld id="{36982B93-D878-4220-82A0-3D8A37C64810}" type="datetimeFigureOut">
               <a:rPr lang="zh-CN" altLang="en-US" smtClean="0"/>
-              <a:t>2019/3/23</a:t>
+              <a:t>2019/3/27</a:t>
             </a:fld>
             <a:endParaRPr lang="zh-CN" altLang="en-US"/>
           </a:p>
@@ -6383,7 +6390,7 @@
           <a:p>
             <a:fld id="{F2C3DB7C-2D6B-4C00-98DC-0DA6EC76AE3B}" type="datetimeFigureOut">
               <a:rPr lang="zh-CN" altLang="en-US" smtClean="0"/>
-              <a:t>2019/3/23</a:t>
+              <a:t>2019/3/27</a:t>
             </a:fld>
             <a:endParaRPr lang="zh-CN" altLang="en-US"/>
           </a:p>
@@ -6553,7 +6560,7 @@
           <a:p>
             <a:fld id="{F2C3DB7C-2D6B-4C00-98DC-0DA6EC76AE3B}" type="datetimeFigureOut">
               <a:rPr lang="zh-CN" altLang="en-US" smtClean="0"/>
-              <a:t>2019/3/23</a:t>
+              <a:t>2019/3/27</a:t>
             </a:fld>
             <a:endParaRPr lang="zh-CN" altLang="en-US"/>
           </a:p>
@@ -6733,7 +6740,7 @@
           <a:p>
             <a:fld id="{F2C3DB7C-2D6B-4C00-98DC-0DA6EC76AE3B}" type="datetimeFigureOut">
               <a:rPr lang="zh-CN" altLang="en-US" smtClean="0"/>
-              <a:t>2019/3/23</a:t>
+              <a:t>2019/3/27</a:t>
             </a:fld>
             <a:endParaRPr lang="zh-CN" altLang="en-US"/>
           </a:p>
@@ -6905,7 +6912,7 @@
           <a:p>
             <a:fld id="{7DB3F455-7AC8-4AD4-9CF7-1569801F24EF}" type="datetimeFigureOut">
               <a:rPr lang="zh-CN" altLang="en-US" smtClean="0"/>
-              <a:t>2019/3/23</a:t>
+              <a:t>2019/3/27</a:t>
             </a:fld>
             <a:endParaRPr lang="zh-CN" altLang="en-US"/>
           </a:p>
@@ -7816,7 +7823,7 @@
           <a:p>
             <a:fld id="{F2C3DB7C-2D6B-4C00-98DC-0DA6EC76AE3B}" type="datetimeFigureOut">
               <a:rPr lang="zh-CN" altLang="en-US" smtClean="0"/>
-              <a:t>2019/3/23</a:t>
+              <a:t>2019/3/27</a:t>
             </a:fld>
             <a:endParaRPr lang="zh-CN" altLang="en-US"/>
           </a:p>
@@ -8183,7 +8190,7 @@
           <a:p>
             <a:fld id="{F2C3DB7C-2D6B-4C00-98DC-0DA6EC76AE3B}" type="datetimeFigureOut">
               <a:rPr lang="zh-CN" altLang="en-US" smtClean="0"/>
-              <a:t>2019/3/23</a:t>
+              <a:t>2019/3/27</a:t>
             </a:fld>
             <a:endParaRPr lang="zh-CN" altLang="en-US"/>
           </a:p>
@@ -8301,7 +8308,7 @@
           <a:p>
             <a:fld id="{F2C3DB7C-2D6B-4C00-98DC-0DA6EC76AE3B}" type="datetimeFigureOut">
               <a:rPr lang="zh-CN" altLang="en-US" smtClean="0"/>
-              <a:t>2019/3/23</a:t>
+              <a:t>2019/3/27</a:t>
             </a:fld>
             <a:endParaRPr lang="zh-CN" altLang="en-US"/>
           </a:p>
@@ -8396,7 +8403,7 @@
           <a:p>
             <a:fld id="{F2C3DB7C-2D6B-4C00-98DC-0DA6EC76AE3B}" type="datetimeFigureOut">
               <a:rPr lang="zh-CN" altLang="en-US" smtClean="0"/>
-              <a:t>2019/3/23</a:t>
+              <a:t>2019/3/27</a:t>
             </a:fld>
             <a:endParaRPr lang="zh-CN" altLang="en-US"/>
           </a:p>
@@ -8673,7 +8680,7 @@
           <a:p>
             <a:fld id="{F2C3DB7C-2D6B-4C00-98DC-0DA6EC76AE3B}" type="datetimeFigureOut">
               <a:rPr lang="zh-CN" altLang="en-US" smtClean="0"/>
-              <a:t>2019/3/23</a:t>
+              <a:t>2019/3/27</a:t>
             </a:fld>
             <a:endParaRPr lang="zh-CN" altLang="en-US"/>
           </a:p>
@@ -8930,7 +8937,7 @@
           <a:p>
             <a:fld id="{F2C3DB7C-2D6B-4C00-98DC-0DA6EC76AE3B}" type="datetimeFigureOut">
               <a:rPr lang="zh-CN" altLang="en-US" smtClean="0"/>
-              <a:t>2019/3/23</a:t>
+              <a:t>2019/3/27</a:t>
             </a:fld>
             <a:endParaRPr lang="zh-CN" altLang="en-US"/>
           </a:p>
@@ -9146,7 +9153,7 @@
           <a:p>
             <a:fld id="{F2C3DB7C-2D6B-4C00-98DC-0DA6EC76AE3B}" type="datetimeFigureOut">
               <a:rPr lang="zh-CN" altLang="en-US" smtClean="0"/>
-              <a:t>2019/3/23</a:t>
+              <a:t>2019/3/27</a:t>
             </a:fld>
             <a:endParaRPr lang="zh-CN" altLang="en-US"/>
           </a:p>
@@ -9757,7 +9764,7 @@
           <a:lstStyle/>
           <a:p>
             <a:r>
-              <a:rPr lang="zh-TW" altLang="en-US" dirty="0" smtClean="0">
+              <a:rPr lang="zh-TW" altLang="en-US" smtClean="0">
                 <a:solidFill>
                   <a:srgbClr val="1E78E8"/>
                 </a:solidFill>
@@ -9774,10 +9781,10 @@
                 <a:latin typeface="思源黑体 CN Light" panose="020B0300000000000000" pitchFamily="34" charset="-122"/>
                 <a:ea typeface="思源黑体 CN Light" panose="020B0300000000000000" pitchFamily="34" charset="-122"/>
               </a:rPr>
-              <a:t>益</a:t>
+              <a:t>易</a:t>
             </a:r>
             <a:r>
-              <a:rPr lang="zh-TW" altLang="en-US" dirty="0" smtClean="0">
+              <a:rPr lang="zh-TW" altLang="en-US" smtClean="0">
                 <a:solidFill>
                   <a:srgbClr val="1E78E8"/>
                 </a:solidFill>
@@ -15082,12 +15089,12 @@
           <a:noFill/>
         </p:spPr>
         <p:txBody>
-          <a:bodyPr wrap="square" lIns="91440" tIns="45720" rIns="91440" bIns="45720">
+          <a:bodyPr wrap="square" lIns="91440" tIns="45720" rIns="91440" bIns="45720" anchor="ctr">
             <a:spAutoFit/>
           </a:bodyPr>
           <a:lstStyle/>
           <a:p>
-            <a:pPr algn="ctr"/>
+            <a:pPr algn="just"/>
             <a:r>
               <a:rPr lang="zh-TW" altLang="en-US" sz="3600" b="0" cap="none" spc="0" dirty="0" smtClean="0">
                 <a:ln w="0"/>

--- a/網頁製作PPT.pptx
+++ b/網頁製作PPT.pptx
@@ -5,20 +5,21 @@
     <p:sldMasterId id="2147483696" r:id="rId1"/>
   </p:sldMasterIdLst>
   <p:notesMasterIdLst>
-    <p:notesMasterId r:id="rId13"/>
+    <p:notesMasterId r:id="rId14"/>
   </p:notesMasterIdLst>
   <p:sldIdLst>
     <p:sldId id="261" r:id="rId2"/>
     <p:sldId id="283" r:id="rId3"/>
     <p:sldId id="284" r:id="rId4"/>
     <p:sldId id="280" r:id="rId5"/>
-    <p:sldId id="287" r:id="rId6"/>
-    <p:sldId id="275" r:id="rId7"/>
-    <p:sldId id="288" r:id="rId8"/>
-    <p:sldId id="295" r:id="rId9"/>
-    <p:sldId id="294" r:id="rId10"/>
-    <p:sldId id="290" r:id="rId11"/>
-    <p:sldId id="292" r:id="rId12"/>
+    <p:sldId id="296" r:id="rId6"/>
+    <p:sldId id="287" r:id="rId7"/>
+    <p:sldId id="275" r:id="rId8"/>
+    <p:sldId id="288" r:id="rId9"/>
+    <p:sldId id="295" r:id="rId10"/>
+    <p:sldId id="294" r:id="rId11"/>
+    <p:sldId id="290" r:id="rId12"/>
+    <p:sldId id="292" r:id="rId13"/>
   </p:sldIdLst>
   <p:sldSz cx="12192000" cy="6858000"/>
   <p:notesSz cx="6858000" cy="9144000"/>
@@ -940,7 +941,7 @@
         <a:lstStyle/>
         <a:p>
           <a:r>
-            <a:rPr lang="en-US" altLang="zh-TW" dirty="0" smtClean="0"/>
+            <a:rPr lang="en-US" altLang="zh-TW" dirty="0"/>
             <a:t>Index</a:t>
           </a:r>
           <a:endParaRPr lang="zh-TW" altLang="en-US" dirty="0"/>
@@ -977,10 +978,9 @@
         <a:lstStyle/>
         <a:p>
           <a:r>
-            <a:rPr lang="zh-TW" altLang="en-US" dirty="0" smtClean="0"/>
+            <a:rPr lang="zh-TW" altLang="en-US" dirty="0"/>
             <a:t>地區 </a:t>
           </a:r>
-          <a:endParaRPr lang="zh-TW" altLang="en-US" dirty="0"/>
         </a:p>
       </dgm:t>
     </dgm:pt>
@@ -1014,10 +1014,9 @@
         <a:lstStyle/>
         <a:p>
           <a:r>
-            <a:rPr lang="zh-TW" altLang="en-US" dirty="0" smtClean="0"/>
+            <a:rPr lang="zh-TW" altLang="en-US" dirty="0"/>
             <a:t>歌手</a:t>
           </a:r>
-          <a:endParaRPr lang="zh-TW" altLang="en-US" dirty="0"/>
         </a:p>
       </dgm:t>
     </dgm:pt>
@@ -1051,10 +1050,9 @@
         <a:lstStyle/>
         <a:p>
           <a:r>
-            <a:rPr lang="zh-TW" altLang="en-US" dirty="0" smtClean="0"/>
+            <a:rPr lang="zh-TW" altLang="en-US" dirty="0"/>
             <a:t>歌手</a:t>
           </a:r>
-          <a:endParaRPr lang="zh-TW" altLang="en-US" dirty="0"/>
         </a:p>
       </dgm:t>
     </dgm:pt>
@@ -1088,10 +1086,9 @@
         <a:lstStyle/>
         <a:p>
           <a:r>
-            <a:rPr lang="zh-TW" altLang="en-US" dirty="0" smtClean="0"/>
+            <a:rPr lang="zh-TW" altLang="en-US" dirty="0"/>
             <a:t>歌手</a:t>
           </a:r>
-          <a:endParaRPr lang="zh-TW" altLang="en-US" dirty="0"/>
         </a:p>
       </dgm:t>
     </dgm:pt>
@@ -1125,10 +1122,9 @@
         <a:lstStyle/>
         <a:p>
           <a:r>
-            <a:rPr lang="zh-TW" altLang="en-US" dirty="0" smtClean="0"/>
+            <a:rPr lang="zh-TW" altLang="en-US" dirty="0"/>
             <a:t>演唱會資訊</a:t>
           </a:r>
-          <a:endParaRPr lang="zh-TW" altLang="en-US" dirty="0"/>
         </a:p>
       </dgm:t>
     </dgm:pt>
@@ -1162,10 +1158,9 @@
         <a:lstStyle/>
         <a:p>
           <a:r>
-            <a:rPr lang="zh-TW" altLang="en-US" dirty="0" smtClean="0"/>
+            <a:rPr lang="zh-TW" altLang="en-US" dirty="0"/>
             <a:t>演唱會資訊</a:t>
           </a:r>
-          <a:endParaRPr lang="zh-TW" altLang="en-US" dirty="0"/>
         </a:p>
       </dgm:t>
     </dgm:pt>
@@ -1199,10 +1194,9 @@
         <a:lstStyle/>
         <a:p>
           <a:r>
-            <a:rPr lang="zh-TW" altLang="en-US" dirty="0" smtClean="0"/>
+            <a:rPr lang="zh-TW" altLang="en-US" dirty="0"/>
             <a:t>演唱會資訊</a:t>
           </a:r>
-          <a:endParaRPr lang="zh-TW" altLang="en-US" dirty="0"/>
         </a:p>
       </dgm:t>
     </dgm:pt>
@@ -1236,10 +1230,9 @@
         <a:lstStyle/>
         <a:p>
           <a:r>
-            <a:rPr lang="zh-TW" altLang="en-US" dirty="0" smtClean="0"/>
+            <a:rPr lang="zh-TW" altLang="en-US" dirty="0"/>
             <a:t>演唱會資訊</a:t>
           </a:r>
-          <a:endParaRPr lang="zh-TW" altLang="en-US" dirty="0"/>
         </a:p>
       </dgm:t>
     </dgm:pt>
@@ -1273,10 +1266,9 @@
         <a:lstStyle/>
         <a:p>
           <a:r>
-            <a:rPr lang="zh-TW" altLang="en-US" dirty="0" smtClean="0"/>
+            <a:rPr lang="zh-TW" altLang="en-US" dirty="0"/>
             <a:t>地區</a:t>
           </a:r>
-          <a:endParaRPr lang="zh-TW" altLang="en-US" dirty="0"/>
         </a:p>
       </dgm:t>
     </dgm:pt>
@@ -1314,13 +1306,6 @@
         </dgm:presLayoutVars>
       </dgm:prSet>
       <dgm:spPr/>
-      <dgm:t>
-        <a:bodyPr/>
-        <a:lstStyle/>
-        <a:p>
-          <a:endParaRPr lang="zh-TW" altLang="en-US"/>
-        </a:p>
-      </dgm:t>
     </dgm:pt>
     <dgm:pt modelId="{BAE6DA31-0B0E-41C7-90D2-CE028C77588B}" type="pres">
       <dgm:prSet presAssocID="{E83FCBC3-F052-4EBA-9026-C3A96072690D}" presName="hierRoot1" presStyleCnt="0">
@@ -1341,24 +1326,10 @@
         </dgm:presLayoutVars>
       </dgm:prSet>
       <dgm:spPr/>
-      <dgm:t>
-        <a:bodyPr/>
-        <a:lstStyle/>
-        <a:p>
-          <a:endParaRPr lang="zh-TW" altLang="en-US"/>
-        </a:p>
-      </dgm:t>
     </dgm:pt>
     <dgm:pt modelId="{67A25BB2-1B7C-4FB3-9DE8-48B617F763CF}" type="pres">
       <dgm:prSet presAssocID="{E83FCBC3-F052-4EBA-9026-C3A96072690D}" presName="rootConnector1" presStyleLbl="node1" presStyleIdx="0" presStyleCnt="0"/>
       <dgm:spPr/>
-      <dgm:t>
-        <a:bodyPr/>
-        <a:lstStyle/>
-        <a:p>
-          <a:endParaRPr lang="zh-TW" altLang="en-US"/>
-        </a:p>
-      </dgm:t>
     </dgm:pt>
     <dgm:pt modelId="{F5227B23-26AC-4FB0-AB14-632C12F2242A}" type="pres">
       <dgm:prSet presAssocID="{E83FCBC3-F052-4EBA-9026-C3A96072690D}" presName="hierChild2" presStyleCnt="0"/>
@@ -1367,13 +1338,6 @@
     <dgm:pt modelId="{82D0139D-936B-4F48-84D4-9683DBC58A6D}" type="pres">
       <dgm:prSet presAssocID="{8EE71C07-F677-4076-9426-B4E8938574A2}" presName="Name37" presStyleLbl="parChTrans1D2" presStyleIdx="0" presStyleCnt="5"/>
       <dgm:spPr/>
-      <dgm:t>
-        <a:bodyPr/>
-        <a:lstStyle/>
-        <a:p>
-          <a:endParaRPr lang="zh-TW" altLang="en-US"/>
-        </a:p>
-      </dgm:t>
     </dgm:pt>
     <dgm:pt modelId="{4DC2B660-6F14-4827-93B7-3F3B7F34A45F}" type="pres">
       <dgm:prSet presAssocID="{1A1E818D-3E7A-4B07-AEBE-6E03C6893FEC}" presName="hierRoot2" presStyleCnt="0">
@@ -1394,24 +1358,10 @@
         </dgm:presLayoutVars>
       </dgm:prSet>
       <dgm:spPr/>
-      <dgm:t>
-        <a:bodyPr/>
-        <a:lstStyle/>
-        <a:p>
-          <a:endParaRPr lang="zh-TW" altLang="en-US"/>
-        </a:p>
-      </dgm:t>
     </dgm:pt>
     <dgm:pt modelId="{8FF2CF00-DEFE-4F65-8040-87BE53803361}" type="pres">
       <dgm:prSet presAssocID="{1A1E818D-3E7A-4B07-AEBE-6E03C6893FEC}" presName="rootConnector" presStyleLbl="node2" presStyleIdx="0" presStyleCnt="3"/>
       <dgm:spPr/>
-      <dgm:t>
-        <a:bodyPr/>
-        <a:lstStyle/>
-        <a:p>
-          <a:endParaRPr lang="zh-TW" altLang="en-US"/>
-        </a:p>
-      </dgm:t>
     </dgm:pt>
     <dgm:pt modelId="{F6DD93C2-9CC4-42F9-99F6-B5A8A378FE62}" type="pres">
       <dgm:prSet presAssocID="{1A1E818D-3E7A-4B07-AEBE-6E03C6893FEC}" presName="hierChild4" presStyleCnt="0"/>
@@ -1420,13 +1370,6 @@
     <dgm:pt modelId="{ADA098C5-D9E8-4ECB-B4F9-D8D99F7871D2}" type="pres">
       <dgm:prSet presAssocID="{81034DBD-086A-45FA-8337-2075E094BEA6}" presName="Name37" presStyleLbl="parChTrans1D3" presStyleIdx="0" presStyleCnt="4"/>
       <dgm:spPr/>
-      <dgm:t>
-        <a:bodyPr/>
-        <a:lstStyle/>
-        <a:p>
-          <a:endParaRPr lang="zh-TW" altLang="en-US"/>
-        </a:p>
-      </dgm:t>
     </dgm:pt>
     <dgm:pt modelId="{534ADC1B-4A65-493E-AA1C-1C0098AD5472}" type="pres">
       <dgm:prSet presAssocID="{7933155A-116E-4432-AA6B-2264948CA236}" presName="hierRoot2" presStyleCnt="0">
@@ -1447,24 +1390,10 @@
         </dgm:presLayoutVars>
       </dgm:prSet>
       <dgm:spPr/>
-      <dgm:t>
-        <a:bodyPr/>
-        <a:lstStyle/>
-        <a:p>
-          <a:endParaRPr lang="zh-TW" altLang="en-US"/>
-        </a:p>
-      </dgm:t>
     </dgm:pt>
     <dgm:pt modelId="{62D0ED7E-A67C-4B88-A109-FE85545F60E0}" type="pres">
       <dgm:prSet presAssocID="{7933155A-116E-4432-AA6B-2264948CA236}" presName="rootConnector" presStyleLbl="node3" presStyleIdx="0" presStyleCnt="4"/>
       <dgm:spPr/>
-      <dgm:t>
-        <a:bodyPr/>
-        <a:lstStyle/>
-        <a:p>
-          <a:endParaRPr lang="zh-TW" altLang="en-US"/>
-        </a:p>
-      </dgm:t>
     </dgm:pt>
     <dgm:pt modelId="{3FA75C4F-8D99-44E5-9750-E3CA7EF27EC2}" type="pres">
       <dgm:prSet presAssocID="{7933155A-116E-4432-AA6B-2264948CA236}" presName="hierChild4" presStyleCnt="0"/>
@@ -1477,13 +1406,6 @@
     <dgm:pt modelId="{942A89B4-7C9A-4D76-A3D4-953B85D59956}" type="pres">
       <dgm:prSet presAssocID="{29440E7C-FD2F-4434-A54D-C3364A2B980E}" presName="Name37" presStyleLbl="parChTrans1D3" presStyleIdx="1" presStyleCnt="4"/>
       <dgm:spPr/>
-      <dgm:t>
-        <a:bodyPr/>
-        <a:lstStyle/>
-        <a:p>
-          <a:endParaRPr lang="zh-TW" altLang="en-US"/>
-        </a:p>
-      </dgm:t>
     </dgm:pt>
     <dgm:pt modelId="{5C24BA29-F20A-4E4D-90E4-11F2C9E0C006}" type="pres">
       <dgm:prSet presAssocID="{185BE48F-A025-43CF-9F55-0C31ACC7AB87}" presName="hierRoot2" presStyleCnt="0">
@@ -1504,24 +1426,10 @@
         </dgm:presLayoutVars>
       </dgm:prSet>
       <dgm:spPr/>
-      <dgm:t>
-        <a:bodyPr/>
-        <a:lstStyle/>
-        <a:p>
-          <a:endParaRPr lang="zh-TW" altLang="en-US"/>
-        </a:p>
-      </dgm:t>
     </dgm:pt>
     <dgm:pt modelId="{EC68C0D3-8FD8-4F01-8B11-9D9D6570C33A}" type="pres">
       <dgm:prSet presAssocID="{185BE48F-A025-43CF-9F55-0C31ACC7AB87}" presName="rootConnector" presStyleLbl="node3" presStyleIdx="1" presStyleCnt="4"/>
       <dgm:spPr/>
-      <dgm:t>
-        <a:bodyPr/>
-        <a:lstStyle/>
-        <a:p>
-          <a:endParaRPr lang="zh-TW" altLang="en-US"/>
-        </a:p>
-      </dgm:t>
     </dgm:pt>
     <dgm:pt modelId="{4C008ECB-AF89-44E2-ACCC-1F25B499AAF4}" type="pres">
       <dgm:prSet presAssocID="{185BE48F-A025-43CF-9F55-0C31ACC7AB87}" presName="hierChild4" presStyleCnt="0"/>
@@ -1538,13 +1446,6 @@
     <dgm:pt modelId="{C11D6C86-5FC7-4919-9D87-8E2CCB55B805}" type="pres">
       <dgm:prSet presAssocID="{44098357-7F41-4801-B630-85A3FCAAAA43}" presName="Name37" presStyleLbl="parChTrans1D2" presStyleIdx="1" presStyleCnt="5"/>
       <dgm:spPr/>
-      <dgm:t>
-        <a:bodyPr/>
-        <a:lstStyle/>
-        <a:p>
-          <a:endParaRPr lang="zh-TW" altLang="en-US"/>
-        </a:p>
-      </dgm:t>
     </dgm:pt>
     <dgm:pt modelId="{62FEAA1D-F059-4D62-BDD2-A39FE170AD5B}" type="pres">
       <dgm:prSet presAssocID="{170F67F2-0631-4F3D-A6C4-BE694C9BC448}" presName="hierRoot2" presStyleCnt="0">
@@ -1565,24 +1466,10 @@
         </dgm:presLayoutVars>
       </dgm:prSet>
       <dgm:spPr/>
-      <dgm:t>
-        <a:bodyPr/>
-        <a:lstStyle/>
-        <a:p>
-          <a:endParaRPr lang="zh-TW" altLang="en-US"/>
-        </a:p>
-      </dgm:t>
     </dgm:pt>
     <dgm:pt modelId="{4D31AE89-95C3-48E8-995D-88F01BE6D455}" type="pres">
       <dgm:prSet presAssocID="{170F67F2-0631-4F3D-A6C4-BE694C9BC448}" presName="rootConnector" presStyleLbl="node2" presStyleIdx="1" presStyleCnt="3"/>
       <dgm:spPr/>
-      <dgm:t>
-        <a:bodyPr/>
-        <a:lstStyle/>
-        <a:p>
-          <a:endParaRPr lang="zh-TW" altLang="en-US"/>
-        </a:p>
-      </dgm:t>
     </dgm:pt>
     <dgm:pt modelId="{7E5BB93F-FFEC-4EFF-8C6A-5B1D07FF04D1}" type="pres">
       <dgm:prSet presAssocID="{170F67F2-0631-4F3D-A6C4-BE694C9BC448}" presName="hierChild4" presStyleCnt="0"/>
@@ -1591,13 +1478,6 @@
     <dgm:pt modelId="{70A06282-78B4-402D-928C-5A7F9F5A44F7}" type="pres">
       <dgm:prSet presAssocID="{14A5D398-0E6B-4260-AD8A-4A48C83B69B0}" presName="Name37" presStyleLbl="parChTrans1D3" presStyleIdx="2" presStyleCnt="4"/>
       <dgm:spPr/>
-      <dgm:t>
-        <a:bodyPr/>
-        <a:lstStyle/>
-        <a:p>
-          <a:endParaRPr lang="zh-TW" altLang="en-US"/>
-        </a:p>
-      </dgm:t>
     </dgm:pt>
     <dgm:pt modelId="{28C9226C-DED8-4D15-9F1F-F8A3B4517A93}" type="pres">
       <dgm:prSet presAssocID="{F097E49F-8651-4A22-86CD-4527556239DB}" presName="hierRoot2" presStyleCnt="0">
@@ -1618,24 +1498,10 @@
         </dgm:presLayoutVars>
       </dgm:prSet>
       <dgm:spPr/>
-      <dgm:t>
-        <a:bodyPr/>
-        <a:lstStyle/>
-        <a:p>
-          <a:endParaRPr lang="zh-TW" altLang="en-US"/>
-        </a:p>
-      </dgm:t>
     </dgm:pt>
     <dgm:pt modelId="{1FFB9D19-8D3A-42AA-90E5-58031C5376AF}" type="pres">
       <dgm:prSet presAssocID="{F097E49F-8651-4A22-86CD-4527556239DB}" presName="rootConnector" presStyleLbl="node3" presStyleIdx="2" presStyleCnt="4"/>
       <dgm:spPr/>
-      <dgm:t>
-        <a:bodyPr/>
-        <a:lstStyle/>
-        <a:p>
-          <a:endParaRPr lang="zh-TW" altLang="en-US"/>
-        </a:p>
-      </dgm:t>
     </dgm:pt>
     <dgm:pt modelId="{E3EAEB66-E760-493E-983A-0941E59C80A2}" type="pres">
       <dgm:prSet presAssocID="{F097E49F-8651-4A22-86CD-4527556239DB}" presName="hierChild4" presStyleCnt="0"/>
@@ -1652,13 +1518,6 @@
     <dgm:pt modelId="{D9285871-EF65-48A5-ABB1-88FDEF467AB5}" type="pres">
       <dgm:prSet presAssocID="{E70B9396-C4BF-4FD7-9A80-7B3CCDE267CB}" presName="Name37" presStyleLbl="parChTrans1D2" presStyleIdx="2" presStyleCnt="5"/>
       <dgm:spPr/>
-      <dgm:t>
-        <a:bodyPr/>
-        <a:lstStyle/>
-        <a:p>
-          <a:endParaRPr lang="zh-TW" altLang="en-US"/>
-        </a:p>
-      </dgm:t>
     </dgm:pt>
     <dgm:pt modelId="{315149EC-E32A-4C66-B17C-4E99E5476486}" type="pres">
       <dgm:prSet presAssocID="{A09EB63E-0F22-46A1-B752-DAF48CB5D35B}" presName="hierRoot2" presStyleCnt="0">
@@ -1679,24 +1538,10 @@
         </dgm:presLayoutVars>
       </dgm:prSet>
       <dgm:spPr/>
-      <dgm:t>
-        <a:bodyPr/>
-        <a:lstStyle/>
-        <a:p>
-          <a:endParaRPr lang="zh-TW" altLang="en-US"/>
-        </a:p>
-      </dgm:t>
     </dgm:pt>
     <dgm:pt modelId="{FE23B95C-96C1-461D-BC78-6F3D07042963}" type="pres">
       <dgm:prSet presAssocID="{A09EB63E-0F22-46A1-B752-DAF48CB5D35B}" presName="rootConnector" presStyleLbl="node2" presStyleIdx="2" presStyleCnt="3"/>
       <dgm:spPr/>
-      <dgm:t>
-        <a:bodyPr/>
-        <a:lstStyle/>
-        <a:p>
-          <a:endParaRPr lang="zh-TW" altLang="en-US"/>
-        </a:p>
-      </dgm:t>
     </dgm:pt>
     <dgm:pt modelId="{4091070B-E7D3-4580-89F2-EA8EEB97A66F}" type="pres">
       <dgm:prSet presAssocID="{A09EB63E-0F22-46A1-B752-DAF48CB5D35B}" presName="hierChild4" presStyleCnt="0"/>
@@ -1705,13 +1550,6 @@
     <dgm:pt modelId="{339A10E6-49E8-4D6C-8FD1-2DD04961FB76}" type="pres">
       <dgm:prSet presAssocID="{C3B0EE18-669B-4F2C-85C5-68EDE1ECA64A}" presName="Name37" presStyleLbl="parChTrans1D3" presStyleIdx="3" presStyleCnt="4"/>
       <dgm:spPr/>
-      <dgm:t>
-        <a:bodyPr/>
-        <a:lstStyle/>
-        <a:p>
-          <a:endParaRPr lang="zh-TW" altLang="en-US"/>
-        </a:p>
-      </dgm:t>
     </dgm:pt>
     <dgm:pt modelId="{8871413E-3825-4032-A8DA-34051C0F5C06}" type="pres">
       <dgm:prSet presAssocID="{EFD9AD16-A125-49C0-A7E4-EA695CF0041F}" presName="hierRoot2" presStyleCnt="0">
@@ -1732,24 +1570,10 @@
         </dgm:presLayoutVars>
       </dgm:prSet>
       <dgm:spPr/>
-      <dgm:t>
-        <a:bodyPr/>
-        <a:lstStyle/>
-        <a:p>
-          <a:endParaRPr lang="zh-TW" altLang="en-US"/>
-        </a:p>
-      </dgm:t>
     </dgm:pt>
     <dgm:pt modelId="{BCA6F9A9-6BAB-432E-AA2C-B94BAF7188C6}" type="pres">
       <dgm:prSet presAssocID="{EFD9AD16-A125-49C0-A7E4-EA695CF0041F}" presName="rootConnector" presStyleLbl="node3" presStyleIdx="3" presStyleCnt="4"/>
       <dgm:spPr/>
-      <dgm:t>
-        <a:bodyPr/>
-        <a:lstStyle/>
-        <a:p>
-          <a:endParaRPr lang="zh-TW" altLang="en-US"/>
-        </a:p>
-      </dgm:t>
     </dgm:pt>
     <dgm:pt modelId="{0ACACFAD-F47C-4427-93C7-5571420DA16D}" type="pres">
       <dgm:prSet presAssocID="{EFD9AD16-A125-49C0-A7E4-EA695CF0041F}" presName="hierChild4" presStyleCnt="0"/>
@@ -1770,13 +1594,6 @@
     <dgm:pt modelId="{678DC335-3583-4A97-B0CA-780A550F57D2}" type="pres">
       <dgm:prSet presAssocID="{B5551A83-7B1F-4A39-B3BE-DB1C1A4EC98C}" presName="Name111" presStyleLbl="parChTrans1D2" presStyleIdx="3" presStyleCnt="5"/>
       <dgm:spPr/>
-      <dgm:t>
-        <a:bodyPr/>
-        <a:lstStyle/>
-        <a:p>
-          <a:endParaRPr lang="zh-TW" altLang="en-US"/>
-        </a:p>
-      </dgm:t>
     </dgm:pt>
     <dgm:pt modelId="{53BE7701-AB5E-4D6D-8075-A1E2373D050F}" type="pres">
       <dgm:prSet presAssocID="{8012699D-CA2F-452B-8BC0-343A8438D5C9}" presName="hierRoot3" presStyleCnt="0">
@@ -1797,24 +1614,10 @@
         </dgm:presLayoutVars>
       </dgm:prSet>
       <dgm:spPr/>
-      <dgm:t>
-        <a:bodyPr/>
-        <a:lstStyle/>
-        <a:p>
-          <a:endParaRPr lang="zh-TW" altLang="en-US"/>
-        </a:p>
-      </dgm:t>
     </dgm:pt>
     <dgm:pt modelId="{06A12E19-05F4-470B-B3F7-9AC74F6A7683}" type="pres">
       <dgm:prSet presAssocID="{8012699D-CA2F-452B-8BC0-343A8438D5C9}" presName="rootConnector3" presStyleLbl="asst1" presStyleIdx="0" presStyleCnt="2"/>
       <dgm:spPr/>
-      <dgm:t>
-        <a:bodyPr/>
-        <a:lstStyle/>
-        <a:p>
-          <a:endParaRPr lang="zh-TW" altLang="en-US"/>
-        </a:p>
-      </dgm:t>
     </dgm:pt>
     <dgm:pt modelId="{C33C1C82-ACBE-4C27-94EF-678F652727E8}" type="pres">
       <dgm:prSet presAssocID="{8012699D-CA2F-452B-8BC0-343A8438D5C9}" presName="hierChild6" presStyleCnt="0"/>
@@ -1847,24 +1650,10 @@
         </dgm:presLayoutVars>
       </dgm:prSet>
       <dgm:spPr/>
-      <dgm:t>
-        <a:bodyPr/>
-        <a:lstStyle/>
-        <a:p>
-          <a:endParaRPr lang="zh-TW" altLang="en-US"/>
-        </a:p>
-      </dgm:t>
     </dgm:pt>
     <dgm:pt modelId="{AB56EB8F-11B0-4DB2-AEC9-43B3855CA797}" type="pres">
       <dgm:prSet presAssocID="{37749676-8A07-4E80-92CC-4C6A8988D3DA}" presName="rootConnector3" presStyleLbl="asst1" presStyleIdx="1" presStyleCnt="2"/>
       <dgm:spPr/>
-      <dgm:t>
-        <a:bodyPr/>
-        <a:lstStyle/>
-        <a:p>
-          <a:endParaRPr lang="zh-TW" altLang="en-US"/>
-        </a:p>
-      </dgm:t>
     </dgm:pt>
     <dgm:pt modelId="{D68D968F-2FE8-4257-90B5-CA4D176E3D4A}" type="pres">
       <dgm:prSet presAssocID="{37749676-8A07-4E80-92CC-4C6A8988D3DA}" presName="hierChild6" presStyleCnt="0"/>
@@ -1876,46 +1665,46 @@
     </dgm:pt>
   </dgm:ptLst>
   <dgm:cxnLst>
-    <dgm:cxn modelId="{F447804C-B4DA-4256-B5F6-721378F66CB1}" type="presOf" srcId="{170F67F2-0631-4F3D-A6C4-BE694C9BC448}" destId="{DC893096-C5ED-4DBA-AEAA-995BFA9886E3}" srcOrd="0" destOrd="0" presId="urn:microsoft.com/office/officeart/2005/8/layout/orgChart1"/>
-    <dgm:cxn modelId="{CC3B72ED-0722-4B91-88DD-967379A24DAF}" srcId="{E83FCBC3-F052-4EBA-9026-C3A96072690D}" destId="{A09EB63E-0F22-46A1-B752-DAF48CB5D35B}" srcOrd="4" destOrd="0" parTransId="{E70B9396-C4BF-4FD7-9A80-7B3CCDE267CB}" sibTransId="{B525A997-4F6A-422A-82BD-F244F20D3976}"/>
-    <dgm:cxn modelId="{79A524A8-C394-4996-A158-B48E4C959D73}" type="presOf" srcId="{81034DBD-086A-45FA-8337-2075E094BEA6}" destId="{ADA098C5-D9E8-4ECB-B4F9-D8D99F7871D2}" srcOrd="0" destOrd="0" presId="urn:microsoft.com/office/officeart/2005/8/layout/orgChart1"/>
-    <dgm:cxn modelId="{B07FA973-E968-43B4-94EC-8F4DFECFA000}" type="presOf" srcId="{8012699D-CA2F-452B-8BC0-343A8438D5C9}" destId="{76203CA2-B4A4-449B-B65A-8346A3BC129D}" srcOrd="0" destOrd="0" presId="urn:microsoft.com/office/officeart/2005/8/layout/orgChart1"/>
-    <dgm:cxn modelId="{40D655D8-F1F4-40E0-BFD1-90434219B332}" type="presOf" srcId="{185BE48F-A025-43CF-9F55-0C31ACC7AB87}" destId="{EC68C0D3-8FD8-4F01-8B11-9D9D6570C33A}" srcOrd="1" destOrd="0" presId="urn:microsoft.com/office/officeart/2005/8/layout/orgChart1"/>
-    <dgm:cxn modelId="{6A3B0448-64B4-455F-A260-5F6EA3B9D1BB}" type="presOf" srcId="{185BE48F-A025-43CF-9F55-0C31ACC7AB87}" destId="{3154B4A9-8DEA-4EDF-8DAB-887E84D84D3E}" srcOrd="0" destOrd="0" presId="urn:microsoft.com/office/officeart/2005/8/layout/orgChart1"/>
-    <dgm:cxn modelId="{13B819BF-5653-403D-97CF-DF33075150FD}" type="presOf" srcId="{37749676-8A07-4E80-92CC-4C6A8988D3DA}" destId="{077A499B-76B0-40FD-BF68-91EE13E46A79}" srcOrd="0" destOrd="0" presId="urn:microsoft.com/office/officeart/2005/8/layout/orgChart1"/>
-    <dgm:cxn modelId="{E24B8EAD-5AC5-4202-8283-0D0D76E5A2AB}" type="presOf" srcId="{E70B9396-C4BF-4FD7-9A80-7B3CCDE267CB}" destId="{D9285871-EF65-48A5-ABB1-88FDEF467AB5}" srcOrd="0" destOrd="0" presId="urn:microsoft.com/office/officeart/2005/8/layout/orgChart1"/>
-    <dgm:cxn modelId="{8C90B671-1093-4A37-95A8-4C1B5B10F3FB}" srcId="{E83FCBC3-F052-4EBA-9026-C3A96072690D}" destId="{37749676-8A07-4E80-92CC-4C6A8988D3DA}" srcOrd="1" destOrd="0" parTransId="{A8884CAD-A470-44D3-9702-AFB78DC40E67}" sibTransId="{2FE82937-6F8A-4602-A2A1-04DB612E8399}"/>
-    <dgm:cxn modelId="{DF92417E-FE85-4042-B1C0-E3CC247F32ED}" type="presOf" srcId="{8EE71C07-F677-4076-9426-B4E8938574A2}" destId="{82D0139D-936B-4F48-84D4-9683DBC58A6D}" srcOrd="0" destOrd="0" presId="urn:microsoft.com/office/officeart/2005/8/layout/orgChart1"/>
-    <dgm:cxn modelId="{27A6C848-BDCC-4C3F-8696-A69D8C1D0C03}" type="presOf" srcId="{E83FCBC3-F052-4EBA-9026-C3A96072690D}" destId="{67A25BB2-1B7C-4FB3-9DE8-48B617F763CF}" srcOrd="1" destOrd="0" presId="urn:microsoft.com/office/officeart/2005/8/layout/orgChart1"/>
-    <dgm:cxn modelId="{2B6DE18F-DB0B-47DC-8EBC-6A57B4751EAB}" srcId="{1A1E818D-3E7A-4B07-AEBE-6E03C6893FEC}" destId="{185BE48F-A025-43CF-9F55-0C31ACC7AB87}" srcOrd="1" destOrd="0" parTransId="{29440E7C-FD2F-4434-A54D-C3364A2B980E}" sibTransId="{C827C3D8-6546-4B25-9CBF-AC077E08B38F}"/>
+    <dgm:cxn modelId="{3D0B0F0C-3905-4DE9-85FC-A0D466A15025}" type="presOf" srcId="{170F67F2-0631-4F3D-A6C4-BE694C9BC448}" destId="{4D31AE89-95C3-48E8-995D-88F01BE6D455}" srcOrd="1" destOrd="0" presId="urn:microsoft.com/office/officeart/2005/8/layout/orgChart1"/>
+    <dgm:cxn modelId="{A95A8E0F-0D40-4A04-AC2E-D74990A458B9}" type="presOf" srcId="{7933155A-116E-4432-AA6B-2264948CA236}" destId="{13050432-583A-4EB7-A17F-8ECC73B32173}" srcOrd="0" destOrd="0" presId="urn:microsoft.com/office/officeart/2005/8/layout/orgChart1"/>
+    <dgm:cxn modelId="{F346E418-96E0-495C-8C5E-4442A4AA18E7}" type="presOf" srcId="{1A1E818D-3E7A-4B07-AEBE-6E03C6893FEC}" destId="{8FF2CF00-DEFE-4F65-8040-87BE53803361}" srcOrd="1" destOrd="0" presId="urn:microsoft.com/office/officeart/2005/8/layout/orgChart1"/>
+    <dgm:cxn modelId="{4D853C1A-176C-42B8-99C8-C78686B26587}" type="presOf" srcId="{29440E7C-FD2F-4434-A54D-C3364A2B980E}" destId="{942A89B4-7C9A-4D76-A3D4-953B85D59956}" srcOrd="0" destOrd="0" presId="urn:microsoft.com/office/officeart/2005/8/layout/orgChart1"/>
+    <dgm:cxn modelId="{63917A1A-7D72-45C7-BE0A-8A213C840081}" type="presOf" srcId="{E83FCBC3-F052-4EBA-9026-C3A96072690D}" destId="{37A81D57-E5B6-4E46-952A-B0CDAC52741E}" srcOrd="0" destOrd="0" presId="urn:microsoft.com/office/officeart/2005/8/layout/orgChart1"/>
+    <dgm:cxn modelId="{91A0B01C-6E61-4DB9-A838-56DB1DF25AED}" type="presOf" srcId="{7933155A-116E-4432-AA6B-2264948CA236}" destId="{62D0ED7E-A67C-4B88-A109-FE85545F60E0}" srcOrd="1" destOrd="0" presId="urn:microsoft.com/office/officeart/2005/8/layout/orgChart1"/>
     <dgm:cxn modelId="{07A2201D-71F7-4C57-A7CB-9DCD8F87DC6F}" srcId="{E83FCBC3-F052-4EBA-9026-C3A96072690D}" destId="{1A1E818D-3E7A-4B07-AEBE-6E03C6893FEC}" srcOrd="2" destOrd="0" parTransId="{8EE71C07-F677-4076-9426-B4E8938574A2}" sibTransId="{6C6211F1-DFEB-4FB7-8606-2BBC0BC7829E}"/>
     <dgm:cxn modelId="{B40C1420-035F-456C-BFAA-3E1C725CC5F3}" type="presOf" srcId="{14A5D398-0E6B-4260-AD8A-4A48C83B69B0}" destId="{70A06282-78B4-402D-928C-5A7F9F5A44F7}" srcOrd="0" destOrd="0" presId="urn:microsoft.com/office/officeart/2005/8/layout/orgChart1"/>
-    <dgm:cxn modelId="{3D0B0F0C-3905-4DE9-85FC-A0D466A15025}" type="presOf" srcId="{170F67F2-0631-4F3D-A6C4-BE694C9BC448}" destId="{4D31AE89-95C3-48E8-995D-88F01BE6D455}" srcOrd="1" destOrd="0" presId="urn:microsoft.com/office/officeart/2005/8/layout/orgChart1"/>
-    <dgm:cxn modelId="{E2D83CF0-7B98-4EEB-9D60-1954F23963BA}" srcId="{A09EB63E-0F22-46A1-B752-DAF48CB5D35B}" destId="{EFD9AD16-A125-49C0-A7E4-EA695CF0041F}" srcOrd="0" destOrd="0" parTransId="{C3B0EE18-669B-4F2C-85C5-68EDE1ECA64A}" sibTransId="{D2F37C7B-7B89-4011-A916-C45DB4AD5D22}"/>
+    <dgm:cxn modelId="{0EA73B21-3627-4C18-91FE-0DD39EACDF6B}" srcId="{E83FCBC3-F052-4EBA-9026-C3A96072690D}" destId="{170F67F2-0631-4F3D-A6C4-BE694C9BC448}" srcOrd="3" destOrd="0" parTransId="{44098357-7F41-4801-B630-85A3FCAAAA43}" sibTransId="{DFC44790-711C-4418-8316-4A880F700CF2}"/>
     <dgm:cxn modelId="{DE60C228-C7E6-4BF0-ADAD-52F271CA446F}" type="presOf" srcId="{44098357-7F41-4801-B630-85A3FCAAAA43}" destId="{C11D6C86-5FC7-4919-9D87-8E2CCB55B805}" srcOrd="0" destOrd="0" presId="urn:microsoft.com/office/officeart/2005/8/layout/orgChart1"/>
     <dgm:cxn modelId="{7134D130-FEF0-4CA5-BCD7-683CD95B4B4B}" type="presOf" srcId="{EFD9AD16-A125-49C0-A7E4-EA695CF0041F}" destId="{BCA6F9A9-6BAB-432E-AA2C-B94BAF7188C6}" srcOrd="1" destOrd="0" presId="urn:microsoft.com/office/officeart/2005/8/layout/orgChart1"/>
-    <dgm:cxn modelId="{A316D18D-FAA2-4C32-88B8-FF8C6E5DEEBF}" srcId="{170F67F2-0631-4F3D-A6C4-BE694C9BC448}" destId="{F097E49F-8651-4A22-86CD-4527556239DB}" srcOrd="0" destOrd="0" parTransId="{14A5D398-0E6B-4260-AD8A-4A48C83B69B0}" sibTransId="{50E3B47F-1376-48EA-8E7F-D0F6DB3D630C}"/>
-    <dgm:cxn modelId="{6F946CF3-5037-4800-AB5E-9797BA5B0574}" type="presOf" srcId="{865843BD-05F5-4DDF-ACF1-0652AACDF84C}" destId="{8D4373E1-BD78-4185-BDF8-97E584689D91}" srcOrd="0" destOrd="0" presId="urn:microsoft.com/office/officeart/2005/8/layout/orgChart1"/>
-    <dgm:cxn modelId="{63917A1A-7D72-45C7-BE0A-8A213C840081}" type="presOf" srcId="{E83FCBC3-F052-4EBA-9026-C3A96072690D}" destId="{37A81D57-E5B6-4E46-952A-B0CDAC52741E}" srcOrd="0" destOrd="0" presId="urn:microsoft.com/office/officeart/2005/8/layout/orgChart1"/>
-    <dgm:cxn modelId="{F2BB4DEA-C0DC-4050-89C6-5ED9A84A52E4}" srcId="{1A1E818D-3E7A-4B07-AEBE-6E03C6893FEC}" destId="{7933155A-116E-4432-AA6B-2264948CA236}" srcOrd="0" destOrd="0" parTransId="{81034DBD-086A-45FA-8337-2075E094BEA6}" sibTransId="{F070A08A-A8AF-4140-8A34-9942F703E588}"/>
-    <dgm:cxn modelId="{72B631B3-72DD-4D76-A14F-A3EC61AA7E27}" type="presOf" srcId="{B5551A83-7B1F-4A39-B3BE-DB1C1A4EC98C}" destId="{678DC335-3583-4A97-B0CA-780A550F57D2}" srcOrd="0" destOrd="0" presId="urn:microsoft.com/office/officeart/2005/8/layout/orgChart1"/>
     <dgm:cxn modelId="{79198960-2DF3-41C1-BC33-E07961599810}" type="presOf" srcId="{F097E49F-8651-4A22-86CD-4527556239DB}" destId="{1FFB9D19-8D3A-42AA-90E5-58031C5376AF}" srcOrd="1" destOrd="0" presId="urn:microsoft.com/office/officeart/2005/8/layout/orgChart1"/>
     <dgm:cxn modelId="{3BD8E846-8319-40FF-B33D-8545C3EBDA29}" type="presOf" srcId="{EFD9AD16-A125-49C0-A7E4-EA695CF0041F}" destId="{66BEC728-A401-47DA-8559-C0CF9D6779B4}" srcOrd="0" destOrd="0" presId="urn:microsoft.com/office/officeart/2005/8/layout/orgChart1"/>
+    <dgm:cxn modelId="{6A3B0448-64B4-455F-A260-5F6EA3B9D1BB}" type="presOf" srcId="{185BE48F-A025-43CF-9F55-0C31ACC7AB87}" destId="{3154B4A9-8DEA-4EDF-8DAB-887E84D84D3E}" srcOrd="0" destOrd="0" presId="urn:microsoft.com/office/officeart/2005/8/layout/orgChart1"/>
+    <dgm:cxn modelId="{27A6C848-BDCC-4C3F-8696-A69D8C1D0C03}" type="presOf" srcId="{E83FCBC3-F052-4EBA-9026-C3A96072690D}" destId="{67A25BB2-1B7C-4FB3-9DE8-48B617F763CF}" srcOrd="1" destOrd="0" presId="urn:microsoft.com/office/officeart/2005/8/layout/orgChart1"/>
+    <dgm:cxn modelId="{D8D7A84B-3741-49B7-91F1-32C3E7DC17F4}" type="presOf" srcId="{C3B0EE18-669B-4F2C-85C5-68EDE1ECA64A}" destId="{339A10E6-49E8-4D6C-8FD1-2DD04961FB76}" srcOrd="0" destOrd="0" presId="urn:microsoft.com/office/officeart/2005/8/layout/orgChart1"/>
+    <dgm:cxn modelId="{F447804C-B4DA-4256-B5F6-721378F66CB1}" type="presOf" srcId="{170F67F2-0631-4F3D-A6C4-BE694C9BC448}" destId="{DC893096-C5ED-4DBA-AEAA-995BFA9886E3}" srcOrd="0" destOrd="0" presId="urn:microsoft.com/office/officeart/2005/8/layout/orgChart1"/>
+    <dgm:cxn modelId="{8C90B671-1093-4A37-95A8-4C1B5B10F3FB}" srcId="{E83FCBC3-F052-4EBA-9026-C3A96072690D}" destId="{37749676-8A07-4E80-92CC-4C6A8988D3DA}" srcOrd="1" destOrd="0" parTransId="{A8884CAD-A470-44D3-9702-AFB78DC40E67}" sibTransId="{2FE82937-6F8A-4602-A2A1-04DB612E8399}"/>
+    <dgm:cxn modelId="{B07FA973-E968-43B4-94EC-8F4DFECFA000}" type="presOf" srcId="{8012699D-CA2F-452B-8BC0-343A8438D5C9}" destId="{76203CA2-B4A4-449B-B65A-8346A3BC129D}" srcOrd="0" destOrd="0" presId="urn:microsoft.com/office/officeart/2005/8/layout/orgChart1"/>
+    <dgm:cxn modelId="{C790467D-C02E-4CFA-AE41-EEE86CBFF35C}" type="presOf" srcId="{F097E49F-8651-4A22-86CD-4527556239DB}" destId="{6F934C26-FAFB-4653-8C5A-091B2772FAAC}" srcOrd="0" destOrd="0" presId="urn:microsoft.com/office/officeart/2005/8/layout/orgChart1"/>
+    <dgm:cxn modelId="{DF92417E-FE85-4042-B1C0-E3CC247F32ED}" type="presOf" srcId="{8EE71C07-F677-4076-9426-B4E8938574A2}" destId="{82D0139D-936B-4F48-84D4-9683DBC58A6D}" srcOrd="0" destOrd="0" presId="urn:microsoft.com/office/officeart/2005/8/layout/orgChart1"/>
+    <dgm:cxn modelId="{CFE4797E-D5EB-4328-9332-7EE9FE0D91C7}" type="presOf" srcId="{A09EB63E-0F22-46A1-B752-DAF48CB5D35B}" destId="{FE23B95C-96C1-461D-BC78-6F3D07042963}" srcOrd="1" destOrd="0" presId="urn:microsoft.com/office/officeart/2005/8/layout/orgChart1"/>
+    <dgm:cxn modelId="{DA635689-1ADD-4014-81AB-DB98F6950DAD}" type="presOf" srcId="{1A1E818D-3E7A-4B07-AEBE-6E03C6893FEC}" destId="{62F08504-DB4B-410A-BBF8-72232ED2C64F}" srcOrd="0" destOrd="0" presId="urn:microsoft.com/office/officeart/2005/8/layout/orgChart1"/>
+    <dgm:cxn modelId="{A316D18D-FAA2-4C32-88B8-FF8C6E5DEEBF}" srcId="{170F67F2-0631-4F3D-A6C4-BE694C9BC448}" destId="{F097E49F-8651-4A22-86CD-4527556239DB}" srcOrd="0" destOrd="0" parTransId="{14A5D398-0E6B-4260-AD8A-4A48C83B69B0}" sibTransId="{50E3B47F-1376-48EA-8E7F-D0F6DB3D630C}"/>
+    <dgm:cxn modelId="{2B6DE18F-DB0B-47DC-8EBC-6A57B4751EAB}" srcId="{1A1E818D-3E7A-4B07-AEBE-6E03C6893FEC}" destId="{185BE48F-A025-43CF-9F55-0C31ACC7AB87}" srcOrd="1" destOrd="0" parTransId="{29440E7C-FD2F-4434-A54D-C3364A2B980E}" sibTransId="{C827C3D8-6546-4B25-9CBF-AC077E08B38F}"/>
+    <dgm:cxn modelId="{79A524A8-C394-4996-A158-B48E4C959D73}" type="presOf" srcId="{81034DBD-086A-45FA-8337-2075E094BEA6}" destId="{ADA098C5-D9E8-4ECB-B4F9-D8D99F7871D2}" srcOrd="0" destOrd="0" presId="urn:microsoft.com/office/officeart/2005/8/layout/orgChart1"/>
+    <dgm:cxn modelId="{E24B8EAD-5AC5-4202-8283-0D0D76E5A2AB}" type="presOf" srcId="{E70B9396-C4BF-4FD7-9A80-7B3CCDE267CB}" destId="{D9285871-EF65-48A5-ABB1-88FDEF467AB5}" srcOrd="0" destOrd="0" presId="urn:microsoft.com/office/officeart/2005/8/layout/orgChart1"/>
+    <dgm:cxn modelId="{72B631B3-72DD-4D76-A14F-A3EC61AA7E27}" type="presOf" srcId="{B5551A83-7B1F-4A39-B3BE-DB1C1A4EC98C}" destId="{678DC335-3583-4A97-B0CA-780A550F57D2}" srcOrd="0" destOrd="0" presId="urn:microsoft.com/office/officeart/2005/8/layout/orgChart1"/>
+    <dgm:cxn modelId="{13B819BF-5653-403D-97CF-DF33075150FD}" type="presOf" srcId="{37749676-8A07-4E80-92CC-4C6A8988D3DA}" destId="{077A499B-76B0-40FD-BF68-91EE13E46A79}" srcOrd="0" destOrd="0" presId="urn:microsoft.com/office/officeart/2005/8/layout/orgChart1"/>
+    <dgm:cxn modelId="{631A56C3-5CB0-47B6-8F15-CD2FB8422024}" srcId="{E83FCBC3-F052-4EBA-9026-C3A96072690D}" destId="{8012699D-CA2F-452B-8BC0-343A8438D5C9}" srcOrd="0" destOrd="0" parTransId="{B5551A83-7B1F-4A39-B3BE-DB1C1A4EC98C}" sibTransId="{FDD004DF-805D-45FE-87A5-DBA3E0DC0BFF}"/>
+    <dgm:cxn modelId="{E2BCD5CC-C19F-46E7-96BA-10C27A258668}" srcId="{865843BD-05F5-4DDF-ACF1-0652AACDF84C}" destId="{E83FCBC3-F052-4EBA-9026-C3A96072690D}" srcOrd="0" destOrd="0" parTransId="{119BBBED-FBBB-4463-AE3E-F8D8357136BF}" sibTransId="{0A28126F-ABF9-4CAC-BB0B-8A9865B956B0}"/>
+    <dgm:cxn modelId="{40D655D8-F1F4-40E0-BFD1-90434219B332}" type="presOf" srcId="{185BE48F-A025-43CF-9F55-0C31ACC7AB87}" destId="{EC68C0D3-8FD8-4F01-8B11-9D9D6570C33A}" srcOrd="1" destOrd="0" presId="urn:microsoft.com/office/officeart/2005/8/layout/orgChart1"/>
+    <dgm:cxn modelId="{C3F957DE-5443-4DC9-AD1F-D6BC21008842}" type="presOf" srcId="{A09EB63E-0F22-46A1-B752-DAF48CB5D35B}" destId="{091F391E-0197-454F-9B9F-98CAF943A0CF}" srcOrd="0" destOrd="0" presId="urn:microsoft.com/office/officeart/2005/8/layout/orgChart1"/>
+    <dgm:cxn modelId="{F2BB4DEA-C0DC-4050-89C6-5ED9A84A52E4}" srcId="{1A1E818D-3E7A-4B07-AEBE-6E03C6893FEC}" destId="{7933155A-116E-4432-AA6B-2264948CA236}" srcOrd="0" destOrd="0" parTransId="{81034DBD-086A-45FA-8337-2075E094BEA6}" sibTransId="{F070A08A-A8AF-4140-8A34-9942F703E588}"/>
+    <dgm:cxn modelId="{CC3B72ED-0722-4B91-88DD-967379A24DAF}" srcId="{E83FCBC3-F052-4EBA-9026-C3A96072690D}" destId="{A09EB63E-0F22-46A1-B752-DAF48CB5D35B}" srcOrd="4" destOrd="0" parTransId="{E70B9396-C4BF-4FD7-9A80-7B3CCDE267CB}" sibTransId="{B525A997-4F6A-422A-82BD-F244F20D3976}"/>
+    <dgm:cxn modelId="{E2D83CF0-7B98-4EEB-9D60-1954F23963BA}" srcId="{A09EB63E-0F22-46A1-B752-DAF48CB5D35B}" destId="{EFD9AD16-A125-49C0-A7E4-EA695CF0041F}" srcOrd="0" destOrd="0" parTransId="{C3B0EE18-669B-4F2C-85C5-68EDE1ECA64A}" sibTransId="{D2F37C7B-7B89-4011-A916-C45DB4AD5D22}"/>
+    <dgm:cxn modelId="{EE0ABDF1-69D2-4A75-94B5-0F5832E4F30B}" type="presOf" srcId="{A8884CAD-A470-44D3-9702-AFB78DC40E67}" destId="{2CC929F5-A0A1-4943-9A7E-4139AA62F6F9}" srcOrd="0" destOrd="0" presId="urn:microsoft.com/office/officeart/2005/8/layout/orgChart1"/>
+    <dgm:cxn modelId="{6F946CF3-5037-4800-AB5E-9797BA5B0574}" type="presOf" srcId="{865843BD-05F5-4DDF-ACF1-0652AACDF84C}" destId="{8D4373E1-BD78-4185-BDF8-97E584689D91}" srcOrd="0" destOrd="0" presId="urn:microsoft.com/office/officeart/2005/8/layout/orgChart1"/>
+    <dgm:cxn modelId="{ABE0F2F3-2817-4FF8-B633-E978FEF85FDD}" type="presOf" srcId="{37749676-8A07-4E80-92CC-4C6A8988D3DA}" destId="{AB56EB8F-11B0-4DB2-AEC9-43B3855CA797}" srcOrd="1" destOrd="0" presId="urn:microsoft.com/office/officeart/2005/8/layout/orgChart1"/>
     <dgm:cxn modelId="{E36187FF-62E1-459C-8F8D-315DC41B9D7D}" type="presOf" srcId="{8012699D-CA2F-452B-8BC0-343A8438D5C9}" destId="{06A12E19-05F4-470B-B3F7-9AC74F6A7683}" srcOrd="1" destOrd="0" presId="urn:microsoft.com/office/officeart/2005/8/layout/orgChart1"/>
-    <dgm:cxn modelId="{631A56C3-5CB0-47B6-8F15-CD2FB8422024}" srcId="{E83FCBC3-F052-4EBA-9026-C3A96072690D}" destId="{8012699D-CA2F-452B-8BC0-343A8438D5C9}" srcOrd="0" destOrd="0" parTransId="{B5551A83-7B1F-4A39-B3BE-DB1C1A4EC98C}" sibTransId="{FDD004DF-805D-45FE-87A5-DBA3E0DC0BFF}"/>
-    <dgm:cxn modelId="{91A0B01C-6E61-4DB9-A838-56DB1DF25AED}" type="presOf" srcId="{7933155A-116E-4432-AA6B-2264948CA236}" destId="{62D0ED7E-A67C-4B88-A109-FE85545F60E0}" srcOrd="1" destOrd="0" presId="urn:microsoft.com/office/officeart/2005/8/layout/orgChart1"/>
-    <dgm:cxn modelId="{E2BCD5CC-C19F-46E7-96BA-10C27A258668}" srcId="{865843BD-05F5-4DDF-ACF1-0652AACDF84C}" destId="{E83FCBC3-F052-4EBA-9026-C3A96072690D}" srcOrd="0" destOrd="0" parTransId="{119BBBED-FBBB-4463-AE3E-F8D8357136BF}" sibTransId="{0A28126F-ABF9-4CAC-BB0B-8A9865B956B0}"/>
-    <dgm:cxn modelId="{DA635689-1ADD-4014-81AB-DB98F6950DAD}" type="presOf" srcId="{1A1E818D-3E7A-4B07-AEBE-6E03C6893FEC}" destId="{62F08504-DB4B-410A-BBF8-72232ED2C64F}" srcOrd="0" destOrd="0" presId="urn:microsoft.com/office/officeart/2005/8/layout/orgChart1"/>
-    <dgm:cxn modelId="{CFE4797E-D5EB-4328-9332-7EE9FE0D91C7}" type="presOf" srcId="{A09EB63E-0F22-46A1-B752-DAF48CB5D35B}" destId="{FE23B95C-96C1-461D-BC78-6F3D07042963}" srcOrd="1" destOrd="0" presId="urn:microsoft.com/office/officeart/2005/8/layout/orgChart1"/>
-    <dgm:cxn modelId="{EE0ABDF1-69D2-4A75-94B5-0F5832E4F30B}" type="presOf" srcId="{A8884CAD-A470-44D3-9702-AFB78DC40E67}" destId="{2CC929F5-A0A1-4943-9A7E-4139AA62F6F9}" srcOrd="0" destOrd="0" presId="urn:microsoft.com/office/officeart/2005/8/layout/orgChart1"/>
-    <dgm:cxn modelId="{C3F957DE-5443-4DC9-AD1F-D6BC21008842}" type="presOf" srcId="{A09EB63E-0F22-46A1-B752-DAF48CB5D35B}" destId="{091F391E-0197-454F-9B9F-98CAF943A0CF}" srcOrd="0" destOrd="0" presId="urn:microsoft.com/office/officeart/2005/8/layout/orgChart1"/>
-    <dgm:cxn modelId="{A95A8E0F-0D40-4A04-AC2E-D74990A458B9}" type="presOf" srcId="{7933155A-116E-4432-AA6B-2264948CA236}" destId="{13050432-583A-4EB7-A17F-8ECC73B32173}" srcOrd="0" destOrd="0" presId="urn:microsoft.com/office/officeart/2005/8/layout/orgChart1"/>
-    <dgm:cxn modelId="{4D853C1A-176C-42B8-99C8-C78686B26587}" type="presOf" srcId="{29440E7C-FD2F-4434-A54D-C3364A2B980E}" destId="{942A89B4-7C9A-4D76-A3D4-953B85D59956}" srcOrd="0" destOrd="0" presId="urn:microsoft.com/office/officeart/2005/8/layout/orgChart1"/>
-    <dgm:cxn modelId="{D8D7A84B-3741-49B7-91F1-32C3E7DC17F4}" type="presOf" srcId="{C3B0EE18-669B-4F2C-85C5-68EDE1ECA64A}" destId="{339A10E6-49E8-4D6C-8FD1-2DD04961FB76}" srcOrd="0" destOrd="0" presId="urn:microsoft.com/office/officeart/2005/8/layout/orgChart1"/>
-    <dgm:cxn modelId="{C790467D-C02E-4CFA-AE41-EEE86CBFF35C}" type="presOf" srcId="{F097E49F-8651-4A22-86CD-4527556239DB}" destId="{6F934C26-FAFB-4653-8C5A-091B2772FAAC}" srcOrd="0" destOrd="0" presId="urn:microsoft.com/office/officeart/2005/8/layout/orgChart1"/>
-    <dgm:cxn modelId="{ABE0F2F3-2817-4FF8-B633-E978FEF85FDD}" type="presOf" srcId="{37749676-8A07-4E80-92CC-4C6A8988D3DA}" destId="{AB56EB8F-11B0-4DB2-AEC9-43B3855CA797}" srcOrd="1" destOrd="0" presId="urn:microsoft.com/office/officeart/2005/8/layout/orgChart1"/>
-    <dgm:cxn modelId="{F346E418-96E0-495C-8C5E-4442A4AA18E7}" type="presOf" srcId="{1A1E818D-3E7A-4B07-AEBE-6E03C6893FEC}" destId="{8FF2CF00-DEFE-4F65-8040-87BE53803361}" srcOrd="1" destOrd="0" presId="urn:microsoft.com/office/officeart/2005/8/layout/orgChart1"/>
-    <dgm:cxn modelId="{0EA73B21-3627-4C18-91FE-0DD39EACDF6B}" srcId="{E83FCBC3-F052-4EBA-9026-C3A96072690D}" destId="{170F67F2-0631-4F3D-A6C4-BE694C9BC448}" srcOrd="3" destOrd="0" parTransId="{44098357-7F41-4801-B630-85A3FCAAAA43}" sibTransId="{DFC44790-711C-4418-8316-4A880F700CF2}"/>
     <dgm:cxn modelId="{94742B2B-0385-44C2-A145-62545C0C1D89}" type="presParOf" srcId="{8D4373E1-BD78-4185-BDF8-97E584689D91}" destId="{BAE6DA31-0B0E-41C7-90D2-CE028C77588B}" srcOrd="0" destOrd="0" presId="urn:microsoft.com/office/officeart/2005/8/layout/orgChart1"/>
     <dgm:cxn modelId="{0A42E3E1-273C-4465-B519-80DE3FD2C3C8}" type="presParOf" srcId="{BAE6DA31-0B0E-41C7-90D2-CE028C77588B}" destId="{FA66EB11-3E1D-4C6D-BBC1-464D3849E786}" srcOrd="0" destOrd="0" presId="urn:microsoft.com/office/officeart/2005/8/layout/orgChart1"/>
     <dgm:cxn modelId="{D83041D1-9130-4C18-A520-8105A694A123}" type="presParOf" srcId="{FA66EB11-3E1D-4C6D-BBC1-464D3849E786}" destId="{37A81D57-E5B6-4E46-952A-B0CDAC52741E}" srcOrd="0" destOrd="0" presId="urn:microsoft.com/office/officeart/2005/8/layout/orgChart1"/>
@@ -2671,7 +2460,7 @@
         </a:bodyPr>
         <a:lstStyle/>
         <a:p>
-          <a:pPr lvl="0" algn="ctr" defTabSz="933450">
+          <a:pPr marL="0" lvl="0" indent="0" algn="ctr" defTabSz="933450">
             <a:lnSpc>
               <a:spcPct val="90000"/>
             </a:lnSpc>
@@ -2681,9 +2470,10 @@
             <a:spcAft>
               <a:spcPct val="35000"/>
             </a:spcAft>
+            <a:buNone/>
           </a:pPr>
           <a:r>
-            <a:rPr lang="en-US" altLang="zh-TW" sz="2100" kern="1200" dirty="0" smtClean="0"/>
+            <a:rPr lang="en-US" altLang="zh-TW" sz="2100" kern="1200" dirty="0"/>
             <a:t>Index</a:t>
           </a:r>
           <a:endParaRPr lang="zh-TW" altLang="en-US" sz="2100" kern="1200" dirty="0"/>
@@ -2752,7 +2542,7 @@
         </a:bodyPr>
         <a:lstStyle/>
         <a:p>
-          <a:pPr lvl="0" algn="ctr" defTabSz="933450">
+          <a:pPr marL="0" lvl="0" indent="0" algn="ctr" defTabSz="933450">
             <a:lnSpc>
               <a:spcPct val="90000"/>
             </a:lnSpc>
@@ -2762,12 +2552,12 @@
             <a:spcAft>
               <a:spcPct val="35000"/>
             </a:spcAft>
+            <a:buNone/>
           </a:pPr>
           <a:r>
-            <a:rPr lang="zh-TW" altLang="en-US" sz="2100" kern="1200" dirty="0" smtClean="0"/>
+            <a:rPr lang="zh-TW" altLang="en-US" sz="2100" kern="1200" dirty="0"/>
             <a:t>歌手</a:t>
           </a:r>
-          <a:endParaRPr lang="zh-TW" altLang="en-US" sz="2100" kern="1200" dirty="0"/>
         </a:p>
       </dsp:txBody>
       <dsp:txXfrm>
@@ -2833,7 +2623,7 @@
         </a:bodyPr>
         <a:lstStyle/>
         <a:p>
-          <a:pPr lvl="0" algn="ctr" defTabSz="933450">
+          <a:pPr marL="0" lvl="0" indent="0" algn="ctr" defTabSz="933450">
             <a:lnSpc>
               <a:spcPct val="90000"/>
             </a:lnSpc>
@@ -2843,12 +2633,12 @@
             <a:spcAft>
               <a:spcPct val="35000"/>
             </a:spcAft>
+            <a:buNone/>
           </a:pPr>
           <a:r>
-            <a:rPr lang="zh-TW" altLang="en-US" sz="2100" kern="1200" dirty="0" smtClean="0"/>
+            <a:rPr lang="zh-TW" altLang="en-US" sz="2100" kern="1200" dirty="0"/>
             <a:t>演唱會資訊</a:t>
           </a:r>
-          <a:endParaRPr lang="zh-TW" altLang="en-US" sz="2100" kern="1200" dirty="0"/>
         </a:p>
       </dsp:txBody>
       <dsp:txXfrm>
@@ -2914,7 +2704,7 @@
         </a:bodyPr>
         <a:lstStyle/>
         <a:p>
-          <a:pPr lvl="0" algn="ctr" defTabSz="933450">
+          <a:pPr marL="0" lvl="0" indent="0" algn="ctr" defTabSz="933450">
             <a:lnSpc>
               <a:spcPct val="90000"/>
             </a:lnSpc>
@@ -2924,12 +2714,12 @@
             <a:spcAft>
               <a:spcPct val="35000"/>
             </a:spcAft>
+            <a:buNone/>
           </a:pPr>
           <a:r>
-            <a:rPr lang="zh-TW" altLang="en-US" sz="2100" kern="1200" dirty="0" smtClean="0"/>
+            <a:rPr lang="zh-TW" altLang="en-US" sz="2100" kern="1200" dirty="0"/>
             <a:t>演唱會資訊</a:t>
           </a:r>
-          <a:endParaRPr lang="zh-TW" altLang="en-US" sz="2100" kern="1200" dirty="0"/>
         </a:p>
       </dsp:txBody>
       <dsp:txXfrm>
@@ -2995,7 +2785,7 @@
         </a:bodyPr>
         <a:lstStyle/>
         <a:p>
-          <a:pPr lvl="0" algn="ctr" defTabSz="933450">
+          <a:pPr marL="0" lvl="0" indent="0" algn="ctr" defTabSz="933450">
             <a:lnSpc>
               <a:spcPct val="90000"/>
             </a:lnSpc>
@@ -3005,12 +2795,12 @@
             <a:spcAft>
               <a:spcPct val="35000"/>
             </a:spcAft>
+            <a:buNone/>
           </a:pPr>
           <a:r>
-            <a:rPr lang="zh-TW" altLang="en-US" sz="2100" kern="1200" dirty="0" smtClean="0"/>
+            <a:rPr lang="zh-TW" altLang="en-US" sz="2100" kern="1200" dirty="0"/>
             <a:t>歌手</a:t>
           </a:r>
-          <a:endParaRPr lang="zh-TW" altLang="en-US" sz="2100" kern="1200" dirty="0"/>
         </a:p>
       </dsp:txBody>
       <dsp:txXfrm>
@@ -3076,7 +2866,7 @@
         </a:bodyPr>
         <a:lstStyle/>
         <a:p>
-          <a:pPr lvl="0" algn="ctr" defTabSz="933450">
+          <a:pPr marL="0" lvl="0" indent="0" algn="ctr" defTabSz="933450">
             <a:lnSpc>
               <a:spcPct val="90000"/>
             </a:lnSpc>
@@ -3086,12 +2876,12 @@
             <a:spcAft>
               <a:spcPct val="35000"/>
             </a:spcAft>
+            <a:buNone/>
           </a:pPr>
           <a:r>
-            <a:rPr lang="zh-TW" altLang="en-US" sz="2100" kern="1200" dirty="0" smtClean="0"/>
+            <a:rPr lang="zh-TW" altLang="en-US" sz="2100" kern="1200" dirty="0"/>
             <a:t>演唱會資訊</a:t>
           </a:r>
-          <a:endParaRPr lang="zh-TW" altLang="en-US" sz="2100" kern="1200" dirty="0"/>
         </a:p>
       </dsp:txBody>
       <dsp:txXfrm>
@@ -3157,7 +2947,7 @@
         </a:bodyPr>
         <a:lstStyle/>
         <a:p>
-          <a:pPr lvl="0" algn="ctr" defTabSz="933450">
+          <a:pPr marL="0" lvl="0" indent="0" algn="ctr" defTabSz="933450">
             <a:lnSpc>
               <a:spcPct val="90000"/>
             </a:lnSpc>
@@ -3167,12 +2957,12 @@
             <a:spcAft>
               <a:spcPct val="35000"/>
             </a:spcAft>
+            <a:buNone/>
           </a:pPr>
           <a:r>
-            <a:rPr lang="zh-TW" altLang="en-US" sz="2100" kern="1200" dirty="0" smtClean="0"/>
+            <a:rPr lang="zh-TW" altLang="en-US" sz="2100" kern="1200" dirty="0"/>
             <a:t>歌手</a:t>
           </a:r>
-          <a:endParaRPr lang="zh-TW" altLang="en-US" sz="2100" kern="1200" dirty="0"/>
         </a:p>
       </dsp:txBody>
       <dsp:txXfrm>
@@ -3238,7 +3028,7 @@
         </a:bodyPr>
         <a:lstStyle/>
         <a:p>
-          <a:pPr lvl="0" algn="ctr" defTabSz="933450">
+          <a:pPr marL="0" lvl="0" indent="0" algn="ctr" defTabSz="933450">
             <a:lnSpc>
               <a:spcPct val="90000"/>
             </a:lnSpc>
@@ -3248,12 +3038,12 @@
             <a:spcAft>
               <a:spcPct val="35000"/>
             </a:spcAft>
+            <a:buNone/>
           </a:pPr>
           <a:r>
-            <a:rPr lang="zh-TW" altLang="en-US" sz="2100" kern="1200" dirty="0" smtClean="0"/>
+            <a:rPr lang="zh-TW" altLang="en-US" sz="2100" kern="1200" dirty="0"/>
             <a:t>演唱會資訊</a:t>
           </a:r>
-          <a:endParaRPr lang="zh-TW" altLang="en-US" sz="2100" kern="1200" dirty="0"/>
         </a:p>
       </dsp:txBody>
       <dsp:txXfrm>
@@ -3319,7 +3109,7 @@
         </a:bodyPr>
         <a:lstStyle/>
         <a:p>
-          <a:pPr lvl="0" algn="ctr" defTabSz="933450">
+          <a:pPr marL="0" lvl="0" indent="0" algn="ctr" defTabSz="933450">
             <a:lnSpc>
               <a:spcPct val="90000"/>
             </a:lnSpc>
@@ -3329,12 +3119,12 @@
             <a:spcAft>
               <a:spcPct val="35000"/>
             </a:spcAft>
+            <a:buNone/>
           </a:pPr>
           <a:r>
-            <a:rPr lang="zh-TW" altLang="en-US" sz="2100" kern="1200" dirty="0" smtClean="0"/>
+            <a:rPr lang="zh-TW" altLang="en-US" sz="2100" kern="1200" dirty="0"/>
             <a:t>地區 </a:t>
           </a:r>
-          <a:endParaRPr lang="zh-TW" altLang="en-US" sz="2100" kern="1200" dirty="0"/>
         </a:p>
       </dsp:txBody>
       <dsp:txXfrm>
@@ -3400,7 +3190,7 @@
         </a:bodyPr>
         <a:lstStyle/>
         <a:p>
-          <a:pPr lvl="0" algn="ctr" defTabSz="933450">
+          <a:pPr marL="0" lvl="0" indent="0" algn="ctr" defTabSz="933450">
             <a:lnSpc>
               <a:spcPct val="90000"/>
             </a:lnSpc>
@@ -3410,12 +3200,12 @@
             <a:spcAft>
               <a:spcPct val="35000"/>
             </a:spcAft>
+            <a:buNone/>
           </a:pPr>
           <a:r>
-            <a:rPr lang="zh-TW" altLang="en-US" sz="2100" kern="1200" dirty="0" smtClean="0"/>
+            <a:rPr lang="zh-TW" altLang="en-US" sz="2100" kern="1200" dirty="0"/>
             <a:t>地區</a:t>
           </a:r>
-          <a:endParaRPr lang="zh-TW" altLang="en-US" sz="2100" kern="1200" dirty="0"/>
         </a:p>
       </dsp:txBody>
       <dsp:txXfrm>
@@ -5985,7 +5775,7 @@
           <a:p>
             <a:fld id="{36982B93-D878-4220-82A0-3D8A37C64810}" type="datetimeFigureOut">
               <a:rPr lang="zh-CN" altLang="en-US" smtClean="0"/>
-              <a:t>2019/3/23</a:t>
+              <a:t>2019/3/27</a:t>
             </a:fld>
             <a:endParaRPr lang="zh-CN" altLang="en-US"/>
           </a:p>
@@ -6383,7 +6173,7 @@
           <a:p>
             <a:fld id="{F2C3DB7C-2D6B-4C00-98DC-0DA6EC76AE3B}" type="datetimeFigureOut">
               <a:rPr lang="zh-CN" altLang="en-US" smtClean="0"/>
-              <a:t>2019/3/23</a:t>
+              <a:t>2019/3/27</a:t>
             </a:fld>
             <a:endParaRPr lang="zh-CN" altLang="en-US"/>
           </a:p>
@@ -6553,7 +6343,7 @@
           <a:p>
             <a:fld id="{F2C3DB7C-2D6B-4C00-98DC-0DA6EC76AE3B}" type="datetimeFigureOut">
               <a:rPr lang="zh-CN" altLang="en-US" smtClean="0"/>
-              <a:t>2019/3/23</a:t>
+              <a:t>2019/3/27</a:t>
             </a:fld>
             <a:endParaRPr lang="zh-CN" altLang="en-US"/>
           </a:p>
@@ -6733,7 +6523,7 @@
           <a:p>
             <a:fld id="{F2C3DB7C-2D6B-4C00-98DC-0DA6EC76AE3B}" type="datetimeFigureOut">
               <a:rPr lang="zh-CN" altLang="en-US" smtClean="0"/>
-              <a:t>2019/3/23</a:t>
+              <a:t>2019/3/27</a:t>
             </a:fld>
             <a:endParaRPr lang="zh-CN" altLang="en-US"/>
           </a:p>
@@ -6905,7 +6695,7 @@
           <a:p>
             <a:fld id="{7DB3F455-7AC8-4AD4-9CF7-1569801F24EF}" type="datetimeFigureOut">
               <a:rPr lang="zh-CN" altLang="en-US" smtClean="0"/>
-              <a:t>2019/3/23</a:t>
+              <a:t>2019/3/27</a:t>
             </a:fld>
             <a:endParaRPr lang="zh-CN" altLang="en-US"/>
           </a:p>
@@ -7521,7 +7311,7 @@
               </a:lnSpc>
             </a:pPr>
             <a:r>
-              <a:rPr lang="zh-CN" altLang="en-US" sz="3600" dirty="0" smtClean="0">
+              <a:rPr lang="zh-CN" altLang="en-US" sz="3600" dirty="0">
                 <a:solidFill>
                   <a:srgbClr val="1E78E8"/>
                 </a:solidFill>
@@ -7530,13 +7320,6 @@
               </a:rPr>
               <a:t>关于陌陌</a:t>
             </a:r>
-            <a:endParaRPr lang="zh-CN" altLang="en-US" sz="3600" dirty="0">
-              <a:solidFill>
-                <a:srgbClr val="1E78E8"/>
-              </a:solidFill>
-              <a:latin typeface="思源黑体 CN Light" panose="020B0300000000000000" pitchFamily="34" charset="-122"/>
-              <a:ea typeface="思源黑体 CN Light" panose="020B0300000000000000" pitchFamily="34" charset="-122"/>
-            </a:endParaRPr>
           </a:p>
         </p:txBody>
       </p:sp>
@@ -7563,7 +7346,7 @@
           <a:p>
             <a:pPr algn="ctr"/>
             <a:r>
-              <a:rPr lang="zh-CN" altLang="en-US" dirty="0" smtClean="0">
+              <a:rPr lang="zh-CN" altLang="en-US" dirty="0">
                 <a:solidFill>
                   <a:schemeClr val="tx1">
                     <a:lumMod val="65000"/>
@@ -7575,16 +7358,6 @@
               </a:rPr>
               <a:t>里程碑</a:t>
             </a:r>
-            <a:endParaRPr lang="zh-CN" altLang="en-US" dirty="0">
-              <a:solidFill>
-                <a:schemeClr val="tx1">
-                  <a:lumMod val="65000"/>
-                  <a:lumOff val="35000"/>
-                </a:schemeClr>
-              </a:solidFill>
-              <a:latin typeface="思源黑体 CN Light" panose="020B0300000000000000" pitchFamily="34" charset="-122"/>
-              <a:ea typeface="思源黑体 CN Light" panose="020B0300000000000000" pitchFamily="34" charset="-122"/>
-            </a:endParaRPr>
           </a:p>
         </p:txBody>
       </p:sp>
@@ -7598,13 +7371,6 @@
   <p:clrMapOvr>
     <a:masterClrMapping/>
   </p:clrMapOvr>
-  <p:timing>
-    <p:tnLst>
-      <p:par>
-        <p:cTn id="1" dur="indefinite" restart="never" nodeType="tmRoot"/>
-      </p:par>
-    </p:tnLst>
-  </p:timing>
 </p:sldLayout>
 </file>
 
@@ -7635,13 +7401,6 @@
   <p:clrMapOvr>
     <a:masterClrMapping/>
   </p:clrMapOvr>
-  <p:timing>
-    <p:tnLst>
-      <p:par>
-        <p:cTn id="1" dur="indefinite" restart="never" nodeType="tmRoot"/>
-      </p:par>
-    </p:tnLst>
-  </p:timing>
 </p:sldLayout>
 </file>
 
@@ -7816,7 +7575,7 @@
           <a:p>
             <a:fld id="{F2C3DB7C-2D6B-4C00-98DC-0DA6EC76AE3B}" type="datetimeFigureOut">
               <a:rPr lang="zh-CN" altLang="en-US" smtClean="0"/>
-              <a:t>2019/3/23</a:t>
+              <a:t>2019/3/27</a:t>
             </a:fld>
             <a:endParaRPr lang="zh-CN" altLang="en-US"/>
           </a:p>
@@ -8183,7 +7942,7 @@
           <a:p>
             <a:fld id="{F2C3DB7C-2D6B-4C00-98DC-0DA6EC76AE3B}" type="datetimeFigureOut">
               <a:rPr lang="zh-CN" altLang="en-US" smtClean="0"/>
-              <a:t>2019/3/23</a:t>
+              <a:t>2019/3/27</a:t>
             </a:fld>
             <a:endParaRPr lang="zh-CN" altLang="en-US"/>
           </a:p>
@@ -8301,7 +8060,7 @@
           <a:p>
             <a:fld id="{F2C3DB7C-2D6B-4C00-98DC-0DA6EC76AE3B}" type="datetimeFigureOut">
               <a:rPr lang="zh-CN" altLang="en-US" smtClean="0"/>
-              <a:t>2019/3/23</a:t>
+              <a:t>2019/3/27</a:t>
             </a:fld>
             <a:endParaRPr lang="zh-CN" altLang="en-US"/>
           </a:p>
@@ -8396,7 +8155,7 @@
           <a:p>
             <a:fld id="{F2C3DB7C-2D6B-4C00-98DC-0DA6EC76AE3B}" type="datetimeFigureOut">
               <a:rPr lang="zh-CN" altLang="en-US" smtClean="0"/>
-              <a:t>2019/3/23</a:t>
+              <a:t>2019/3/27</a:t>
             </a:fld>
             <a:endParaRPr lang="zh-CN" altLang="en-US"/>
           </a:p>
@@ -8673,7 +8432,7 @@
           <a:p>
             <a:fld id="{F2C3DB7C-2D6B-4C00-98DC-0DA6EC76AE3B}" type="datetimeFigureOut">
               <a:rPr lang="zh-CN" altLang="en-US" smtClean="0"/>
-              <a:t>2019/3/23</a:t>
+              <a:t>2019/3/27</a:t>
             </a:fld>
             <a:endParaRPr lang="zh-CN" altLang="en-US"/>
           </a:p>
@@ -8930,7 +8689,7 @@
           <a:p>
             <a:fld id="{F2C3DB7C-2D6B-4C00-98DC-0DA6EC76AE3B}" type="datetimeFigureOut">
               <a:rPr lang="zh-CN" altLang="en-US" smtClean="0"/>
-              <a:t>2019/3/23</a:t>
+              <a:t>2019/3/27</a:t>
             </a:fld>
             <a:endParaRPr lang="zh-CN" altLang="en-US"/>
           </a:p>
@@ -9146,7 +8905,7 @@
           <a:p>
             <a:fld id="{F2C3DB7C-2D6B-4C00-98DC-0DA6EC76AE3B}" type="datetimeFigureOut">
               <a:rPr lang="zh-CN" altLang="en-US" smtClean="0"/>
-              <a:t>2019/3/23</a:t>
+              <a:t>2019/3/27</a:t>
             </a:fld>
             <a:endParaRPr lang="zh-CN" altLang="en-US"/>
           </a:p>
@@ -9715,7 +9474,7 @@
           <a:lstStyle/>
           <a:p>
             <a:r>
-              <a:rPr lang="zh-TW" altLang="en-US" sz="4800" b="1" dirty="0" smtClean="0">
+              <a:rPr lang="zh-TW" altLang="en-US" sz="4800" b="1" dirty="0">
                 <a:solidFill>
                   <a:schemeClr val="bg1"/>
                 </a:solidFill>
@@ -9757,16 +9516,6 @@
           <a:lstStyle/>
           <a:p>
             <a:r>
-              <a:rPr lang="zh-TW" altLang="en-US" dirty="0" smtClean="0">
-                <a:solidFill>
-                  <a:srgbClr val="1E78E8"/>
-                </a:solidFill>
-                <a:latin typeface="思源黑体 CN Light" panose="020B0300000000000000" pitchFamily="34" charset="-122"/>
-                <a:ea typeface="思源黑体 CN Light" panose="020B0300000000000000" pitchFamily="34" charset="-122"/>
-              </a:rPr>
-              <a:t>顏</a:t>
-            </a:r>
-            <a:r>
               <a:rPr lang="zh-TW" altLang="en-US" dirty="0">
                 <a:solidFill>
                   <a:srgbClr val="1E78E8"/>
@@ -9774,17 +9523,7 @@
                 <a:latin typeface="思源黑体 CN Light" panose="020B0300000000000000" pitchFamily="34" charset="-122"/>
                 <a:ea typeface="思源黑体 CN Light" panose="020B0300000000000000" pitchFamily="34" charset="-122"/>
               </a:rPr>
-              <a:t>益</a:t>
-            </a:r>
-            <a:r>
-              <a:rPr lang="zh-TW" altLang="en-US" dirty="0" smtClean="0">
-                <a:solidFill>
-                  <a:srgbClr val="1E78E8"/>
-                </a:solidFill>
-                <a:latin typeface="思源黑体 CN Light" panose="020B0300000000000000" pitchFamily="34" charset="-122"/>
-                <a:ea typeface="思源黑体 CN Light" panose="020B0300000000000000" pitchFamily="34" charset="-122"/>
-              </a:rPr>
-              <a:t>民</a:t>
+              <a:t>顏益民</a:t>
             </a:r>
             <a:endParaRPr lang="zh-CN" altLang="en-US" dirty="0">
               <a:solidFill>
@@ -9819,7 +9558,7 @@
           <a:lstStyle/>
           <a:p>
             <a:r>
-              <a:rPr lang="en-US" altLang="zh-TW" dirty="0" smtClean="0">
+              <a:rPr lang="en-US" altLang="zh-TW" dirty="0">
                 <a:solidFill>
                   <a:schemeClr val="bg1"/>
                 </a:solidFill>
@@ -10123,7 +9862,7 @@
           <a:lstStyle/>
           <a:p>
             <a:r>
-              <a:rPr lang="zh-TW" altLang="en-US" dirty="0" smtClean="0">
+              <a:rPr lang="zh-TW" altLang="en-US" dirty="0">
                 <a:solidFill>
                   <a:srgbClr val="1E78E8"/>
                 </a:solidFill>
@@ -10165,16 +9904,6 @@
           <a:lstStyle/>
           <a:p>
             <a:r>
-              <a:rPr lang="zh-TW" altLang="en-US" dirty="0" smtClean="0">
-                <a:solidFill>
-                  <a:srgbClr val="1E78E8"/>
-                </a:solidFill>
-                <a:latin typeface="思源黑体 CN Light" panose="020B0300000000000000" pitchFamily="34" charset="-122"/>
-                <a:ea typeface="思源黑体 CN Light" panose="020B0300000000000000" pitchFamily="34" charset="-122"/>
-              </a:rPr>
-              <a:t>林郁</a:t>
-            </a:r>
-            <a:r>
               <a:rPr lang="zh-TW" altLang="en-US" dirty="0">
                 <a:solidFill>
                   <a:srgbClr val="1E78E8"/>
@@ -10182,7 +9911,7 @@
                 <a:latin typeface="思源黑体 CN Light" panose="020B0300000000000000" pitchFamily="34" charset="-122"/>
                 <a:ea typeface="思源黑体 CN Light" panose="020B0300000000000000" pitchFamily="34" charset="-122"/>
               </a:rPr>
-              <a:t>蓁</a:t>
+              <a:t>林郁蓁</a:t>
             </a:r>
             <a:endParaRPr lang="zh-CN" altLang="en-US" dirty="0">
               <a:solidFill>
@@ -10758,6 +10487,1019 @@
           <a:chExt cx="0" cy="0"/>
         </a:xfrm>
       </p:grpSpPr>
+      <p:sp>
+        <p:nvSpPr>
+          <p:cNvPr id="2" name="矩形 1"/>
+          <p:cNvSpPr/>
+          <p:nvPr/>
+        </p:nvSpPr>
+        <p:spPr>
+          <a:xfrm>
+            <a:off x="424873" y="1366982"/>
+            <a:ext cx="1570182" cy="415636"/>
+          </a:xfrm>
+          <a:prstGeom prst="rect">
+            <a:avLst/>
+          </a:prstGeom>
+        </p:spPr>
+        <p:style>
+          <a:lnRef idx="2">
+            <a:schemeClr val="accent1">
+              <a:shade val="50000"/>
+            </a:schemeClr>
+          </a:lnRef>
+          <a:fillRef idx="1">
+            <a:schemeClr val="accent1"/>
+          </a:fillRef>
+          <a:effectRef idx="0">
+            <a:schemeClr val="accent1"/>
+          </a:effectRef>
+          <a:fontRef idx="minor">
+            <a:schemeClr val="lt1"/>
+          </a:fontRef>
+        </p:style>
+        <p:txBody>
+          <a:bodyPr rtlCol="0" anchor="ctr"/>
+          <a:lstStyle/>
+          <a:p>
+            <a:pPr algn="ctr"/>
+            <a:r>
+              <a:rPr lang="zh-TW" altLang="en-US" dirty="0"/>
+              <a:t>歌手分類</a:t>
+            </a:r>
+          </a:p>
+        </p:txBody>
+      </p:sp>
+      <p:sp>
+        <p:nvSpPr>
+          <p:cNvPr id="4" name="矩形 3"/>
+          <p:cNvSpPr/>
+          <p:nvPr/>
+        </p:nvSpPr>
+        <p:spPr>
+          <a:xfrm>
+            <a:off x="2452254" y="1366982"/>
+            <a:ext cx="1570182" cy="415636"/>
+          </a:xfrm>
+          <a:prstGeom prst="rect">
+            <a:avLst/>
+          </a:prstGeom>
+        </p:spPr>
+        <p:style>
+          <a:lnRef idx="2">
+            <a:schemeClr val="accent1">
+              <a:shade val="50000"/>
+            </a:schemeClr>
+          </a:lnRef>
+          <a:fillRef idx="1">
+            <a:schemeClr val="accent1"/>
+          </a:fillRef>
+          <a:effectRef idx="0">
+            <a:schemeClr val="accent1"/>
+          </a:effectRef>
+          <a:fontRef idx="minor">
+            <a:schemeClr val="lt1"/>
+          </a:fontRef>
+        </p:style>
+        <p:txBody>
+          <a:bodyPr rtlCol="0" anchor="ctr"/>
+          <a:lstStyle/>
+          <a:p>
+            <a:pPr algn="ctr"/>
+            <a:r>
+              <a:rPr lang="zh-TW" altLang="en-US" dirty="0"/>
+              <a:t>熱門排行</a:t>
+            </a:r>
+          </a:p>
+        </p:txBody>
+      </p:sp>
+      <p:sp>
+        <p:nvSpPr>
+          <p:cNvPr id="5" name="矩形 4"/>
+          <p:cNvSpPr/>
+          <p:nvPr/>
+        </p:nvSpPr>
+        <p:spPr>
+          <a:xfrm>
+            <a:off x="4479634" y="1366982"/>
+            <a:ext cx="1570182" cy="415636"/>
+          </a:xfrm>
+          <a:prstGeom prst="rect">
+            <a:avLst/>
+          </a:prstGeom>
+        </p:spPr>
+        <p:style>
+          <a:lnRef idx="2">
+            <a:schemeClr val="accent1">
+              <a:shade val="50000"/>
+            </a:schemeClr>
+          </a:lnRef>
+          <a:fillRef idx="1">
+            <a:schemeClr val="accent1"/>
+          </a:fillRef>
+          <a:effectRef idx="0">
+            <a:schemeClr val="accent1"/>
+          </a:effectRef>
+          <a:fontRef idx="minor">
+            <a:schemeClr val="lt1"/>
+          </a:fontRef>
+        </p:style>
+        <p:txBody>
+          <a:bodyPr rtlCol="0" anchor="ctr"/>
+          <a:lstStyle/>
+          <a:p>
+            <a:pPr algn="ctr"/>
+            <a:r>
+              <a:rPr lang="zh-TW" altLang="en-US" dirty="0"/>
+              <a:t>關於</a:t>
+            </a:r>
+          </a:p>
+        </p:txBody>
+      </p:sp>
+      <p:sp>
+        <p:nvSpPr>
+          <p:cNvPr id="6" name="矩形 5"/>
+          <p:cNvSpPr/>
+          <p:nvPr/>
+        </p:nvSpPr>
+        <p:spPr>
+          <a:xfrm>
+            <a:off x="4401120" y="588904"/>
+            <a:ext cx="3057247" cy="830997"/>
+          </a:xfrm>
+          <a:prstGeom prst="rect">
+            <a:avLst/>
+          </a:prstGeom>
+        </p:spPr>
+        <p:txBody>
+          <a:bodyPr wrap="none">
+            <a:spAutoFit/>
+          </a:bodyPr>
+          <a:lstStyle/>
+          <a:p>
+            <a:pPr algn="ctr">
+              <a:lnSpc>
+                <a:spcPct val="150000"/>
+              </a:lnSpc>
+            </a:pPr>
+            <a:r>
+              <a:rPr lang="zh-TW" altLang="en-US" sz="3200" dirty="0">
+                <a:solidFill>
+                  <a:srgbClr val="1E78E8"/>
+                </a:solidFill>
+                <a:latin typeface="思源黑体 CN Light" panose="020B0300000000000000" pitchFamily="34" charset="-122"/>
+                <a:ea typeface="思源黑体 CN Light" panose="020B0300000000000000" pitchFamily="34" charset="-122"/>
+              </a:rPr>
+              <a:t>首頁完成搞草圖</a:t>
+            </a:r>
+            <a:endParaRPr lang="zh-CN" altLang="en-US" sz="3200" dirty="0">
+              <a:solidFill>
+                <a:srgbClr val="1E78E8"/>
+              </a:solidFill>
+              <a:latin typeface="思源黑体 CN Light" panose="020B0300000000000000" pitchFamily="34" charset="-122"/>
+              <a:ea typeface="思源黑体 CN Light" panose="020B0300000000000000" pitchFamily="34" charset="-122"/>
+            </a:endParaRPr>
+          </a:p>
+        </p:txBody>
+      </p:sp>
+      <p:sp>
+        <p:nvSpPr>
+          <p:cNvPr id="7" name="向下箭號 6"/>
+          <p:cNvSpPr/>
+          <p:nvPr/>
+        </p:nvSpPr>
+        <p:spPr>
+          <a:xfrm>
+            <a:off x="120073" y="1671782"/>
+            <a:ext cx="221672" cy="979054"/>
+          </a:xfrm>
+          <a:prstGeom prst="downArrow">
+            <a:avLst/>
+          </a:prstGeom>
+        </p:spPr>
+        <p:style>
+          <a:lnRef idx="2">
+            <a:schemeClr val="accent1">
+              <a:shade val="50000"/>
+            </a:schemeClr>
+          </a:lnRef>
+          <a:fillRef idx="1">
+            <a:schemeClr val="accent1"/>
+          </a:fillRef>
+          <a:effectRef idx="0">
+            <a:schemeClr val="accent1"/>
+          </a:effectRef>
+          <a:fontRef idx="minor">
+            <a:schemeClr val="lt1"/>
+          </a:fontRef>
+        </p:style>
+        <p:txBody>
+          <a:bodyPr rtlCol="0" anchor="ctr"/>
+          <a:lstStyle/>
+          <a:p>
+            <a:pPr algn="ctr"/>
+            <a:endParaRPr lang="zh-TW" altLang="en-US"/>
+          </a:p>
+        </p:txBody>
+      </p:sp>
+      <p:sp>
+        <p:nvSpPr>
+          <p:cNvPr id="10" name="矩形 9"/>
+          <p:cNvSpPr/>
+          <p:nvPr/>
+        </p:nvSpPr>
+        <p:spPr>
+          <a:xfrm>
+            <a:off x="424873" y="3205017"/>
+            <a:ext cx="1570182" cy="415636"/>
+          </a:xfrm>
+          <a:prstGeom prst="rect">
+            <a:avLst/>
+          </a:prstGeom>
+        </p:spPr>
+        <p:style>
+          <a:lnRef idx="2">
+            <a:schemeClr val="accent4">
+              <a:shade val="50000"/>
+            </a:schemeClr>
+          </a:lnRef>
+          <a:fillRef idx="1">
+            <a:schemeClr val="accent4"/>
+          </a:fillRef>
+          <a:effectRef idx="0">
+            <a:schemeClr val="accent4"/>
+          </a:effectRef>
+          <a:fontRef idx="minor">
+            <a:schemeClr val="lt1"/>
+          </a:fontRef>
+        </p:style>
+        <p:txBody>
+          <a:bodyPr rtlCol="0" anchor="ctr"/>
+          <a:lstStyle/>
+          <a:p>
+            <a:pPr algn="ctr"/>
+            <a:r>
+              <a:rPr lang="zh-TW" altLang="en-US" dirty="0"/>
+              <a:t>韓國</a:t>
+            </a:r>
+          </a:p>
+        </p:txBody>
+      </p:sp>
+      <p:sp>
+        <p:nvSpPr>
+          <p:cNvPr id="11" name="矩形 10"/>
+          <p:cNvSpPr/>
+          <p:nvPr/>
+        </p:nvSpPr>
+        <p:spPr>
+          <a:xfrm>
+            <a:off x="424873" y="2784763"/>
+            <a:ext cx="1570182" cy="415636"/>
+          </a:xfrm>
+          <a:prstGeom prst="rect">
+            <a:avLst/>
+          </a:prstGeom>
+        </p:spPr>
+        <p:style>
+          <a:lnRef idx="2">
+            <a:schemeClr val="accent4">
+              <a:shade val="50000"/>
+            </a:schemeClr>
+          </a:lnRef>
+          <a:fillRef idx="1">
+            <a:schemeClr val="accent4"/>
+          </a:fillRef>
+          <a:effectRef idx="0">
+            <a:schemeClr val="accent4"/>
+          </a:effectRef>
+          <a:fontRef idx="minor">
+            <a:schemeClr val="lt1"/>
+          </a:fontRef>
+        </p:style>
+        <p:txBody>
+          <a:bodyPr rtlCol="0" anchor="ctr"/>
+          <a:lstStyle/>
+          <a:p>
+            <a:pPr algn="ctr"/>
+            <a:r>
+              <a:rPr lang="zh-TW" altLang="en-US" dirty="0"/>
+              <a:t>台灣</a:t>
+            </a:r>
+          </a:p>
+        </p:txBody>
+      </p:sp>
+      <p:sp>
+        <p:nvSpPr>
+          <p:cNvPr id="12" name="矩形 11"/>
+          <p:cNvSpPr/>
+          <p:nvPr/>
+        </p:nvSpPr>
+        <p:spPr>
+          <a:xfrm>
+            <a:off x="424873" y="2369127"/>
+            <a:ext cx="1570182" cy="415636"/>
+          </a:xfrm>
+          <a:prstGeom prst="rect">
+            <a:avLst/>
+          </a:prstGeom>
+        </p:spPr>
+        <p:style>
+          <a:lnRef idx="2">
+            <a:schemeClr val="accent4">
+              <a:shade val="50000"/>
+            </a:schemeClr>
+          </a:lnRef>
+          <a:fillRef idx="1">
+            <a:schemeClr val="accent4"/>
+          </a:fillRef>
+          <a:effectRef idx="0">
+            <a:schemeClr val="accent4"/>
+          </a:effectRef>
+          <a:fontRef idx="minor">
+            <a:schemeClr val="lt1"/>
+          </a:fontRef>
+        </p:style>
+        <p:txBody>
+          <a:bodyPr rtlCol="0" anchor="ctr"/>
+          <a:lstStyle/>
+          <a:p>
+            <a:pPr algn="ctr"/>
+            <a:r>
+              <a:rPr lang="zh-TW" altLang="en-US" dirty="0"/>
+              <a:t>日本</a:t>
+            </a:r>
+          </a:p>
+        </p:txBody>
+      </p:sp>
+      <p:sp>
+        <p:nvSpPr>
+          <p:cNvPr id="13" name="矩形 12"/>
+          <p:cNvSpPr/>
+          <p:nvPr/>
+        </p:nvSpPr>
+        <p:spPr>
+          <a:xfrm>
+            <a:off x="424873" y="1953491"/>
+            <a:ext cx="1570182" cy="415636"/>
+          </a:xfrm>
+          <a:prstGeom prst="rect">
+            <a:avLst/>
+          </a:prstGeom>
+        </p:spPr>
+        <p:style>
+          <a:lnRef idx="2">
+            <a:schemeClr val="accent4">
+              <a:shade val="50000"/>
+            </a:schemeClr>
+          </a:lnRef>
+          <a:fillRef idx="1">
+            <a:schemeClr val="accent4"/>
+          </a:fillRef>
+          <a:effectRef idx="0">
+            <a:schemeClr val="accent4"/>
+          </a:effectRef>
+          <a:fontRef idx="minor">
+            <a:schemeClr val="lt1"/>
+          </a:fontRef>
+        </p:style>
+        <p:txBody>
+          <a:bodyPr rtlCol="0" anchor="ctr"/>
+          <a:lstStyle/>
+          <a:p>
+            <a:pPr algn="ctr"/>
+            <a:r>
+              <a:rPr lang="zh-TW" altLang="en-US" dirty="0"/>
+              <a:t>西洋</a:t>
+            </a:r>
+          </a:p>
+        </p:txBody>
+      </p:sp>
+      <p:sp>
+        <p:nvSpPr>
+          <p:cNvPr id="14" name="向右箭號 13"/>
+          <p:cNvSpPr/>
+          <p:nvPr/>
+        </p:nvSpPr>
+        <p:spPr>
+          <a:xfrm>
+            <a:off x="1112982" y="4313381"/>
+            <a:ext cx="1764146" cy="443346"/>
+          </a:xfrm>
+          <a:prstGeom prst="rightArrow">
+            <a:avLst/>
+          </a:prstGeom>
+        </p:spPr>
+        <p:style>
+          <a:lnRef idx="2">
+            <a:schemeClr val="accent1">
+              <a:shade val="50000"/>
+            </a:schemeClr>
+          </a:lnRef>
+          <a:fillRef idx="1">
+            <a:schemeClr val="accent1"/>
+          </a:fillRef>
+          <a:effectRef idx="0">
+            <a:schemeClr val="accent1"/>
+          </a:effectRef>
+          <a:fontRef idx="minor">
+            <a:schemeClr val="lt1"/>
+          </a:fontRef>
+        </p:style>
+        <p:txBody>
+          <a:bodyPr rtlCol="0" anchor="ctr"/>
+          <a:lstStyle/>
+          <a:p>
+            <a:pPr algn="ctr"/>
+            <a:endParaRPr lang="zh-TW" altLang="en-US"/>
+          </a:p>
+        </p:txBody>
+      </p:sp>
+      <p:sp>
+        <p:nvSpPr>
+          <p:cNvPr id="15" name="矩形 14"/>
+          <p:cNvSpPr/>
+          <p:nvPr/>
+        </p:nvSpPr>
+        <p:spPr>
+          <a:xfrm>
+            <a:off x="1990438" y="3778245"/>
+            <a:ext cx="1570182" cy="415636"/>
+          </a:xfrm>
+          <a:prstGeom prst="rect">
+            <a:avLst/>
+          </a:prstGeom>
+        </p:spPr>
+        <p:style>
+          <a:lnRef idx="2">
+            <a:schemeClr val="accent6">
+              <a:shade val="50000"/>
+            </a:schemeClr>
+          </a:lnRef>
+          <a:fillRef idx="1">
+            <a:schemeClr val="accent6"/>
+          </a:fillRef>
+          <a:effectRef idx="0">
+            <a:schemeClr val="accent6"/>
+          </a:effectRef>
+          <a:fontRef idx="minor">
+            <a:schemeClr val="lt1"/>
+          </a:fontRef>
+        </p:style>
+        <p:txBody>
+          <a:bodyPr rtlCol="0" anchor="ctr"/>
+          <a:lstStyle/>
+          <a:p>
+            <a:pPr algn="ctr"/>
+            <a:r>
+              <a:rPr lang="zh-TW" altLang="en-US" dirty="0"/>
+              <a:t>日本歌手丁</a:t>
+            </a:r>
+          </a:p>
+        </p:txBody>
+      </p:sp>
+      <p:sp>
+        <p:nvSpPr>
+          <p:cNvPr id="16" name="矩形 15"/>
+          <p:cNvSpPr/>
+          <p:nvPr/>
+        </p:nvSpPr>
+        <p:spPr>
+          <a:xfrm>
+            <a:off x="1990438" y="3387722"/>
+            <a:ext cx="1570182" cy="415636"/>
+          </a:xfrm>
+          <a:prstGeom prst="rect">
+            <a:avLst/>
+          </a:prstGeom>
+        </p:spPr>
+        <p:style>
+          <a:lnRef idx="2">
+            <a:schemeClr val="accent6">
+              <a:shade val="50000"/>
+            </a:schemeClr>
+          </a:lnRef>
+          <a:fillRef idx="1">
+            <a:schemeClr val="accent6"/>
+          </a:fillRef>
+          <a:effectRef idx="0">
+            <a:schemeClr val="accent6"/>
+          </a:effectRef>
+          <a:fontRef idx="minor">
+            <a:schemeClr val="lt1"/>
+          </a:fontRef>
+        </p:style>
+        <p:txBody>
+          <a:bodyPr rtlCol="0" anchor="ctr"/>
+          <a:lstStyle/>
+          <a:p>
+            <a:pPr algn="ctr"/>
+            <a:r>
+              <a:rPr lang="zh-TW" altLang="en-US" dirty="0"/>
+              <a:t>日本歌手丙</a:t>
+            </a:r>
+          </a:p>
+        </p:txBody>
+      </p:sp>
+      <p:sp>
+        <p:nvSpPr>
+          <p:cNvPr id="17" name="矩形 16"/>
+          <p:cNvSpPr/>
+          <p:nvPr/>
+        </p:nvSpPr>
+        <p:spPr>
+          <a:xfrm>
+            <a:off x="1990438" y="2976994"/>
+            <a:ext cx="1570182" cy="415636"/>
+          </a:xfrm>
+          <a:prstGeom prst="rect">
+            <a:avLst/>
+          </a:prstGeom>
+        </p:spPr>
+        <p:style>
+          <a:lnRef idx="2">
+            <a:schemeClr val="accent6">
+              <a:shade val="50000"/>
+            </a:schemeClr>
+          </a:lnRef>
+          <a:fillRef idx="1">
+            <a:schemeClr val="accent6"/>
+          </a:fillRef>
+          <a:effectRef idx="0">
+            <a:schemeClr val="accent6"/>
+          </a:effectRef>
+          <a:fontRef idx="minor">
+            <a:schemeClr val="lt1"/>
+          </a:fontRef>
+        </p:style>
+        <p:txBody>
+          <a:bodyPr rtlCol="0" anchor="ctr"/>
+          <a:lstStyle/>
+          <a:p>
+            <a:pPr algn="ctr"/>
+            <a:r>
+              <a:rPr lang="zh-TW" altLang="en-US" dirty="0"/>
+              <a:t>日本歌手乙</a:t>
+            </a:r>
+          </a:p>
+        </p:txBody>
+      </p:sp>
+      <p:sp>
+        <p:nvSpPr>
+          <p:cNvPr id="18" name="矩形 17"/>
+          <p:cNvSpPr/>
+          <p:nvPr/>
+        </p:nvSpPr>
+        <p:spPr>
+          <a:xfrm>
+            <a:off x="1990438" y="2569441"/>
+            <a:ext cx="1570182" cy="415636"/>
+          </a:xfrm>
+          <a:prstGeom prst="rect">
+            <a:avLst/>
+          </a:prstGeom>
+        </p:spPr>
+        <p:style>
+          <a:lnRef idx="2">
+            <a:schemeClr val="accent6">
+              <a:shade val="50000"/>
+            </a:schemeClr>
+          </a:lnRef>
+          <a:fillRef idx="1">
+            <a:schemeClr val="accent6"/>
+          </a:fillRef>
+          <a:effectRef idx="0">
+            <a:schemeClr val="accent6"/>
+          </a:effectRef>
+          <a:fontRef idx="minor">
+            <a:schemeClr val="lt1"/>
+          </a:fontRef>
+        </p:style>
+        <p:txBody>
+          <a:bodyPr rtlCol="0" anchor="ctr"/>
+          <a:lstStyle/>
+          <a:p>
+            <a:pPr algn="ctr"/>
+            <a:r>
+              <a:rPr lang="zh-TW" altLang="en-US" dirty="0"/>
+              <a:t>日本歌手甲</a:t>
+            </a:r>
+          </a:p>
+        </p:txBody>
+      </p:sp>
+      <p:sp>
+        <p:nvSpPr>
+          <p:cNvPr id="20" name="矩形 19"/>
+          <p:cNvSpPr/>
+          <p:nvPr/>
+        </p:nvSpPr>
+        <p:spPr>
+          <a:xfrm>
+            <a:off x="424873" y="913719"/>
+            <a:ext cx="1107996" cy="369332"/>
+          </a:xfrm>
+          <a:prstGeom prst="rect">
+            <a:avLst/>
+          </a:prstGeom>
+        </p:spPr>
+        <p:txBody>
+          <a:bodyPr wrap="none">
+            <a:spAutoFit/>
+          </a:bodyPr>
+          <a:lstStyle/>
+          <a:p>
+            <a:r>
+              <a:rPr lang="zh-TW" altLang="en-US" dirty="0">
+                <a:solidFill>
+                  <a:schemeClr val="tx1">
+                    <a:lumMod val="85000"/>
+                    <a:lumOff val="15000"/>
+                  </a:schemeClr>
+                </a:solidFill>
+                <a:latin typeface="思源黑体 CN Light" panose="020B0300000000000000" pitchFamily="34" charset="-122"/>
+                <a:ea typeface="思源黑体 CN Light" panose="020B0300000000000000" pitchFamily="34" charset="-122"/>
+              </a:rPr>
+              <a:t>選單下拉</a:t>
+            </a:r>
+            <a:endParaRPr lang="zh-CN" altLang="en-US" dirty="0">
+              <a:solidFill>
+                <a:schemeClr val="tx1">
+                  <a:lumMod val="85000"/>
+                  <a:lumOff val="15000"/>
+                </a:schemeClr>
+              </a:solidFill>
+              <a:latin typeface="思源黑体 CN Light" panose="020B0300000000000000" pitchFamily="34" charset="-122"/>
+              <a:ea typeface="思源黑体 CN Light" panose="020B0300000000000000" pitchFamily="34" charset="-122"/>
+            </a:endParaRPr>
+          </a:p>
+        </p:txBody>
+      </p:sp>
+      <p:sp>
+        <p:nvSpPr>
+          <p:cNvPr id="22" name="矩形 21"/>
+          <p:cNvSpPr/>
+          <p:nvPr/>
+        </p:nvSpPr>
+        <p:spPr>
+          <a:xfrm>
+            <a:off x="1436440" y="4865090"/>
+            <a:ext cx="1107996" cy="369332"/>
+          </a:xfrm>
+          <a:prstGeom prst="rect">
+            <a:avLst/>
+          </a:prstGeom>
+        </p:spPr>
+        <p:txBody>
+          <a:bodyPr wrap="none">
+            <a:spAutoFit/>
+          </a:bodyPr>
+          <a:lstStyle/>
+          <a:p>
+            <a:r>
+              <a:rPr lang="zh-TW" altLang="en-US" dirty="0">
+                <a:solidFill>
+                  <a:schemeClr val="tx1">
+                    <a:lumMod val="85000"/>
+                    <a:lumOff val="15000"/>
+                  </a:schemeClr>
+                </a:solidFill>
+                <a:latin typeface="思源黑体 CN Light" panose="020B0300000000000000" pitchFamily="34" charset="-122"/>
+                <a:ea typeface="思源黑体 CN Light" panose="020B0300000000000000" pitchFamily="34" charset="-122"/>
+              </a:rPr>
+              <a:t>選單側拉</a:t>
+            </a:r>
+            <a:endParaRPr lang="zh-CN" altLang="en-US" dirty="0">
+              <a:solidFill>
+                <a:schemeClr val="tx1">
+                  <a:lumMod val="85000"/>
+                  <a:lumOff val="15000"/>
+                </a:schemeClr>
+              </a:solidFill>
+              <a:latin typeface="思源黑体 CN Light" panose="020B0300000000000000" pitchFamily="34" charset="-122"/>
+              <a:ea typeface="思源黑体 CN Light" panose="020B0300000000000000" pitchFamily="34" charset="-122"/>
+            </a:endParaRPr>
+          </a:p>
+        </p:txBody>
+      </p:sp>
+      <p:sp>
+        <p:nvSpPr>
+          <p:cNvPr id="23" name="矩形 22"/>
+          <p:cNvSpPr/>
+          <p:nvPr/>
+        </p:nvSpPr>
+        <p:spPr>
+          <a:xfrm>
+            <a:off x="4562764" y="2456873"/>
+            <a:ext cx="6604000" cy="3592945"/>
+          </a:xfrm>
+          <a:prstGeom prst="rect">
+            <a:avLst/>
+          </a:prstGeom>
+        </p:spPr>
+        <p:style>
+          <a:lnRef idx="2">
+            <a:schemeClr val="accent5">
+              <a:shade val="50000"/>
+            </a:schemeClr>
+          </a:lnRef>
+          <a:fillRef idx="1">
+            <a:schemeClr val="accent5"/>
+          </a:fillRef>
+          <a:effectRef idx="0">
+            <a:schemeClr val="accent5"/>
+          </a:effectRef>
+          <a:fontRef idx="minor">
+            <a:schemeClr val="lt1"/>
+          </a:fontRef>
+        </p:style>
+        <p:txBody>
+          <a:bodyPr rtlCol="0" anchor="ctr"/>
+          <a:lstStyle/>
+          <a:p>
+            <a:pPr algn="ctr"/>
+            <a:r>
+              <a:rPr lang="zh-TW" altLang="en-US" sz="4800" dirty="0"/>
+              <a:t>我是圖片</a:t>
+            </a:r>
+          </a:p>
+        </p:txBody>
+      </p:sp>
+      <p:sp>
+        <p:nvSpPr>
+          <p:cNvPr id="24" name="橢圓 23"/>
+          <p:cNvSpPr/>
+          <p:nvPr/>
+        </p:nvSpPr>
+        <p:spPr>
+          <a:xfrm>
+            <a:off x="6449295" y="5634176"/>
+            <a:ext cx="110836" cy="129309"/>
+          </a:xfrm>
+          <a:prstGeom prst="ellipse">
+            <a:avLst/>
+          </a:prstGeom>
+        </p:spPr>
+        <p:style>
+          <a:lnRef idx="2">
+            <a:schemeClr val="accent1">
+              <a:shade val="50000"/>
+            </a:schemeClr>
+          </a:lnRef>
+          <a:fillRef idx="1">
+            <a:schemeClr val="accent1"/>
+          </a:fillRef>
+          <a:effectRef idx="0">
+            <a:schemeClr val="accent1"/>
+          </a:effectRef>
+          <a:fontRef idx="minor">
+            <a:schemeClr val="lt1"/>
+          </a:fontRef>
+        </p:style>
+        <p:txBody>
+          <a:bodyPr rtlCol="0" anchor="ctr"/>
+          <a:lstStyle/>
+          <a:p>
+            <a:pPr algn="ctr"/>
+            <a:endParaRPr lang="zh-TW" altLang="en-US"/>
+          </a:p>
+        </p:txBody>
+      </p:sp>
+      <p:sp>
+        <p:nvSpPr>
+          <p:cNvPr id="25" name="橢圓 24"/>
+          <p:cNvSpPr/>
+          <p:nvPr/>
+        </p:nvSpPr>
+        <p:spPr>
+          <a:xfrm>
+            <a:off x="7128167" y="5629561"/>
+            <a:ext cx="110836" cy="129309"/>
+          </a:xfrm>
+          <a:prstGeom prst="ellipse">
+            <a:avLst/>
+          </a:prstGeom>
+        </p:spPr>
+        <p:style>
+          <a:lnRef idx="2">
+            <a:schemeClr val="accent1">
+              <a:shade val="50000"/>
+            </a:schemeClr>
+          </a:lnRef>
+          <a:fillRef idx="1">
+            <a:schemeClr val="accent1"/>
+          </a:fillRef>
+          <a:effectRef idx="0">
+            <a:schemeClr val="accent1"/>
+          </a:effectRef>
+          <a:fontRef idx="minor">
+            <a:schemeClr val="lt1"/>
+          </a:fontRef>
+        </p:style>
+        <p:txBody>
+          <a:bodyPr rtlCol="0" anchor="ctr"/>
+          <a:lstStyle/>
+          <a:p>
+            <a:pPr algn="ctr"/>
+            <a:endParaRPr lang="zh-TW" altLang="en-US"/>
+          </a:p>
+        </p:txBody>
+      </p:sp>
+      <p:sp>
+        <p:nvSpPr>
+          <p:cNvPr id="26" name="橢圓 25"/>
+          <p:cNvSpPr/>
+          <p:nvPr/>
+        </p:nvSpPr>
+        <p:spPr>
+          <a:xfrm>
+            <a:off x="7788567" y="5629561"/>
+            <a:ext cx="110836" cy="129309"/>
+          </a:xfrm>
+          <a:prstGeom prst="ellipse">
+            <a:avLst/>
+          </a:prstGeom>
+        </p:spPr>
+        <p:style>
+          <a:lnRef idx="2">
+            <a:schemeClr val="accent1">
+              <a:shade val="50000"/>
+            </a:schemeClr>
+          </a:lnRef>
+          <a:fillRef idx="1">
+            <a:schemeClr val="accent1"/>
+          </a:fillRef>
+          <a:effectRef idx="0">
+            <a:schemeClr val="accent1"/>
+          </a:effectRef>
+          <a:fontRef idx="minor">
+            <a:schemeClr val="lt1"/>
+          </a:fontRef>
+        </p:style>
+        <p:txBody>
+          <a:bodyPr rtlCol="0" anchor="ctr"/>
+          <a:lstStyle/>
+          <a:p>
+            <a:pPr algn="ctr"/>
+            <a:endParaRPr lang="zh-TW" altLang="en-US"/>
+          </a:p>
+        </p:txBody>
+      </p:sp>
+      <p:sp>
+        <p:nvSpPr>
+          <p:cNvPr id="27" name="橢圓 26"/>
+          <p:cNvSpPr/>
+          <p:nvPr/>
+        </p:nvSpPr>
+        <p:spPr>
+          <a:xfrm>
+            <a:off x="8430490" y="5629561"/>
+            <a:ext cx="110836" cy="129309"/>
+          </a:xfrm>
+          <a:prstGeom prst="ellipse">
+            <a:avLst/>
+          </a:prstGeom>
+        </p:spPr>
+        <p:style>
+          <a:lnRef idx="2">
+            <a:schemeClr val="accent1">
+              <a:shade val="50000"/>
+            </a:schemeClr>
+          </a:lnRef>
+          <a:fillRef idx="1">
+            <a:schemeClr val="accent1"/>
+          </a:fillRef>
+          <a:effectRef idx="0">
+            <a:schemeClr val="accent1"/>
+          </a:effectRef>
+          <a:fontRef idx="minor">
+            <a:schemeClr val="lt1"/>
+          </a:fontRef>
+        </p:style>
+        <p:txBody>
+          <a:bodyPr rtlCol="0" anchor="ctr"/>
+          <a:lstStyle/>
+          <a:p>
+            <a:pPr algn="ctr"/>
+            <a:endParaRPr lang="zh-TW" altLang="en-US"/>
+          </a:p>
+        </p:txBody>
+      </p:sp>
+      <p:sp>
+        <p:nvSpPr>
+          <p:cNvPr id="28" name="橢圓 27"/>
+          <p:cNvSpPr/>
+          <p:nvPr/>
+        </p:nvSpPr>
+        <p:spPr>
+          <a:xfrm>
+            <a:off x="9045873" y="5629561"/>
+            <a:ext cx="110836" cy="129309"/>
+          </a:xfrm>
+          <a:prstGeom prst="ellipse">
+            <a:avLst/>
+          </a:prstGeom>
+        </p:spPr>
+        <p:style>
+          <a:lnRef idx="2">
+            <a:schemeClr val="accent1">
+              <a:shade val="50000"/>
+            </a:schemeClr>
+          </a:lnRef>
+          <a:fillRef idx="1">
+            <a:schemeClr val="accent1"/>
+          </a:fillRef>
+          <a:effectRef idx="0">
+            <a:schemeClr val="accent1"/>
+          </a:effectRef>
+          <a:fontRef idx="minor">
+            <a:schemeClr val="lt1"/>
+          </a:fontRef>
+        </p:style>
+        <p:txBody>
+          <a:bodyPr rtlCol="0" anchor="ctr"/>
+          <a:lstStyle/>
+          <a:p>
+            <a:pPr algn="ctr"/>
+            <a:endParaRPr lang="zh-TW" altLang="en-US"/>
+          </a:p>
+        </p:txBody>
+      </p:sp>
+      <p:sp>
+        <p:nvSpPr>
+          <p:cNvPr id="29" name="矩形 28"/>
+          <p:cNvSpPr/>
+          <p:nvPr/>
+        </p:nvSpPr>
+        <p:spPr>
+          <a:xfrm>
+            <a:off x="6959823" y="6283097"/>
+            <a:ext cx="1800493" cy="369332"/>
+          </a:xfrm>
+          <a:prstGeom prst="rect">
+            <a:avLst/>
+          </a:prstGeom>
+        </p:spPr>
+        <p:txBody>
+          <a:bodyPr wrap="none">
+            <a:spAutoFit/>
+          </a:bodyPr>
+          <a:lstStyle/>
+          <a:p>
+            <a:r>
+              <a:rPr lang="zh-TW" altLang="en-US" dirty="0">
+                <a:solidFill>
+                  <a:schemeClr val="tx1">
+                    <a:lumMod val="85000"/>
+                    <a:lumOff val="15000"/>
+                  </a:schemeClr>
+                </a:solidFill>
+                <a:latin typeface="思源黑体 CN Light" panose="020B0300000000000000" pitchFamily="34" charset="-122"/>
+                <a:ea typeface="思源黑体 CN Light" panose="020B0300000000000000" pitchFamily="34" charset="-122"/>
+              </a:rPr>
+              <a:t>圖片會自動撥放</a:t>
+            </a:r>
+            <a:endParaRPr lang="zh-CN" altLang="en-US" dirty="0">
+              <a:solidFill>
+                <a:schemeClr val="tx1">
+                  <a:lumMod val="85000"/>
+                  <a:lumOff val="15000"/>
+                </a:schemeClr>
+              </a:solidFill>
+              <a:latin typeface="思源黑体 CN Light" panose="020B0300000000000000" pitchFamily="34" charset="-122"/>
+              <a:ea typeface="思源黑体 CN Light" panose="020B0300000000000000" pitchFamily="34" charset="-122"/>
+            </a:endParaRPr>
+          </a:p>
+        </p:txBody>
+      </p:sp>
+    </p:spTree>
+    <p:extLst>
+      <p:ext uri="{BB962C8B-B14F-4D97-AF65-F5344CB8AC3E}">
+        <p14:creationId xmlns:p14="http://schemas.microsoft.com/office/powerpoint/2010/main" val="337627979"/>
+      </p:ext>
+    </p:extLst>
+  </p:cSld>
+  <p:clrMapOvr>
+    <a:masterClrMapping/>
+  </p:clrMapOvr>
+</p:sld>
+</file>
+
+<file path=ppt/slides/slide11.xml><?xml version="1.0" encoding="utf-8"?>
+<p:sld xmlns:a="http://schemas.openxmlformats.org/drawingml/2006/main" xmlns:r="http://schemas.openxmlformats.org/officeDocument/2006/relationships" xmlns:p="http://schemas.openxmlformats.org/presentationml/2006/main">
+  <p:cSld>
+    <p:spTree>
+      <p:nvGrpSpPr>
+        <p:cNvPr id="1" name=""/>
+        <p:cNvGrpSpPr/>
+        <p:nvPr/>
+      </p:nvGrpSpPr>
+      <p:grpSpPr>
+        <a:xfrm>
+          <a:off x="0" y="0"/>
+          <a:ext cx="0" cy="0"/>
+          <a:chOff x="0" y="0"/>
+          <a:chExt cx="0" cy="0"/>
+        </a:xfrm>
+      </p:grpSpPr>
       <p:pic>
         <p:nvPicPr>
           <p:cNvPr id="21" name="內容版面配置區 20"/>
@@ -10815,7 +11557,7 @@
               </a:lnSpc>
             </a:pPr>
             <a:r>
-              <a:rPr lang="zh-TW" altLang="en-US" sz="5400" dirty="0" smtClean="0">
+              <a:rPr lang="zh-TW" altLang="en-US" sz="5400" dirty="0">
                 <a:solidFill>
                   <a:srgbClr val="1E78E8"/>
                 </a:solidFill>
@@ -10844,17 +11586,10 @@
   <p:clrMapOvr>
     <a:masterClrMapping/>
   </p:clrMapOvr>
-  <p:timing>
-    <p:tnLst>
-      <p:par>
-        <p:cTn id="1" dur="indefinite" restart="never" nodeType="tmRoot"/>
-      </p:par>
-    </p:tnLst>
-  </p:timing>
 </p:sld>
 </file>
 
-<file path=ppt/slides/slide11.xml><?xml version="1.0" encoding="utf-8"?>
+<file path=ppt/slides/slide12.xml><?xml version="1.0" encoding="utf-8"?>
 <p:sld xmlns:a="http://schemas.openxmlformats.org/drawingml/2006/main" xmlns:r="http://schemas.openxmlformats.org/officeDocument/2006/relationships" xmlns:p="http://schemas.openxmlformats.org/presentationml/2006/main">
   <p:cSld>
     <p:spTree>
@@ -10928,7 +11663,7 @@
               </a:lnSpc>
             </a:pPr>
             <a:r>
-              <a:rPr lang="zh-TW" altLang="en-US" sz="5400" dirty="0" smtClean="0">
+              <a:rPr lang="zh-TW" altLang="en-US" sz="5400" dirty="0">
                 <a:solidFill>
                   <a:srgbClr val="1E78E8"/>
                 </a:solidFill>
@@ -10957,13 +11692,6 @@
   <p:clrMapOvr>
     <a:masterClrMapping/>
   </p:clrMapOvr>
-  <p:timing>
-    <p:tnLst>
-      <p:par>
-        <p:cTn id="1" dur="indefinite" restart="never" nodeType="tmRoot"/>
-      </p:par>
-    </p:tnLst>
-  </p:timing>
 </p:sld>
 </file>
 
@@ -11443,7 +12171,7 @@
               </a:lnSpc>
             </a:pPr>
             <a:r>
-              <a:rPr lang="zh-CN" altLang="en-US" sz="3600" dirty="0" smtClean="0">
+              <a:rPr lang="zh-CN" altLang="en-US" sz="3600" dirty="0">
                 <a:solidFill>
                   <a:srgbClr val="1E78E8"/>
                 </a:solidFill>
@@ -11452,13 +12180,6 @@
               </a:rPr>
               <a:t>目录</a:t>
             </a:r>
-            <a:endParaRPr lang="zh-CN" altLang="en-US" sz="3600" dirty="0">
-              <a:solidFill>
-                <a:srgbClr val="1E78E8"/>
-              </a:solidFill>
-              <a:latin typeface="思源黑体 CN Light" panose="020B0300000000000000" pitchFamily="34" charset="-122"/>
-              <a:ea typeface="思源黑体 CN Light" panose="020B0300000000000000" pitchFamily="34" charset="-122"/>
-            </a:endParaRPr>
           </a:p>
         </p:txBody>
       </p:sp>
@@ -12079,7 +12800,7 @@
             <a:lstStyle/>
             <a:p>
               <a:r>
-                <a:rPr lang="zh-TW" altLang="en-US" dirty="0" smtClean="0"/>
+                <a:rPr lang="zh-TW" altLang="en-US" dirty="0"/>
                 <a:t>開發動機</a:t>
               </a:r>
               <a:endParaRPr lang="zh-CN" altLang="en-US" dirty="0"/>
@@ -12153,7 +12874,7 @@
             <a:lstStyle/>
             <a:p>
               <a:r>
-                <a:rPr lang="zh-TW" altLang="en-US" dirty="0" smtClean="0"/>
+                <a:rPr lang="zh-TW" altLang="en-US" dirty="0"/>
                 <a:t>開發規劃</a:t>
               </a:r>
               <a:endParaRPr lang="zh-CN" altLang="en-US" dirty="0"/>
@@ -12371,7 +13092,7 @@
             <a:lstStyle/>
             <a:p>
               <a:r>
-                <a:rPr lang="zh-CN" altLang="en-US" dirty="0" smtClean="0">
+                <a:rPr lang="zh-CN" altLang="en-US" dirty="0">
                   <a:solidFill>
                     <a:schemeClr val="tx1">
                       <a:lumMod val="65000"/>
@@ -13210,7 +13931,7 @@
               </a:lnSpc>
             </a:pPr>
             <a:r>
-              <a:rPr lang="zh-TW" altLang="en-US" sz="3600" dirty="0" smtClean="0">
+              <a:rPr lang="zh-TW" altLang="en-US" sz="3600" dirty="0">
                 <a:solidFill>
                   <a:srgbClr val="1E78E8"/>
                 </a:solidFill>
@@ -13883,7 +14604,7 @@
               </a:lnSpc>
             </a:pPr>
             <a:r>
-              <a:rPr lang="zh-TW" altLang="en-US" sz="3100" dirty="0" smtClean="0">
+              <a:rPr lang="zh-TW" altLang="en-US" sz="3100" dirty="0">
                 <a:solidFill>
                   <a:srgbClr val="90CCF4"/>
                 </a:solidFill>
@@ -14317,7 +15038,7 @@
               </a:lnSpc>
             </a:pPr>
             <a:r>
-              <a:rPr lang="zh-TW" altLang="en-US" sz="3600" dirty="0" smtClean="0">
+              <a:rPr lang="zh-TW" altLang="en-US" sz="3600" dirty="0">
                 <a:solidFill>
                   <a:srgbClr val="1E78E8"/>
                 </a:solidFill>
@@ -14359,7 +15080,7 @@
           <a:p>
             <a:pPr algn="ctr"/>
             <a:r>
-              <a:rPr lang="zh-TW" altLang="en-US" dirty="0" smtClean="0">
+              <a:rPr lang="zh-TW" altLang="en-US" dirty="0">
                 <a:solidFill>
                   <a:schemeClr val="tx1">
                     <a:lumMod val="65000"/>
@@ -15067,44 +15788,111 @@
       </p:cxnSp>
       <p:sp>
         <p:nvSpPr>
-          <p:cNvPr id="6" name="矩形 5"/>
+          <p:cNvPr id="29" name="矩形 28">
+            <a:extLst>
+              <a:ext uri="{FF2B5EF4-FFF2-40B4-BE49-F238E27FC236}">
+                <a16:creationId xmlns:a16="http://schemas.microsoft.com/office/drawing/2014/main" id="{A2BEC0D8-DC3B-41C6-9C54-9A9DA4DFBE84}"/>
+              </a:ext>
+            </a:extLst>
+          </p:cNvPr>
           <p:cNvSpPr/>
           <p:nvPr/>
         </p:nvSpPr>
         <p:spPr>
           <a:xfrm>
-            <a:off x="921684" y="1909624"/>
-            <a:ext cx="9570685" cy="3416320"/>
+            <a:off x="3882176" y="5246539"/>
+            <a:ext cx="7484742" cy="825419"/>
           </a:xfrm>
           <a:prstGeom prst="rect">
             <a:avLst/>
           </a:prstGeom>
-          <a:noFill/>
         </p:spPr>
         <p:txBody>
-          <a:bodyPr wrap="square" lIns="91440" tIns="45720" rIns="91440" bIns="45720">
+          <a:bodyPr wrap="none">
             <a:spAutoFit/>
           </a:bodyPr>
           <a:lstStyle/>
           <a:p>
-            <a:pPr algn="ctr"/>
+            <a:pPr algn="ctr">
+              <a:lnSpc>
+                <a:spcPct val="150000"/>
+              </a:lnSpc>
+            </a:pPr>
             <a:r>
-              <a:rPr lang="zh-TW" altLang="en-US" sz="3600" b="0" cap="none" spc="0" dirty="0" smtClean="0">
-                <a:ln w="0"/>
+              <a:rPr lang="zh-TW" altLang="en-US" sz="3600" dirty="0">
                 <a:solidFill>
-                  <a:schemeClr val="tx1"/>
+                  <a:srgbClr val="1E78E8"/>
                 </a:solidFill>
-                <a:latin typeface="Gill Sans Ultra Bold Condensed" panose="020B0A06020104020203" pitchFamily="34" charset="0"/>
+                <a:latin typeface="思源黑体 CN Light" panose="020B0300000000000000" pitchFamily="34" charset="-122"/>
+                <a:ea typeface="思源黑体 CN Light" panose="020B0300000000000000" pitchFamily="34" charset="-122"/>
               </a:rPr>
-              <a:t>大家在搶演唱會門票的時候常常會不知道甚麼時候開始搶票，或是演唱會的資訊太少，只有簡單的臉書宣傳導致歌迷錯失了這場演唱會，我們網站的目的就是可以提供全台演唱會的詳細資訊，提醒使用者哪些演唱會即將開始售票演出，以及連結到對應售票系統。</a:t>
+              <a:t>因此，如果有網站能做到以下功能</a:t>
             </a:r>
-            <a:endParaRPr lang="zh-TW" altLang="en-US" sz="3600" b="0" cap="none" spc="0" dirty="0">
-              <a:ln w="0"/>
-              <a:solidFill>
-                <a:schemeClr val="tx1"/>
-              </a:solidFill>
-              <a:latin typeface="Gill Sans Ultra Bold Condensed" panose="020B0A06020104020203" pitchFamily="34" charset="0"/>
-            </a:endParaRPr>
+            <a:r>
+              <a:rPr lang="en-US" altLang="zh-TW" sz="3600" dirty="0">
+                <a:solidFill>
+                  <a:srgbClr val="1E78E8"/>
+                </a:solidFill>
+                <a:latin typeface="思源黑体 CN Light" panose="020B0300000000000000" pitchFamily="34" charset="-122"/>
+                <a:ea typeface="思源黑体 CN Light" panose="020B0300000000000000" pitchFamily="34" charset="-122"/>
+              </a:rPr>
+              <a:t>…</a:t>
+            </a:r>
+          </a:p>
+        </p:txBody>
+      </p:sp>
+      <p:sp>
+        <p:nvSpPr>
+          <p:cNvPr id="30" name="矩形 29">
+            <a:extLst>
+              <a:ext uri="{FF2B5EF4-FFF2-40B4-BE49-F238E27FC236}">
+                <a16:creationId xmlns:a16="http://schemas.microsoft.com/office/drawing/2014/main" id="{27308926-8DC1-44D8-9142-AB6B1D2021C0}"/>
+              </a:ext>
+            </a:extLst>
+          </p:cNvPr>
+          <p:cNvSpPr/>
+          <p:nvPr/>
+        </p:nvSpPr>
+        <p:spPr>
+          <a:xfrm>
+            <a:off x="2237288" y="2578422"/>
+            <a:ext cx="8255081" cy="2118080"/>
+          </a:xfrm>
+          <a:prstGeom prst="rect">
+            <a:avLst/>
+          </a:prstGeom>
+        </p:spPr>
+        <p:txBody>
+          <a:bodyPr wrap="square">
+            <a:spAutoFit/>
+          </a:bodyPr>
+          <a:lstStyle/>
+          <a:p>
+            <a:pPr>
+              <a:lnSpc>
+                <a:spcPct val="150000"/>
+              </a:lnSpc>
+            </a:pPr>
+            <a:r>
+              <a:rPr lang="zh-TW" altLang="en-US" sz="2800" dirty="0">
+                <a:solidFill>
+                  <a:srgbClr val="1E78E8"/>
+                </a:solidFill>
+                <a:latin typeface="思源黑体 CN Light" panose="020B0300000000000000" pitchFamily="34" charset="-122"/>
+                <a:ea typeface="思源黑体 CN Light" panose="020B0300000000000000" pitchFamily="34" charset="-122"/>
+              </a:rPr>
+              <a:t>每當有喜愛的團體或歌手，發布新的演唱會資訊時，總是得將搶票時間特別記錄下來，一般的演唱會情報站，又通常只是臉書，缺乏搜尋與排版功能</a:t>
+            </a:r>
+            <a:r>
+              <a:rPr lang="zh-TW" altLang="en-US" sz="3600" dirty="0">
+                <a:solidFill>
+                  <a:srgbClr val="1E78E8"/>
+                </a:solidFill>
+                <a:latin typeface="思源黑体 CN Light" panose="020B0300000000000000" pitchFamily="34" charset="-122"/>
+                <a:ea typeface="思源黑体 CN Light" panose="020B0300000000000000" pitchFamily="34" charset="-122"/>
+              </a:rPr>
+              <a:t>。</a:t>
+            </a:r>
           </a:p>
         </p:txBody>
       </p:sp>
@@ -15412,6 +16200,158 @@
                                   </p:childTnLst>
                                 </p:cTn>
                               </p:par>
+                              <p:par>
+                                <p:cTn id="21" presetID="2" presetClass="entr" presetSubtype="2" fill="hold" grpId="0" nodeType="withEffect">
+                                  <p:stCondLst>
+                                    <p:cond delay="0"/>
+                                  </p:stCondLst>
+                                  <p:iterate type="lt">
+                                    <p:tmPct val="20000"/>
+                                  </p:iterate>
+                                  <p:childTnLst>
+                                    <p:set>
+                                      <p:cBhvr>
+                                        <p:cTn id="22" dur="1" fill="hold">
+                                          <p:stCondLst>
+                                            <p:cond delay="0"/>
+                                          </p:stCondLst>
+                                        </p:cTn>
+                                        <p:tgtEl>
+                                          <p:spTgt spid="29"/>
+                                        </p:tgtEl>
+                                        <p:attrNameLst>
+                                          <p:attrName>style.visibility</p:attrName>
+                                        </p:attrNameLst>
+                                      </p:cBhvr>
+                                      <p:to>
+                                        <p:strVal val="visible"/>
+                                      </p:to>
+                                    </p:set>
+                                    <p:anim calcmode="lin" valueType="num">
+                                      <p:cBhvr additive="base">
+                                        <p:cTn id="23" dur="350" fill="hold"/>
+                                        <p:tgtEl>
+                                          <p:spTgt spid="29"/>
+                                        </p:tgtEl>
+                                        <p:attrNameLst>
+                                          <p:attrName>ppt_x</p:attrName>
+                                        </p:attrNameLst>
+                                      </p:cBhvr>
+                                      <p:tavLst>
+                                        <p:tav tm="0">
+                                          <p:val>
+                                            <p:strVal val="1+#ppt_w/2"/>
+                                          </p:val>
+                                        </p:tav>
+                                        <p:tav tm="100000">
+                                          <p:val>
+                                            <p:strVal val="#ppt_x"/>
+                                          </p:val>
+                                        </p:tav>
+                                      </p:tavLst>
+                                    </p:anim>
+                                    <p:anim calcmode="lin" valueType="num">
+                                      <p:cBhvr additive="base">
+                                        <p:cTn id="24" dur="350" fill="hold"/>
+                                        <p:tgtEl>
+                                          <p:spTgt spid="29"/>
+                                        </p:tgtEl>
+                                        <p:attrNameLst>
+                                          <p:attrName>ppt_y</p:attrName>
+                                        </p:attrNameLst>
+                                      </p:cBhvr>
+                                      <p:tavLst>
+                                        <p:tav tm="0">
+                                          <p:val>
+                                            <p:strVal val="#ppt_y"/>
+                                          </p:val>
+                                        </p:tav>
+                                        <p:tav tm="100000">
+                                          <p:val>
+                                            <p:strVal val="#ppt_y"/>
+                                          </p:val>
+                                        </p:tav>
+                                      </p:tavLst>
+                                    </p:anim>
+                                  </p:childTnLst>
+                                </p:cTn>
+                              </p:par>
+                              <p:par>
+                                <p:cTn id="25" presetID="2" presetClass="entr" presetSubtype="2" fill="hold" grpId="0" nodeType="withEffect">
+                                  <p:stCondLst>
+                                    <p:cond delay="0"/>
+                                  </p:stCondLst>
+                                  <p:iterate type="lt">
+                                    <p:tmPct val="20000"/>
+                                  </p:iterate>
+                                  <p:childTnLst>
+                                    <p:set>
+                                      <p:cBhvr>
+                                        <p:cTn id="26" dur="1" fill="hold">
+                                          <p:stCondLst>
+                                            <p:cond delay="0"/>
+                                          </p:stCondLst>
+                                        </p:cTn>
+                                        <p:tgtEl>
+                                          <p:spTgt spid="30"/>
+                                        </p:tgtEl>
+                                        <p:attrNameLst>
+                                          <p:attrName>style.visibility</p:attrName>
+                                        </p:attrNameLst>
+                                      </p:cBhvr>
+                                      <p:to>
+                                        <p:strVal val="visible"/>
+                                      </p:to>
+                                    </p:set>
+                                    <p:anim calcmode="lin" valueType="num">
+                                      <p:cBhvr additive="base">
+                                        <p:cTn id="27" dur="350" fill="hold"/>
+                                        <p:tgtEl>
+                                          <p:spTgt spid="30"/>
+                                        </p:tgtEl>
+                                        <p:attrNameLst>
+                                          <p:attrName>ppt_x</p:attrName>
+                                        </p:attrNameLst>
+                                      </p:cBhvr>
+                                      <p:tavLst>
+                                        <p:tav tm="0">
+                                          <p:val>
+                                            <p:strVal val="1+#ppt_w/2"/>
+                                          </p:val>
+                                        </p:tav>
+                                        <p:tav tm="100000">
+                                          <p:val>
+                                            <p:strVal val="#ppt_x"/>
+                                          </p:val>
+                                        </p:tav>
+                                      </p:tavLst>
+                                    </p:anim>
+                                    <p:anim calcmode="lin" valueType="num">
+                                      <p:cBhvr additive="base">
+                                        <p:cTn id="28" dur="350" fill="hold"/>
+                                        <p:tgtEl>
+                                          <p:spTgt spid="30"/>
+                                        </p:tgtEl>
+                                        <p:attrNameLst>
+                                          <p:attrName>ppt_y</p:attrName>
+                                        </p:attrNameLst>
+                                      </p:cBhvr>
+                                      <p:tavLst>
+                                        <p:tav tm="0">
+                                          <p:val>
+                                            <p:strVal val="#ppt_y"/>
+                                          </p:val>
+                                        </p:tav>
+                                        <p:tav tm="100000">
+                                          <p:val>
+                                            <p:strVal val="#ppt_y"/>
+                                          </p:val>
+                                        </p:tav>
+                                      </p:tavLst>
+                                    </p:anim>
+                                  </p:childTnLst>
+                                </p:cTn>
+                              </p:par>
                             </p:childTnLst>
                           </p:cTn>
                         </p:par>
@@ -15442,12 +16382,1325 @@
     <p:bldLst>
       <p:bldP spid="7" grpId="0"/>
       <p:bldP spid="8" grpId="0"/>
+      <p:bldP spid="29" grpId="0"/>
+      <p:bldP spid="30" grpId="0"/>
     </p:bldLst>
   </p:timing>
 </p:sld>
 </file>
 
 <file path=ppt/slides/slide5.xml><?xml version="1.0" encoding="utf-8"?>
+<p:sld xmlns:a="http://schemas.openxmlformats.org/drawingml/2006/main" xmlns:r="http://schemas.openxmlformats.org/officeDocument/2006/relationships" xmlns:p="http://schemas.openxmlformats.org/presentationml/2006/main">
+  <p:cSld>
+    <p:spTree>
+      <p:nvGrpSpPr>
+        <p:cNvPr id="1" name=""/>
+        <p:cNvGrpSpPr/>
+        <p:nvPr/>
+      </p:nvGrpSpPr>
+      <p:grpSpPr>
+        <a:xfrm>
+          <a:off x="0" y="0"/>
+          <a:ext cx="0" cy="0"/>
+          <a:chOff x="0" y="0"/>
+          <a:chExt cx="0" cy="0"/>
+        </a:xfrm>
+      </p:grpSpPr>
+      <p:sp>
+        <p:nvSpPr>
+          <p:cNvPr id="7" name="矩形 6"/>
+          <p:cNvSpPr/>
+          <p:nvPr/>
+        </p:nvSpPr>
+        <p:spPr>
+          <a:xfrm>
+            <a:off x="5080336" y="808096"/>
+            <a:ext cx="2031325" cy="923330"/>
+          </a:xfrm>
+          <a:prstGeom prst="rect">
+            <a:avLst/>
+          </a:prstGeom>
+        </p:spPr>
+        <p:txBody>
+          <a:bodyPr wrap="none">
+            <a:spAutoFit/>
+          </a:bodyPr>
+          <a:lstStyle/>
+          <a:p>
+            <a:pPr algn="ctr">
+              <a:lnSpc>
+                <a:spcPct val="150000"/>
+              </a:lnSpc>
+            </a:pPr>
+            <a:r>
+              <a:rPr lang="zh-TW" altLang="en-US" sz="3600" dirty="0">
+                <a:solidFill>
+                  <a:srgbClr val="1E78E8"/>
+                </a:solidFill>
+                <a:latin typeface="思源黑体 CN Light" panose="020B0300000000000000" pitchFamily="34" charset="-122"/>
+                <a:ea typeface="思源黑体 CN Light" panose="020B0300000000000000" pitchFamily="34" charset="-122"/>
+              </a:rPr>
+              <a:t>開發動機</a:t>
+            </a:r>
+            <a:endParaRPr lang="zh-CN" altLang="en-US" sz="3600" dirty="0">
+              <a:solidFill>
+                <a:srgbClr val="1E78E8"/>
+              </a:solidFill>
+              <a:latin typeface="思源黑体 CN Light" panose="020B0300000000000000" pitchFamily="34" charset="-122"/>
+              <a:ea typeface="思源黑体 CN Light" panose="020B0300000000000000" pitchFamily="34" charset="-122"/>
+            </a:endParaRPr>
+          </a:p>
+        </p:txBody>
+      </p:sp>
+      <p:sp>
+        <p:nvSpPr>
+          <p:cNvPr id="8" name="矩形 7"/>
+          <p:cNvSpPr/>
+          <p:nvPr/>
+        </p:nvSpPr>
+        <p:spPr>
+          <a:xfrm>
+            <a:off x="4153299" y="1637169"/>
+            <a:ext cx="3877985" cy="369332"/>
+          </a:xfrm>
+          <a:prstGeom prst="rect">
+            <a:avLst/>
+          </a:prstGeom>
+        </p:spPr>
+        <p:txBody>
+          <a:bodyPr wrap="none">
+            <a:spAutoFit/>
+          </a:bodyPr>
+          <a:lstStyle/>
+          <a:p>
+            <a:pPr algn="ctr"/>
+            <a:r>
+              <a:rPr lang="zh-TW" altLang="en-US" dirty="0">
+                <a:solidFill>
+                  <a:schemeClr val="tx1">
+                    <a:lumMod val="65000"/>
+                    <a:lumOff val="35000"/>
+                  </a:schemeClr>
+                </a:solidFill>
+                <a:latin typeface="思源黑体 CN Light" panose="020B0300000000000000" pitchFamily="34" charset="-122"/>
+                <a:ea typeface="思源黑体 CN Light" panose="020B0300000000000000" pitchFamily="34" charset="-122"/>
+              </a:rPr>
+              <a:t>我們需要一個更貼近人性的搶票系統</a:t>
+            </a:r>
+            <a:endParaRPr lang="zh-CN" altLang="en-US" dirty="0">
+              <a:solidFill>
+                <a:schemeClr val="tx1">
+                  <a:lumMod val="65000"/>
+                  <a:lumOff val="35000"/>
+                </a:schemeClr>
+              </a:solidFill>
+              <a:latin typeface="思源黑体 CN Light" panose="020B0300000000000000" pitchFamily="34" charset="-122"/>
+              <a:ea typeface="思源黑体 CN Light" panose="020B0300000000000000" pitchFamily="34" charset="-122"/>
+            </a:endParaRPr>
+          </a:p>
+        </p:txBody>
+      </p:sp>
+      <p:grpSp>
+        <p:nvGrpSpPr>
+          <p:cNvPr id="18" name="组合 7"/>
+          <p:cNvGrpSpPr>
+            <a:grpSpLocks/>
+          </p:cNvGrpSpPr>
+          <p:nvPr/>
+        </p:nvGrpSpPr>
+        <p:grpSpPr bwMode="auto">
+          <a:xfrm rot="5400000">
+            <a:off x="1405854" y="3952452"/>
+            <a:ext cx="271992" cy="137879"/>
+            <a:chOff x="0" y="0"/>
+            <a:chExt cx="383575" cy="195163"/>
+          </a:xfrm>
+        </p:grpSpPr>
+        <p:cxnSp>
+          <p:nvCxnSpPr>
+            <p:cNvPr id="19" name="直接连接符 8"/>
+            <p:cNvCxnSpPr>
+              <a:cxnSpLocks noChangeShapeType="1"/>
+            </p:cNvCxnSpPr>
+            <p:nvPr/>
+          </p:nvCxnSpPr>
+          <p:spPr bwMode="auto">
+            <a:xfrm>
+              <a:off x="0" y="0"/>
+              <a:ext cx="194444" cy="195163"/>
+            </a:xfrm>
+            <a:prstGeom prst="line">
+              <a:avLst/>
+            </a:prstGeom>
+            <a:noFill/>
+            <a:ln w="28575">
+              <a:solidFill>
+                <a:schemeClr val="bg1">
+                  <a:lumMod val="85000"/>
+                </a:schemeClr>
+              </a:solidFill>
+              <a:round/>
+              <a:headEnd/>
+              <a:tailEnd/>
+            </a:ln>
+            <a:extLst>
+              <a:ext uri="{909E8E84-426E-40DD-AFC4-6F175D3DCCD1}">
+                <a14:hiddenFill xmlns:a14="http://schemas.microsoft.com/office/drawing/2010/main">
+                  <a:noFill/>
+                </a14:hiddenFill>
+              </a:ext>
+            </a:extLst>
+          </p:spPr>
+        </p:cxnSp>
+        <p:cxnSp>
+          <p:nvCxnSpPr>
+            <p:cNvPr id="20" name="直接连接符 9"/>
+            <p:cNvCxnSpPr>
+              <a:cxnSpLocks noChangeShapeType="1"/>
+            </p:cNvCxnSpPr>
+            <p:nvPr/>
+          </p:nvCxnSpPr>
+          <p:spPr bwMode="auto">
+            <a:xfrm flipV="1">
+              <a:off x="181693" y="0"/>
+              <a:ext cx="201882" cy="193030"/>
+            </a:xfrm>
+            <a:prstGeom prst="line">
+              <a:avLst/>
+            </a:prstGeom>
+            <a:noFill/>
+            <a:ln w="28575">
+              <a:solidFill>
+                <a:schemeClr val="bg1">
+                  <a:lumMod val="85000"/>
+                </a:schemeClr>
+              </a:solidFill>
+              <a:round/>
+              <a:headEnd/>
+              <a:tailEnd/>
+            </a:ln>
+            <a:extLst>
+              <a:ext uri="{909E8E84-426E-40DD-AFC4-6F175D3DCCD1}">
+                <a14:hiddenFill xmlns:a14="http://schemas.microsoft.com/office/drawing/2010/main">
+                  <a:noFill/>
+                </a14:hiddenFill>
+              </a:ext>
+            </a:extLst>
+          </p:spPr>
+        </p:cxnSp>
+      </p:grpSp>
+      <p:grpSp>
+        <p:nvGrpSpPr>
+          <p:cNvPr id="21" name="组合 10"/>
+          <p:cNvGrpSpPr>
+            <a:grpSpLocks/>
+          </p:cNvGrpSpPr>
+          <p:nvPr/>
+        </p:nvGrpSpPr>
+        <p:grpSpPr bwMode="auto">
+          <a:xfrm rot="-5400000">
+            <a:off x="10287808" y="3952451"/>
+            <a:ext cx="271241" cy="137881"/>
+            <a:chOff x="0" y="0"/>
+            <a:chExt cx="383575" cy="194854"/>
+          </a:xfrm>
+        </p:grpSpPr>
+        <p:cxnSp>
+          <p:nvCxnSpPr>
+            <p:cNvPr id="22" name="直接连接符 11"/>
+            <p:cNvCxnSpPr>
+              <a:cxnSpLocks noChangeShapeType="1"/>
+            </p:cNvCxnSpPr>
+            <p:nvPr/>
+          </p:nvCxnSpPr>
+          <p:spPr bwMode="auto">
+            <a:xfrm>
+              <a:off x="14917" y="0"/>
+              <a:ext cx="194984" cy="194854"/>
+            </a:xfrm>
+            <a:prstGeom prst="line">
+              <a:avLst/>
+            </a:prstGeom>
+            <a:noFill/>
+            <a:ln w="28575">
+              <a:solidFill>
+                <a:schemeClr val="bg1">
+                  <a:lumMod val="85000"/>
+                </a:schemeClr>
+              </a:solidFill>
+              <a:round/>
+              <a:headEnd/>
+              <a:tailEnd/>
+            </a:ln>
+            <a:extLst>
+              <a:ext uri="{909E8E84-426E-40DD-AFC4-6F175D3DCCD1}">
+                <a14:hiddenFill xmlns:a14="http://schemas.microsoft.com/office/drawing/2010/main">
+                  <a:noFill/>
+                </a14:hiddenFill>
+              </a:ext>
+            </a:extLst>
+          </p:spPr>
+        </p:cxnSp>
+        <p:cxnSp>
+          <p:nvCxnSpPr>
+            <p:cNvPr id="23" name="直接连接符 12"/>
+            <p:cNvCxnSpPr>
+              <a:cxnSpLocks noChangeShapeType="1"/>
+            </p:cNvCxnSpPr>
+            <p:nvPr/>
+          </p:nvCxnSpPr>
+          <p:spPr bwMode="auto">
+            <a:xfrm flipV="1">
+              <a:off x="197115" y="1065"/>
+              <a:ext cx="201377" cy="193789"/>
+            </a:xfrm>
+            <a:prstGeom prst="line">
+              <a:avLst/>
+            </a:prstGeom>
+            <a:noFill/>
+            <a:ln w="28575">
+              <a:solidFill>
+                <a:schemeClr val="bg1">
+                  <a:lumMod val="85000"/>
+                </a:schemeClr>
+              </a:solidFill>
+              <a:round/>
+              <a:headEnd/>
+              <a:tailEnd/>
+            </a:ln>
+            <a:extLst>
+              <a:ext uri="{909E8E84-426E-40DD-AFC4-6F175D3DCCD1}">
+                <a14:hiddenFill xmlns:a14="http://schemas.microsoft.com/office/drawing/2010/main">
+                  <a:noFill/>
+                </a14:hiddenFill>
+              </a:ext>
+            </a:extLst>
+          </p:spPr>
+        </p:cxnSp>
+      </p:grpSp>
+      <p:grpSp>
+        <p:nvGrpSpPr>
+          <p:cNvPr id="24" name="组合 23"/>
+          <p:cNvGrpSpPr/>
+          <p:nvPr/>
+        </p:nvGrpSpPr>
+        <p:grpSpPr>
+          <a:xfrm>
+            <a:off x="5958117" y="6490738"/>
+            <a:ext cx="268343" cy="287047"/>
+            <a:chOff x="1508125" y="1420813"/>
+            <a:chExt cx="2232025" cy="2387600"/>
+          </a:xfrm>
+        </p:grpSpPr>
+        <p:sp>
+          <p:nvSpPr>
+            <p:cNvPr id="25" name="Freeform 5"/>
+            <p:cNvSpPr>
+              <a:spLocks/>
+            </p:cNvSpPr>
+            <p:nvPr/>
+          </p:nvSpPr>
+          <p:spPr bwMode="auto">
+            <a:xfrm>
+              <a:off x="1508125" y="1420813"/>
+              <a:ext cx="2232025" cy="2387600"/>
+            </a:xfrm>
+            <a:custGeom>
+              <a:avLst/>
+              <a:gdLst>
+                <a:gd name="T0" fmla="*/ 741 w 741"/>
+                <a:gd name="T1" fmla="*/ 370 h 793"/>
+                <a:gd name="T2" fmla="*/ 370 w 741"/>
+                <a:gd name="T3" fmla="*/ 0 h 793"/>
+                <a:gd name="T4" fmla="*/ 0 w 741"/>
+                <a:gd name="T5" fmla="*/ 370 h 793"/>
+                <a:gd name="T6" fmla="*/ 223 w 741"/>
+                <a:gd name="T7" fmla="*/ 711 h 793"/>
+                <a:gd name="T8" fmla="*/ 370 w 741"/>
+                <a:gd name="T9" fmla="*/ 793 h 793"/>
+                <a:gd name="T10" fmla="*/ 511 w 741"/>
+                <a:gd name="T11" fmla="*/ 713 h 793"/>
+                <a:gd name="T12" fmla="*/ 741 w 741"/>
+                <a:gd name="T13" fmla="*/ 370 h 793"/>
+              </a:gdLst>
+              <a:ahLst/>
+              <a:cxnLst>
+                <a:cxn ang="0">
+                  <a:pos x="T0" y="T1"/>
+                </a:cxn>
+                <a:cxn ang="0">
+                  <a:pos x="T2" y="T3"/>
+                </a:cxn>
+                <a:cxn ang="0">
+                  <a:pos x="T4" y="T5"/>
+                </a:cxn>
+                <a:cxn ang="0">
+                  <a:pos x="T6" y="T7"/>
+                </a:cxn>
+                <a:cxn ang="0">
+                  <a:pos x="T8" y="T9"/>
+                </a:cxn>
+                <a:cxn ang="0">
+                  <a:pos x="T10" y="T11"/>
+                </a:cxn>
+                <a:cxn ang="0">
+                  <a:pos x="T12" y="T13"/>
+                </a:cxn>
+              </a:cxnLst>
+              <a:rect l="0" t="0" r="r" b="b"/>
+              <a:pathLst>
+                <a:path w="741" h="793">
+                  <a:moveTo>
+                    <a:pt x="741" y="370"/>
+                  </a:moveTo>
+                  <a:cubicBezTo>
+                    <a:pt x="741" y="166"/>
+                    <a:pt x="575" y="0"/>
+                    <a:pt x="370" y="0"/>
+                  </a:cubicBezTo>
+                  <a:cubicBezTo>
+                    <a:pt x="165" y="0"/>
+                    <a:pt x="0" y="166"/>
+                    <a:pt x="0" y="370"/>
+                  </a:cubicBezTo>
+                  <a:cubicBezTo>
+                    <a:pt x="0" y="523"/>
+                    <a:pt x="97" y="643"/>
+                    <a:pt x="223" y="711"/>
+                  </a:cubicBezTo>
+                  <a:cubicBezTo>
+                    <a:pt x="264" y="733"/>
+                    <a:pt x="370" y="793"/>
+                    <a:pt x="370" y="793"/>
+                  </a:cubicBezTo>
+                  <a:cubicBezTo>
+                    <a:pt x="370" y="793"/>
+                    <a:pt x="468" y="737"/>
+                    <a:pt x="511" y="713"/>
+                  </a:cubicBezTo>
+                  <a:cubicBezTo>
+                    <a:pt x="639" y="643"/>
+                    <a:pt x="741" y="525"/>
+                    <a:pt x="741" y="370"/>
+                  </a:cubicBezTo>
+                  <a:close/>
+                </a:path>
+              </a:pathLst>
+            </a:custGeom>
+            <a:solidFill>
+              <a:srgbClr val="1E78E8"/>
+            </a:solidFill>
+            <a:ln>
+              <a:noFill/>
+            </a:ln>
+          </p:spPr>
+          <p:txBody>
+            <a:bodyPr vert="horz" wrap="square" lIns="91440" tIns="45720" rIns="91440" bIns="45720" numCol="1" anchor="t" anchorCtr="0" compatLnSpc="1">
+              <a:prstTxWarp prst="textNoShape">
+                <a:avLst/>
+              </a:prstTxWarp>
+            </a:bodyPr>
+            <a:lstStyle/>
+            <a:p>
+              <a:endParaRPr lang="zh-CN" altLang="en-US"/>
+            </a:p>
+          </p:txBody>
+        </p:sp>
+        <p:sp>
+          <p:nvSpPr>
+            <p:cNvPr id="26" name="Freeform 6"/>
+            <p:cNvSpPr>
+              <a:spLocks noEditPoints="1"/>
+            </p:cNvSpPr>
+            <p:nvPr/>
+          </p:nvSpPr>
+          <p:spPr bwMode="auto">
+            <a:xfrm>
+              <a:off x="2081213" y="1971676"/>
+              <a:ext cx="1144588" cy="1095375"/>
+            </a:xfrm>
+            <a:custGeom>
+              <a:avLst/>
+              <a:gdLst>
+                <a:gd name="T0" fmla="*/ 378 w 380"/>
+                <a:gd name="T1" fmla="*/ 357 h 364"/>
+                <a:gd name="T2" fmla="*/ 355 w 380"/>
+                <a:gd name="T3" fmla="*/ 263 h 364"/>
+                <a:gd name="T4" fmla="*/ 355 w 380"/>
+                <a:gd name="T5" fmla="*/ 91 h 364"/>
+                <a:gd name="T6" fmla="*/ 264 w 380"/>
+                <a:gd name="T7" fmla="*/ 0 h 364"/>
+                <a:gd name="T8" fmla="*/ 91 w 380"/>
+                <a:gd name="T9" fmla="*/ 0 h 364"/>
+                <a:gd name="T10" fmla="*/ 0 w 380"/>
+                <a:gd name="T11" fmla="*/ 91 h 364"/>
+                <a:gd name="T12" fmla="*/ 0 w 380"/>
+                <a:gd name="T13" fmla="*/ 263 h 364"/>
+                <a:gd name="T14" fmla="*/ 91 w 380"/>
+                <a:gd name="T15" fmla="*/ 354 h 364"/>
+                <a:gd name="T16" fmla="*/ 264 w 380"/>
+                <a:gd name="T17" fmla="*/ 354 h 364"/>
+                <a:gd name="T18" fmla="*/ 375 w 380"/>
+                <a:gd name="T19" fmla="*/ 362 h 364"/>
+                <a:gd name="T20" fmla="*/ 378 w 380"/>
+                <a:gd name="T21" fmla="*/ 357 h 364"/>
+                <a:gd name="T22" fmla="*/ 141 w 380"/>
+                <a:gd name="T23" fmla="*/ 198 h 364"/>
+                <a:gd name="T24" fmla="*/ 115 w 380"/>
+                <a:gd name="T25" fmla="*/ 224 h 364"/>
+                <a:gd name="T26" fmla="*/ 88 w 380"/>
+                <a:gd name="T27" fmla="*/ 198 h 364"/>
+                <a:gd name="T28" fmla="*/ 88 w 380"/>
+                <a:gd name="T29" fmla="*/ 151 h 364"/>
+                <a:gd name="T30" fmla="*/ 115 w 380"/>
+                <a:gd name="T31" fmla="*/ 124 h 364"/>
+                <a:gd name="T32" fmla="*/ 141 w 380"/>
+                <a:gd name="T33" fmla="*/ 151 h 364"/>
+                <a:gd name="T34" fmla="*/ 141 w 380"/>
+                <a:gd name="T35" fmla="*/ 198 h 364"/>
+                <a:gd name="T36" fmla="*/ 265 w 380"/>
+                <a:gd name="T37" fmla="*/ 198 h 364"/>
+                <a:gd name="T38" fmla="*/ 239 w 380"/>
+                <a:gd name="T39" fmla="*/ 224 h 364"/>
+                <a:gd name="T40" fmla="*/ 212 w 380"/>
+                <a:gd name="T41" fmla="*/ 198 h 364"/>
+                <a:gd name="T42" fmla="*/ 212 w 380"/>
+                <a:gd name="T43" fmla="*/ 151 h 364"/>
+                <a:gd name="T44" fmla="*/ 239 w 380"/>
+                <a:gd name="T45" fmla="*/ 124 h 364"/>
+                <a:gd name="T46" fmla="*/ 265 w 380"/>
+                <a:gd name="T47" fmla="*/ 151 h 364"/>
+                <a:gd name="T48" fmla="*/ 265 w 380"/>
+                <a:gd name="T49" fmla="*/ 198 h 364"/>
+              </a:gdLst>
+              <a:ahLst/>
+              <a:cxnLst>
+                <a:cxn ang="0">
+                  <a:pos x="T0" y="T1"/>
+                </a:cxn>
+                <a:cxn ang="0">
+                  <a:pos x="T2" y="T3"/>
+                </a:cxn>
+                <a:cxn ang="0">
+                  <a:pos x="T4" y="T5"/>
+                </a:cxn>
+                <a:cxn ang="0">
+                  <a:pos x="T6" y="T7"/>
+                </a:cxn>
+                <a:cxn ang="0">
+                  <a:pos x="T8" y="T9"/>
+                </a:cxn>
+                <a:cxn ang="0">
+                  <a:pos x="T10" y="T11"/>
+                </a:cxn>
+                <a:cxn ang="0">
+                  <a:pos x="T12" y="T13"/>
+                </a:cxn>
+                <a:cxn ang="0">
+                  <a:pos x="T14" y="T15"/>
+                </a:cxn>
+                <a:cxn ang="0">
+                  <a:pos x="T16" y="T17"/>
+                </a:cxn>
+                <a:cxn ang="0">
+                  <a:pos x="T18" y="T19"/>
+                </a:cxn>
+                <a:cxn ang="0">
+                  <a:pos x="T20" y="T21"/>
+                </a:cxn>
+                <a:cxn ang="0">
+                  <a:pos x="T22" y="T23"/>
+                </a:cxn>
+                <a:cxn ang="0">
+                  <a:pos x="T24" y="T25"/>
+                </a:cxn>
+                <a:cxn ang="0">
+                  <a:pos x="T26" y="T27"/>
+                </a:cxn>
+                <a:cxn ang="0">
+                  <a:pos x="T28" y="T29"/>
+                </a:cxn>
+                <a:cxn ang="0">
+                  <a:pos x="T30" y="T31"/>
+                </a:cxn>
+                <a:cxn ang="0">
+                  <a:pos x="T32" y="T33"/>
+                </a:cxn>
+                <a:cxn ang="0">
+                  <a:pos x="T34" y="T35"/>
+                </a:cxn>
+                <a:cxn ang="0">
+                  <a:pos x="T36" y="T37"/>
+                </a:cxn>
+                <a:cxn ang="0">
+                  <a:pos x="T38" y="T39"/>
+                </a:cxn>
+                <a:cxn ang="0">
+                  <a:pos x="T40" y="T41"/>
+                </a:cxn>
+                <a:cxn ang="0">
+                  <a:pos x="T42" y="T43"/>
+                </a:cxn>
+                <a:cxn ang="0">
+                  <a:pos x="T44" y="T45"/>
+                </a:cxn>
+                <a:cxn ang="0">
+                  <a:pos x="T46" y="T47"/>
+                </a:cxn>
+                <a:cxn ang="0">
+                  <a:pos x="T48" y="T49"/>
+                </a:cxn>
+              </a:cxnLst>
+              <a:rect l="0" t="0" r="r" b="b"/>
+              <a:pathLst>
+                <a:path w="380" h="364">
+                  <a:moveTo>
+                    <a:pt x="378" y="357"/>
+                  </a:moveTo>
+                  <a:cubicBezTo>
+                    <a:pt x="365" y="337"/>
+                    <a:pt x="355" y="289"/>
+                    <a:pt x="355" y="263"/>
+                  </a:cubicBezTo>
+                  <a:cubicBezTo>
+                    <a:pt x="355" y="91"/>
+                    <a:pt x="355" y="91"/>
+                    <a:pt x="355" y="91"/>
+                  </a:cubicBezTo>
+                  <a:cubicBezTo>
+                    <a:pt x="355" y="41"/>
+                    <a:pt x="314" y="0"/>
+                    <a:pt x="264" y="0"/>
+                  </a:cubicBezTo>
+                  <a:cubicBezTo>
+                    <a:pt x="91" y="0"/>
+                    <a:pt x="91" y="0"/>
+                    <a:pt x="91" y="0"/>
+                  </a:cubicBezTo>
+                  <a:cubicBezTo>
+                    <a:pt x="41" y="0"/>
+                    <a:pt x="0" y="41"/>
+                    <a:pt x="0" y="91"/>
+                  </a:cubicBezTo>
+                  <a:cubicBezTo>
+                    <a:pt x="0" y="263"/>
+                    <a:pt x="0" y="263"/>
+                    <a:pt x="0" y="263"/>
+                  </a:cubicBezTo>
+                  <a:cubicBezTo>
+                    <a:pt x="0" y="313"/>
+                    <a:pt x="41" y="354"/>
+                    <a:pt x="91" y="354"/>
+                  </a:cubicBezTo>
+                  <a:cubicBezTo>
+                    <a:pt x="264" y="354"/>
+                    <a:pt x="264" y="354"/>
+                    <a:pt x="264" y="354"/>
+                  </a:cubicBezTo>
+                  <a:cubicBezTo>
+                    <a:pt x="284" y="354"/>
+                    <a:pt x="357" y="352"/>
+                    <a:pt x="375" y="362"/>
+                  </a:cubicBezTo>
+                  <a:cubicBezTo>
+                    <a:pt x="377" y="364"/>
+                    <a:pt x="380" y="361"/>
+                    <a:pt x="378" y="357"/>
+                  </a:cubicBezTo>
+                  <a:close/>
+                  <a:moveTo>
+                    <a:pt x="141" y="198"/>
+                  </a:moveTo>
+                  <a:cubicBezTo>
+                    <a:pt x="141" y="213"/>
+                    <a:pt x="129" y="224"/>
+                    <a:pt x="115" y="224"/>
+                  </a:cubicBezTo>
+                  <a:cubicBezTo>
+                    <a:pt x="100" y="224"/>
+                    <a:pt x="88" y="213"/>
+                    <a:pt x="88" y="198"/>
+                  </a:cubicBezTo>
+                  <a:cubicBezTo>
+                    <a:pt x="88" y="151"/>
+                    <a:pt x="88" y="151"/>
+                    <a:pt x="88" y="151"/>
+                  </a:cubicBezTo>
+                  <a:cubicBezTo>
+                    <a:pt x="88" y="136"/>
+                    <a:pt x="100" y="124"/>
+                    <a:pt x="115" y="124"/>
+                  </a:cubicBezTo>
+                  <a:cubicBezTo>
+                    <a:pt x="129" y="124"/>
+                    <a:pt x="141" y="136"/>
+                    <a:pt x="141" y="151"/>
+                  </a:cubicBezTo>
+                  <a:lnTo>
+                    <a:pt x="141" y="198"/>
+                  </a:lnTo>
+                  <a:close/>
+                  <a:moveTo>
+                    <a:pt x="265" y="198"/>
+                  </a:moveTo>
+                  <a:cubicBezTo>
+                    <a:pt x="265" y="213"/>
+                    <a:pt x="253" y="224"/>
+                    <a:pt x="239" y="224"/>
+                  </a:cubicBezTo>
+                  <a:cubicBezTo>
+                    <a:pt x="224" y="224"/>
+                    <a:pt x="212" y="213"/>
+                    <a:pt x="212" y="198"/>
+                  </a:cubicBezTo>
+                  <a:cubicBezTo>
+                    <a:pt x="212" y="151"/>
+                    <a:pt x="212" y="151"/>
+                    <a:pt x="212" y="151"/>
+                  </a:cubicBezTo>
+                  <a:cubicBezTo>
+                    <a:pt x="212" y="136"/>
+                    <a:pt x="224" y="124"/>
+                    <a:pt x="239" y="124"/>
+                  </a:cubicBezTo>
+                  <a:cubicBezTo>
+                    <a:pt x="253" y="124"/>
+                    <a:pt x="265" y="136"/>
+                    <a:pt x="265" y="151"/>
+                  </a:cubicBezTo>
+                  <a:lnTo>
+                    <a:pt x="265" y="198"/>
+                  </a:lnTo>
+                  <a:close/>
+                </a:path>
+              </a:pathLst>
+            </a:custGeom>
+            <a:solidFill>
+              <a:srgbClr val="FFFFFD"/>
+            </a:solidFill>
+            <a:ln>
+              <a:noFill/>
+            </a:ln>
+            <a:extLst>
+              <a:ext uri="{91240B29-F687-4F45-9708-019B960494DF}">
+                <a14:hiddenLine xmlns:a14="http://schemas.microsoft.com/office/drawing/2010/main" w="9525">
+                  <a:solidFill>
+                    <a:srgbClr val="000000"/>
+                  </a:solidFill>
+                  <a:round/>
+                  <a:headEnd/>
+                  <a:tailEnd/>
+                </a14:hiddenLine>
+              </a:ext>
+            </a:extLst>
+          </p:spPr>
+          <p:txBody>
+            <a:bodyPr vert="horz" wrap="square" lIns="91440" tIns="45720" rIns="91440" bIns="45720" numCol="1" anchor="t" anchorCtr="0" compatLnSpc="1">
+              <a:prstTxWarp prst="textNoShape">
+                <a:avLst/>
+              </a:prstTxWarp>
+            </a:bodyPr>
+            <a:lstStyle/>
+            <a:p>
+              <a:endParaRPr lang="zh-CN" altLang="en-US"/>
+            </a:p>
+          </p:txBody>
+        </p:sp>
+      </p:grpSp>
+      <p:cxnSp>
+        <p:nvCxnSpPr>
+          <p:cNvPr id="27" name="直接连接符 26"/>
+          <p:cNvCxnSpPr/>
+          <p:nvPr/>
+        </p:nvCxnSpPr>
+        <p:spPr>
+          <a:xfrm>
+            <a:off x="0" y="6634262"/>
+            <a:ext cx="5810250" cy="0"/>
+          </a:xfrm>
+          <a:prstGeom prst="line">
+            <a:avLst/>
+          </a:prstGeom>
+          <a:ln w="12700">
+            <a:solidFill>
+              <a:schemeClr val="bg1">
+                <a:lumMod val="75000"/>
+              </a:schemeClr>
+            </a:solidFill>
+          </a:ln>
+        </p:spPr>
+        <p:style>
+          <a:lnRef idx="1">
+            <a:schemeClr val="accent1"/>
+          </a:lnRef>
+          <a:fillRef idx="0">
+            <a:schemeClr val="accent1"/>
+          </a:fillRef>
+          <a:effectRef idx="0">
+            <a:schemeClr val="accent1"/>
+          </a:effectRef>
+          <a:fontRef idx="minor">
+            <a:schemeClr val="tx1"/>
+          </a:fontRef>
+        </p:style>
+      </p:cxnSp>
+      <p:cxnSp>
+        <p:nvCxnSpPr>
+          <p:cNvPr id="28" name="直接连接符 27"/>
+          <p:cNvCxnSpPr/>
+          <p:nvPr/>
+        </p:nvCxnSpPr>
+        <p:spPr>
+          <a:xfrm>
+            <a:off x="6337300" y="6634262"/>
+            <a:ext cx="5845174" cy="0"/>
+          </a:xfrm>
+          <a:prstGeom prst="line">
+            <a:avLst/>
+          </a:prstGeom>
+          <a:ln w="12700">
+            <a:solidFill>
+              <a:schemeClr val="bg1">
+                <a:lumMod val="75000"/>
+              </a:schemeClr>
+            </a:solidFill>
+          </a:ln>
+        </p:spPr>
+        <p:style>
+          <a:lnRef idx="1">
+            <a:schemeClr val="accent1"/>
+          </a:lnRef>
+          <a:fillRef idx="0">
+            <a:schemeClr val="accent1"/>
+          </a:fillRef>
+          <a:effectRef idx="0">
+            <a:schemeClr val="accent1"/>
+          </a:effectRef>
+          <a:fontRef idx="minor">
+            <a:schemeClr val="tx1"/>
+          </a:fontRef>
+        </p:style>
+      </p:cxnSp>
+      <p:sp>
+        <p:nvSpPr>
+          <p:cNvPr id="29" name="矩形 28">
+            <a:extLst>
+              <a:ext uri="{FF2B5EF4-FFF2-40B4-BE49-F238E27FC236}">
+                <a16:creationId xmlns:a16="http://schemas.microsoft.com/office/drawing/2014/main" id="{A2BEC0D8-DC3B-41C6-9C54-9A9DA4DFBE84}"/>
+              </a:ext>
+            </a:extLst>
+          </p:cNvPr>
+          <p:cNvSpPr/>
+          <p:nvPr/>
+        </p:nvSpPr>
+        <p:spPr>
+          <a:xfrm>
+            <a:off x="2296538" y="2479633"/>
+            <a:ext cx="7859844" cy="2487412"/>
+          </a:xfrm>
+          <a:prstGeom prst="rect">
+            <a:avLst/>
+          </a:prstGeom>
+        </p:spPr>
+        <p:txBody>
+          <a:bodyPr wrap="none">
+            <a:spAutoFit/>
+          </a:bodyPr>
+          <a:lstStyle/>
+          <a:p>
+            <a:pPr marL="742950" indent="-742950">
+              <a:lnSpc>
+                <a:spcPct val="150000"/>
+              </a:lnSpc>
+              <a:buAutoNum type="arabicPeriod"/>
+            </a:pPr>
+            <a:r>
+              <a:rPr lang="zh-TW" altLang="en-US" sz="3600" dirty="0">
+                <a:solidFill>
+                  <a:srgbClr val="1E78E8"/>
+                </a:solidFill>
+                <a:latin typeface="思源黑体 CN Light" panose="020B0300000000000000" pitchFamily="34" charset="-122"/>
+                <a:ea typeface="思源黑体 CN Light" panose="020B0300000000000000" pitchFamily="34" charset="-122"/>
+              </a:rPr>
+              <a:t>演唱會資訊整合，提供查詢功能</a:t>
+            </a:r>
+            <a:endParaRPr lang="en-US" altLang="zh-TW" sz="3600" dirty="0">
+              <a:solidFill>
+                <a:srgbClr val="1E78E8"/>
+              </a:solidFill>
+              <a:latin typeface="思源黑体 CN Light" panose="020B0300000000000000" pitchFamily="34" charset="-122"/>
+              <a:ea typeface="思源黑体 CN Light" panose="020B0300000000000000" pitchFamily="34" charset="-122"/>
+            </a:endParaRPr>
+          </a:p>
+          <a:p>
+            <a:pPr marL="742950" indent="-742950">
+              <a:lnSpc>
+                <a:spcPct val="150000"/>
+              </a:lnSpc>
+              <a:buAutoNum type="arabicPeriod"/>
+            </a:pPr>
+            <a:r>
+              <a:rPr lang="zh-TW" altLang="en-US" sz="3600" dirty="0">
+                <a:solidFill>
+                  <a:srgbClr val="1E78E8"/>
+                </a:solidFill>
+                <a:latin typeface="思源黑体 CN Light" panose="020B0300000000000000" pitchFamily="34" charset="-122"/>
+                <a:ea typeface="思源黑体 CN Light" panose="020B0300000000000000" pitchFamily="34" charset="-122"/>
+              </a:rPr>
+              <a:t>附上售票連結，方便使用者搶票</a:t>
+            </a:r>
+            <a:endParaRPr lang="en-US" altLang="zh-TW" sz="3600" dirty="0">
+              <a:solidFill>
+                <a:srgbClr val="1E78E8"/>
+              </a:solidFill>
+              <a:latin typeface="思源黑体 CN Light" panose="020B0300000000000000" pitchFamily="34" charset="-122"/>
+              <a:ea typeface="思源黑体 CN Light" panose="020B0300000000000000" pitchFamily="34" charset="-122"/>
+            </a:endParaRPr>
+          </a:p>
+          <a:p>
+            <a:pPr marL="742950" indent="-742950">
+              <a:lnSpc>
+                <a:spcPct val="150000"/>
+              </a:lnSpc>
+              <a:buAutoNum type="arabicPeriod"/>
+            </a:pPr>
+            <a:r>
+              <a:rPr lang="zh-TW" altLang="en-US" sz="3600" dirty="0">
+                <a:solidFill>
+                  <a:srgbClr val="1E78E8"/>
+                </a:solidFill>
+                <a:latin typeface="思源黑体 CN Light" panose="020B0300000000000000" pitchFamily="34" charset="-122"/>
+                <a:ea typeface="思源黑体 CN Light" panose="020B0300000000000000" pitchFamily="34" charset="-122"/>
+              </a:rPr>
+              <a:t>提供倒數功能，日期時間一目瞭然</a:t>
+            </a:r>
+            <a:endParaRPr lang="en-US" altLang="zh-TW" sz="3600" dirty="0">
+              <a:solidFill>
+                <a:srgbClr val="1E78E8"/>
+              </a:solidFill>
+              <a:latin typeface="思源黑体 CN Light" panose="020B0300000000000000" pitchFamily="34" charset="-122"/>
+              <a:ea typeface="思源黑体 CN Light" panose="020B0300000000000000" pitchFamily="34" charset="-122"/>
+            </a:endParaRPr>
+          </a:p>
+        </p:txBody>
+      </p:sp>
+    </p:spTree>
+    <p:extLst>
+      <p:ext uri="{BB962C8B-B14F-4D97-AF65-F5344CB8AC3E}">
+        <p14:creationId xmlns:p14="http://schemas.microsoft.com/office/powerpoint/2010/main" val="2174593012"/>
+      </p:ext>
+    </p:extLst>
+  </p:cSld>
+  <p:clrMapOvr>
+    <a:masterClrMapping/>
+  </p:clrMapOvr>
+  <p:transition spd="slow">
+    <p:push/>
+  </p:transition>
+  <p:timing>
+    <p:tnLst>
+      <p:par>
+        <p:cTn id="1" dur="indefinite" restart="never" nodeType="tmRoot">
+          <p:childTnLst>
+            <p:seq concurrent="1" nextAc="seek">
+              <p:cTn id="2" dur="indefinite" nodeType="mainSeq">
+                <p:childTnLst>
+                  <p:par>
+                    <p:cTn id="3" fill="hold">
+                      <p:stCondLst>
+                        <p:cond delay="indefinite"/>
+                        <p:cond evt="onBegin" delay="0">
+                          <p:tn val="2"/>
+                        </p:cond>
+                      </p:stCondLst>
+                      <p:childTnLst>
+                        <p:par>
+                          <p:cTn id="4" fill="hold">
+                            <p:stCondLst>
+                              <p:cond delay="0"/>
+                            </p:stCondLst>
+                            <p:childTnLst>
+                              <p:par>
+                                <p:cTn id="5" presetID="2" presetClass="entr" presetSubtype="2" fill="hold" grpId="0" nodeType="withEffect">
+                                  <p:stCondLst>
+                                    <p:cond delay="0"/>
+                                  </p:stCondLst>
+                                  <p:iterate type="lt">
+                                    <p:tmPct val="20000"/>
+                                  </p:iterate>
+                                  <p:childTnLst>
+                                    <p:set>
+                                      <p:cBhvr>
+                                        <p:cTn id="6" dur="1" fill="hold">
+                                          <p:stCondLst>
+                                            <p:cond delay="0"/>
+                                          </p:stCondLst>
+                                        </p:cTn>
+                                        <p:tgtEl>
+                                          <p:spTgt spid="7"/>
+                                        </p:tgtEl>
+                                        <p:attrNameLst>
+                                          <p:attrName>style.visibility</p:attrName>
+                                        </p:attrNameLst>
+                                      </p:cBhvr>
+                                      <p:to>
+                                        <p:strVal val="visible"/>
+                                      </p:to>
+                                    </p:set>
+                                    <p:anim calcmode="lin" valueType="num">
+                                      <p:cBhvr additive="base">
+                                        <p:cTn id="7" dur="350" fill="hold"/>
+                                        <p:tgtEl>
+                                          <p:spTgt spid="7"/>
+                                        </p:tgtEl>
+                                        <p:attrNameLst>
+                                          <p:attrName>ppt_x</p:attrName>
+                                        </p:attrNameLst>
+                                      </p:cBhvr>
+                                      <p:tavLst>
+                                        <p:tav tm="0">
+                                          <p:val>
+                                            <p:strVal val="1+#ppt_w/2"/>
+                                          </p:val>
+                                        </p:tav>
+                                        <p:tav tm="100000">
+                                          <p:val>
+                                            <p:strVal val="#ppt_x"/>
+                                          </p:val>
+                                        </p:tav>
+                                      </p:tavLst>
+                                    </p:anim>
+                                    <p:anim calcmode="lin" valueType="num">
+                                      <p:cBhvr additive="base">
+                                        <p:cTn id="8" dur="350" fill="hold"/>
+                                        <p:tgtEl>
+                                          <p:spTgt spid="7"/>
+                                        </p:tgtEl>
+                                        <p:attrNameLst>
+                                          <p:attrName>ppt_y</p:attrName>
+                                        </p:attrNameLst>
+                                      </p:cBhvr>
+                                      <p:tavLst>
+                                        <p:tav tm="0">
+                                          <p:val>
+                                            <p:strVal val="#ppt_y"/>
+                                          </p:val>
+                                        </p:tav>
+                                        <p:tav tm="100000">
+                                          <p:val>
+                                            <p:strVal val="#ppt_y"/>
+                                          </p:val>
+                                        </p:tav>
+                                      </p:tavLst>
+                                    </p:anim>
+                                  </p:childTnLst>
+                                </p:cTn>
+                              </p:par>
+                              <p:par>
+                                <p:cTn id="9" presetID="2" presetClass="entr" presetSubtype="2" fill="hold" grpId="0" nodeType="withEffect">
+                                  <p:stCondLst>
+                                    <p:cond delay="0"/>
+                                  </p:stCondLst>
+                                  <p:iterate type="lt">
+                                    <p:tmPct val="20000"/>
+                                  </p:iterate>
+                                  <p:childTnLst>
+                                    <p:set>
+                                      <p:cBhvr>
+                                        <p:cTn id="10" dur="1" fill="hold">
+                                          <p:stCondLst>
+                                            <p:cond delay="0"/>
+                                          </p:stCondLst>
+                                        </p:cTn>
+                                        <p:tgtEl>
+                                          <p:spTgt spid="8"/>
+                                        </p:tgtEl>
+                                        <p:attrNameLst>
+                                          <p:attrName>style.visibility</p:attrName>
+                                        </p:attrNameLst>
+                                      </p:cBhvr>
+                                      <p:to>
+                                        <p:strVal val="visible"/>
+                                      </p:to>
+                                    </p:set>
+                                    <p:anim calcmode="lin" valueType="num">
+                                      <p:cBhvr additive="base">
+                                        <p:cTn id="11" dur="350" fill="hold"/>
+                                        <p:tgtEl>
+                                          <p:spTgt spid="8"/>
+                                        </p:tgtEl>
+                                        <p:attrNameLst>
+                                          <p:attrName>ppt_x</p:attrName>
+                                        </p:attrNameLst>
+                                      </p:cBhvr>
+                                      <p:tavLst>
+                                        <p:tav tm="0">
+                                          <p:val>
+                                            <p:strVal val="1+#ppt_w/2"/>
+                                          </p:val>
+                                        </p:tav>
+                                        <p:tav tm="100000">
+                                          <p:val>
+                                            <p:strVal val="#ppt_x"/>
+                                          </p:val>
+                                        </p:tav>
+                                      </p:tavLst>
+                                    </p:anim>
+                                    <p:anim calcmode="lin" valueType="num">
+                                      <p:cBhvr additive="base">
+                                        <p:cTn id="12" dur="350" fill="hold"/>
+                                        <p:tgtEl>
+                                          <p:spTgt spid="8"/>
+                                        </p:tgtEl>
+                                        <p:attrNameLst>
+                                          <p:attrName>ppt_y</p:attrName>
+                                        </p:attrNameLst>
+                                      </p:cBhvr>
+                                      <p:tavLst>
+                                        <p:tav tm="0">
+                                          <p:val>
+                                            <p:strVal val="#ppt_y"/>
+                                          </p:val>
+                                        </p:tav>
+                                        <p:tav tm="100000">
+                                          <p:val>
+                                            <p:strVal val="#ppt_y"/>
+                                          </p:val>
+                                        </p:tav>
+                                      </p:tavLst>
+                                    </p:anim>
+                                  </p:childTnLst>
+                                </p:cTn>
+                              </p:par>
+                              <p:par>
+                                <p:cTn id="13" presetID="12" presetClass="entr" presetSubtype="2" fill="hold" nodeType="withEffect">
+                                  <p:stCondLst>
+                                    <p:cond delay="1500"/>
+                                  </p:stCondLst>
+                                  <p:childTnLst>
+                                    <p:set>
+                                      <p:cBhvr>
+                                        <p:cTn id="14" dur="1" fill="hold">
+                                          <p:stCondLst>
+                                            <p:cond delay="0"/>
+                                          </p:stCondLst>
+                                        </p:cTn>
+                                        <p:tgtEl>
+                                          <p:spTgt spid="18"/>
+                                        </p:tgtEl>
+                                        <p:attrNameLst>
+                                          <p:attrName>style.visibility</p:attrName>
+                                        </p:attrNameLst>
+                                      </p:cBhvr>
+                                      <p:to>
+                                        <p:strVal val="visible"/>
+                                      </p:to>
+                                    </p:set>
+                                    <p:anim calcmode="lin" valueType="num">
+                                      <p:cBhvr additive="base">
+                                        <p:cTn id="15" dur="500"/>
+                                        <p:tgtEl>
+                                          <p:spTgt spid="18"/>
+                                        </p:tgtEl>
+                                        <p:attrNameLst>
+                                          <p:attrName>ppt_x</p:attrName>
+                                        </p:attrNameLst>
+                                      </p:cBhvr>
+                                      <p:tavLst>
+                                        <p:tav tm="0">
+                                          <p:val>
+                                            <p:strVal val="#ppt_x+#ppt_w*1.125000"/>
+                                          </p:val>
+                                        </p:tav>
+                                        <p:tav tm="100000">
+                                          <p:val>
+                                            <p:strVal val="#ppt_x"/>
+                                          </p:val>
+                                        </p:tav>
+                                      </p:tavLst>
+                                    </p:anim>
+                                    <p:animEffect transition="in" filter="wipe(left)">
+                                      <p:cBhvr>
+                                        <p:cTn id="16" dur="500"/>
+                                        <p:tgtEl>
+                                          <p:spTgt spid="18"/>
+                                        </p:tgtEl>
+                                      </p:cBhvr>
+                                    </p:animEffect>
+                                  </p:childTnLst>
+                                </p:cTn>
+                              </p:par>
+                              <p:par>
+                                <p:cTn id="17" presetID="12" presetClass="entr" presetSubtype="8" fill="hold" nodeType="withEffect">
+                                  <p:stCondLst>
+                                    <p:cond delay="1500"/>
+                                  </p:stCondLst>
+                                  <p:childTnLst>
+                                    <p:set>
+                                      <p:cBhvr>
+                                        <p:cTn id="18" dur="1" fill="hold">
+                                          <p:stCondLst>
+                                            <p:cond delay="0"/>
+                                          </p:stCondLst>
+                                        </p:cTn>
+                                        <p:tgtEl>
+                                          <p:spTgt spid="21"/>
+                                        </p:tgtEl>
+                                        <p:attrNameLst>
+                                          <p:attrName>style.visibility</p:attrName>
+                                        </p:attrNameLst>
+                                      </p:cBhvr>
+                                      <p:to>
+                                        <p:strVal val="visible"/>
+                                      </p:to>
+                                    </p:set>
+                                    <p:anim calcmode="lin" valueType="num">
+                                      <p:cBhvr additive="base">
+                                        <p:cTn id="19" dur="500"/>
+                                        <p:tgtEl>
+                                          <p:spTgt spid="21"/>
+                                        </p:tgtEl>
+                                        <p:attrNameLst>
+                                          <p:attrName>ppt_x</p:attrName>
+                                        </p:attrNameLst>
+                                      </p:cBhvr>
+                                      <p:tavLst>
+                                        <p:tav tm="0">
+                                          <p:val>
+                                            <p:strVal val="#ppt_x-#ppt_w*1.125000"/>
+                                          </p:val>
+                                        </p:tav>
+                                        <p:tav tm="100000">
+                                          <p:val>
+                                            <p:strVal val="#ppt_x"/>
+                                          </p:val>
+                                        </p:tav>
+                                      </p:tavLst>
+                                    </p:anim>
+                                    <p:animEffect transition="in" filter="wipe(right)">
+                                      <p:cBhvr>
+                                        <p:cTn id="20" dur="500"/>
+                                        <p:tgtEl>
+                                          <p:spTgt spid="21"/>
+                                        </p:tgtEl>
+                                      </p:cBhvr>
+                                    </p:animEffect>
+                                  </p:childTnLst>
+                                </p:cTn>
+                              </p:par>
+                              <p:par>
+                                <p:cTn id="21" presetID="2" presetClass="entr" presetSubtype="2" fill="hold" grpId="0" nodeType="withEffect">
+                                  <p:stCondLst>
+                                    <p:cond delay="0"/>
+                                  </p:stCondLst>
+                                  <p:iterate type="lt">
+                                    <p:tmPct val="20000"/>
+                                  </p:iterate>
+                                  <p:childTnLst>
+                                    <p:set>
+                                      <p:cBhvr>
+                                        <p:cTn id="22" dur="1" fill="hold">
+                                          <p:stCondLst>
+                                            <p:cond delay="0"/>
+                                          </p:stCondLst>
+                                        </p:cTn>
+                                        <p:tgtEl>
+                                          <p:spTgt spid="29"/>
+                                        </p:tgtEl>
+                                        <p:attrNameLst>
+                                          <p:attrName>style.visibility</p:attrName>
+                                        </p:attrNameLst>
+                                      </p:cBhvr>
+                                      <p:to>
+                                        <p:strVal val="visible"/>
+                                      </p:to>
+                                    </p:set>
+                                    <p:anim calcmode="lin" valueType="num">
+                                      <p:cBhvr additive="base">
+                                        <p:cTn id="23" dur="350" fill="hold"/>
+                                        <p:tgtEl>
+                                          <p:spTgt spid="29"/>
+                                        </p:tgtEl>
+                                        <p:attrNameLst>
+                                          <p:attrName>ppt_x</p:attrName>
+                                        </p:attrNameLst>
+                                      </p:cBhvr>
+                                      <p:tavLst>
+                                        <p:tav tm="0">
+                                          <p:val>
+                                            <p:strVal val="1+#ppt_w/2"/>
+                                          </p:val>
+                                        </p:tav>
+                                        <p:tav tm="100000">
+                                          <p:val>
+                                            <p:strVal val="#ppt_x"/>
+                                          </p:val>
+                                        </p:tav>
+                                      </p:tavLst>
+                                    </p:anim>
+                                    <p:anim calcmode="lin" valueType="num">
+                                      <p:cBhvr additive="base">
+                                        <p:cTn id="24" dur="350" fill="hold"/>
+                                        <p:tgtEl>
+                                          <p:spTgt spid="29"/>
+                                        </p:tgtEl>
+                                        <p:attrNameLst>
+                                          <p:attrName>ppt_y</p:attrName>
+                                        </p:attrNameLst>
+                                      </p:cBhvr>
+                                      <p:tavLst>
+                                        <p:tav tm="0">
+                                          <p:val>
+                                            <p:strVal val="#ppt_y"/>
+                                          </p:val>
+                                        </p:tav>
+                                        <p:tav tm="100000">
+                                          <p:val>
+                                            <p:strVal val="#ppt_y"/>
+                                          </p:val>
+                                        </p:tav>
+                                      </p:tavLst>
+                                    </p:anim>
+                                  </p:childTnLst>
+                                </p:cTn>
+                              </p:par>
+                            </p:childTnLst>
+                          </p:cTn>
+                        </p:par>
+                      </p:childTnLst>
+                    </p:cTn>
+                  </p:par>
+                </p:childTnLst>
+              </p:cTn>
+              <p:prevCondLst>
+                <p:cond evt="onPrev" delay="0">
+                  <p:tgtEl>
+                    <p:sldTgt/>
+                  </p:tgtEl>
+                </p:cond>
+              </p:prevCondLst>
+              <p:nextCondLst>
+                <p:cond evt="onNext" delay="0">
+                  <p:tgtEl>
+                    <p:sldTgt/>
+                  </p:tgtEl>
+                </p:cond>
+              </p:nextCondLst>
+            </p:seq>
+          </p:childTnLst>
+        </p:cTn>
+      </p:par>
+    </p:tnLst>
+    <p:bldLst>
+      <p:bldP spid="7" grpId="0"/>
+      <p:bldP spid="8" grpId="0"/>
+      <p:bldP spid="29" grpId="0"/>
+    </p:bldLst>
+  </p:timing>
+</p:sld>
+</file>
+
+<file path=ppt/slides/slide6.xml><?xml version="1.0" encoding="utf-8"?>
 <p:sld xmlns:a="http://schemas.openxmlformats.org/drawingml/2006/main" xmlns:r="http://schemas.openxmlformats.org/officeDocument/2006/relationships" xmlns:p="http://schemas.openxmlformats.org/presentationml/2006/main">
   <p:cSld>
     <p:spTree>
@@ -15491,7 +17744,7 @@
               </a:lnSpc>
             </a:pPr>
             <a:r>
-              <a:rPr lang="zh-TW" altLang="en-US" sz="3600" dirty="0" smtClean="0">
+              <a:rPr lang="zh-TW" altLang="en-US" sz="3600" dirty="0">
                 <a:solidFill>
                   <a:srgbClr val="1E78E8"/>
                 </a:solidFill>
@@ -15582,7 +17835,7 @@
                 </a:lnSpc>
               </a:pPr>
               <a:r>
-                <a:rPr lang="zh-TW" altLang="en-US" sz="3600" dirty="0" smtClean="0">
+                <a:rPr lang="zh-TW" altLang="en-US" sz="3600" dirty="0">
                   <a:solidFill>
                     <a:srgbClr val="90CCF4"/>
                   </a:solidFill>
@@ -15591,7 +17844,7 @@
                 </a:rPr>
                 <a:t>事情一拖再拖</a:t>
               </a:r>
-              <a:endParaRPr lang="en-US" altLang="zh-TW" sz="3600" dirty="0" smtClean="0">
+              <a:endParaRPr lang="en-US" altLang="zh-TW" sz="3600" dirty="0">
                 <a:solidFill>
                   <a:srgbClr val="90CCF4"/>
                 </a:solidFill>
@@ -15606,7 +17859,7 @@
                 </a:lnSpc>
               </a:pPr>
               <a:r>
-                <a:rPr lang="zh-TW" altLang="en-US" sz="3600" dirty="0" smtClean="0">
+                <a:rPr lang="zh-TW" altLang="en-US" sz="3600" dirty="0">
                   <a:solidFill>
                     <a:srgbClr val="90CCF4"/>
                   </a:solidFill>
@@ -16541,7 +18794,7 @@
 </p:sld>
 </file>
 
-<file path=ppt/slides/slide6.xml><?xml version="1.0" encoding="utf-8"?>
+<file path=ppt/slides/slide7.xml><?xml version="1.0" encoding="utf-8"?>
 <p:sld xmlns:a="http://schemas.openxmlformats.org/drawingml/2006/main" xmlns:r="http://schemas.openxmlformats.org/officeDocument/2006/relationships" xmlns:p="http://schemas.openxmlformats.org/presentationml/2006/main">
   <p:cSld>
     <p:spTree>
@@ -16581,7 +18834,7 @@
           <a:lstStyle/>
           <a:p>
             <a:r>
-              <a:rPr lang="en-US" altLang="zh-CN" i="1" dirty="0" smtClean="0">
+              <a:rPr lang="en-US" altLang="zh-CN" i="1" dirty="0">
                 <a:solidFill>
                   <a:schemeClr val="bg1">
                     <a:lumMod val="50000"/>
@@ -16591,7 +18844,7 @@
               <a:t>Mar.</a:t>
             </a:r>
             <a:r>
-              <a:rPr lang="en-US" altLang="zh-TW" i="1" dirty="0" smtClean="0">
+              <a:rPr lang="en-US" altLang="zh-TW" i="1" dirty="0">
                 <a:solidFill>
                   <a:schemeClr val="bg1">
                     <a:lumMod val="50000"/>
@@ -16600,7 +18853,7 @@
               </a:rPr>
               <a:t>31th</a:t>
             </a:r>
-            <a:endParaRPr lang="en-US" altLang="zh-CN" i="1" dirty="0" smtClean="0">
+            <a:endParaRPr lang="en-US" altLang="zh-CN" i="1" dirty="0">
               <a:solidFill>
                 <a:schemeClr val="bg1">
                   <a:lumMod val="50000"/>
@@ -16610,7 +18863,7 @@
           </a:p>
           <a:p>
             <a:r>
-              <a:rPr lang="en-US" altLang="zh-CN" sz="3200" dirty="0" smtClean="0">
+              <a:rPr lang="en-US" altLang="zh-CN" sz="3200" dirty="0">
                 <a:solidFill>
                   <a:schemeClr val="bg1">
                     <a:lumMod val="50000"/>
@@ -16666,7 +18919,7 @@
               </a:lnSpc>
             </a:pPr>
             <a:r>
-              <a:rPr lang="zh-TW" altLang="en-US" sz="3600" dirty="0" smtClean="0">
+              <a:rPr lang="zh-TW" altLang="en-US" sz="3600" dirty="0">
                 <a:solidFill>
                   <a:srgbClr val="1E78E8"/>
                 </a:solidFill>
@@ -16707,7 +18960,7 @@
           <a:lstStyle/>
           <a:p>
             <a:r>
-              <a:rPr lang="zh-TW" altLang="en-US" dirty="0" smtClean="0">
+              <a:rPr lang="zh-TW" altLang="en-US" dirty="0">
                 <a:solidFill>
                   <a:schemeClr val="tx1">
                     <a:lumMod val="65000"/>
@@ -17292,7 +19545,7 @@
           <a:lstStyle/>
           <a:p>
             <a:r>
-              <a:rPr lang="zh-TW" altLang="en-US" dirty="0" smtClean="0">
+              <a:rPr lang="zh-TW" altLang="en-US" dirty="0">
                 <a:solidFill>
                   <a:schemeClr val="tx1">
                     <a:lumMod val="85000"/>
@@ -17413,7 +19666,7 @@
           <a:lstStyle/>
           <a:p>
             <a:r>
-              <a:rPr lang="en-US" altLang="zh-TW" i="1" dirty="0" smtClean="0">
+              <a:rPr lang="en-US" altLang="zh-TW" i="1" dirty="0">
                 <a:solidFill>
                   <a:schemeClr val="bg1">
                     <a:lumMod val="50000"/>
@@ -17423,7 +19676,7 @@
               <a:t>Apr</a:t>
             </a:r>
             <a:r>
-              <a:rPr lang="en-US" altLang="zh-CN" i="1" dirty="0" smtClean="0">
+              <a:rPr lang="en-US" altLang="zh-CN" i="1" dirty="0">
                 <a:solidFill>
                   <a:schemeClr val="bg1">
                     <a:lumMod val="50000"/>
@@ -17435,7 +19688,7 @@
           </a:p>
           <a:p>
             <a:r>
-              <a:rPr lang="en-US" altLang="zh-CN" sz="3200" dirty="0" smtClean="0">
+              <a:rPr lang="en-US" altLang="zh-CN" sz="3200" dirty="0">
                 <a:solidFill>
                   <a:schemeClr val="bg1">
                     <a:lumMod val="50000"/>
@@ -17445,7 +19698,7 @@
               <a:t>201</a:t>
             </a:r>
             <a:r>
-              <a:rPr lang="en-US" altLang="zh-TW" sz="3200" dirty="0" smtClean="0">
+              <a:rPr lang="en-US" altLang="zh-TW" sz="3200" dirty="0">
                 <a:solidFill>
                   <a:schemeClr val="bg1">
                     <a:lumMod val="50000"/>
@@ -17486,7 +19739,7 @@
           <a:lstStyle/>
           <a:p>
             <a:r>
-              <a:rPr lang="zh-TW" altLang="en-US" dirty="0" smtClean="0">
+              <a:rPr lang="zh-TW" altLang="en-US" dirty="0">
                 <a:solidFill>
                   <a:schemeClr val="tx1">
                     <a:lumMod val="85000"/>
@@ -17533,7 +19786,7 @@
           <a:lstStyle/>
           <a:p>
             <a:r>
-              <a:rPr lang="zh-TW" altLang="en-US" sz="1600" dirty="0" smtClean="0">
+              <a:rPr lang="zh-TW" altLang="en-US" sz="1600" dirty="0">
                 <a:solidFill>
                   <a:schemeClr val="tx1">
                     <a:lumMod val="65000"/>
@@ -17618,7 +19871,7 @@
           <a:lstStyle/>
           <a:p>
             <a:r>
-              <a:rPr lang="zh-TW" altLang="en-US" sz="1600" dirty="0" smtClean="0">
+              <a:rPr lang="zh-TW" altLang="en-US" sz="1600" dirty="0">
                 <a:solidFill>
                   <a:schemeClr val="tx1">
                     <a:lumMod val="65000"/>
@@ -17631,7 +19884,7 @@
               <a:t>一個好的首頁才能抓住使用者目光，我們預計將以一個大大的演唱會圖片作為</a:t>
             </a:r>
             <a:r>
-              <a:rPr lang="en-US" altLang="zh-TW" sz="1600" dirty="0" smtClean="0">
+              <a:rPr lang="en-US" altLang="zh-TW" sz="1600" dirty="0">
                 <a:solidFill>
                   <a:schemeClr val="tx1">
                     <a:lumMod val="65000"/>
@@ -17644,7 +19897,7 @@
               <a:t>Back Ground</a:t>
             </a:r>
             <a:r>
-              <a:rPr lang="zh-TW" altLang="en-US" sz="1600" dirty="0" smtClean="0">
+              <a:rPr lang="zh-TW" altLang="en-US" sz="1600" dirty="0">
                 <a:solidFill>
                   <a:schemeClr val="tx1">
                     <a:lumMod val="65000"/>
@@ -17691,19 +19944,6 @@
           <a:lstStyle/>
           <a:p>
             <a:r>
-              <a:rPr lang="zh-TW" altLang="en-US" sz="1600" dirty="0" smtClean="0">
-                <a:solidFill>
-                  <a:schemeClr val="tx1">
-                    <a:lumMod val="65000"/>
-                    <a:lumOff val="35000"/>
-                  </a:schemeClr>
-                </a:solidFill>
-                <a:latin typeface="思源黑体 CN Light" panose="020B0300000000000000" pitchFamily="34" charset="-122"/>
-                <a:ea typeface="思源黑体 CN Light" panose="020B0300000000000000" pitchFamily="34" charset="-122"/>
-              </a:rPr>
-              <a:t>我們希望可以為使用者推薦熱門演唱會或是依使用者的瀏覽習慣做出個人推薦的功能，預計</a:t>
-            </a:r>
-            <a:r>
               <a:rPr lang="zh-TW" altLang="en-US" sz="1600" dirty="0">
                 <a:solidFill>
                   <a:schemeClr val="tx1">
@@ -17714,20 +19954,7 @@
                 <a:latin typeface="思源黑体 CN Light" panose="020B0300000000000000" pitchFamily="34" charset="-122"/>
                 <a:ea typeface="思源黑体 CN Light" panose="020B0300000000000000" pitchFamily="34" charset="-122"/>
               </a:rPr>
-              <a:t>會用到的後端技術有可能會有資料庫</a:t>
-            </a:r>
-            <a:r>
-              <a:rPr lang="zh-TW" altLang="en-US" sz="1600" dirty="0" smtClean="0">
-                <a:solidFill>
-                  <a:schemeClr val="tx1">
-                    <a:lumMod val="65000"/>
-                    <a:lumOff val="35000"/>
-                  </a:schemeClr>
-                </a:solidFill>
-                <a:latin typeface="思源黑体 CN Light" panose="020B0300000000000000" pitchFamily="34" charset="-122"/>
-                <a:ea typeface="思源黑体 CN Light" panose="020B0300000000000000" pitchFamily="34" charset="-122"/>
-              </a:rPr>
-              <a:t>管理。</a:t>
+              <a:t>我們希望可以為使用者推薦熱門演唱會或是依使用者的瀏覽習慣做出個人推薦的功能，預計會用到的後端技術有可能會有資料庫管理。</a:t>
             </a:r>
             <a:endParaRPr lang="zh-CN" altLang="en-US" sz="1600" dirty="0">
               <a:solidFill>
@@ -17764,7 +19991,7 @@
           <a:lstStyle/>
           <a:p>
             <a:r>
-              <a:rPr lang="zh-TW" altLang="en-US" dirty="0" smtClean="0">
+              <a:rPr lang="zh-TW" altLang="en-US" dirty="0">
                 <a:solidFill>
                   <a:schemeClr val="tx1">
                     <a:lumMod val="85000"/>
@@ -17812,7 +20039,7 @@
           <a:lstStyle/>
           <a:p>
             <a:r>
-              <a:rPr lang="en-US" altLang="zh-TW" i="1" dirty="0" smtClean="0">
+              <a:rPr lang="en-US" altLang="zh-TW" i="1" dirty="0">
                 <a:solidFill>
                   <a:schemeClr val="bg1">
                     <a:lumMod val="50000"/>
@@ -17822,7 +20049,7 @@
               <a:t>Jun</a:t>
             </a:r>
             <a:r>
-              <a:rPr lang="en-US" altLang="zh-CN" i="1" dirty="0" smtClean="0">
+              <a:rPr lang="en-US" altLang="zh-CN" i="1" dirty="0">
                 <a:solidFill>
                   <a:schemeClr val="bg1">
                     <a:lumMod val="50000"/>
@@ -17834,7 +20061,7 @@
           </a:p>
           <a:p>
             <a:r>
-              <a:rPr lang="en-US" altLang="zh-CN" sz="3200" dirty="0" smtClean="0">
+              <a:rPr lang="en-US" altLang="zh-CN" sz="3200" dirty="0">
                 <a:solidFill>
                   <a:schemeClr val="bg1">
                     <a:lumMod val="50000"/>
@@ -19106,7 +21333,7 @@
 </p:sld>
 </file>
 
-<file path=ppt/slides/slide7.xml><?xml version="1.0" encoding="utf-8"?>
+<file path=ppt/slides/slide8.xml><?xml version="1.0" encoding="utf-8"?>
 <p:sld xmlns:a="http://schemas.openxmlformats.org/drawingml/2006/main" xmlns:r="http://schemas.openxmlformats.org/officeDocument/2006/relationships" xmlns:p="http://schemas.openxmlformats.org/presentationml/2006/main">
   <p:cSld>
     <p:spTree>
@@ -19150,7 +21377,7 @@
               </a:lnSpc>
             </a:pPr>
             <a:r>
-              <a:rPr lang="zh-TW" altLang="en-US" sz="3600" dirty="0" smtClean="0">
+              <a:rPr lang="zh-TW" altLang="en-US" sz="3600" dirty="0">
                 <a:solidFill>
                   <a:srgbClr val="1E78E8"/>
                 </a:solidFill>
@@ -19823,7 +22050,7 @@
               </a:lnSpc>
             </a:pPr>
             <a:r>
-              <a:rPr lang="zh-TW" altLang="en-US" sz="3600" dirty="0" smtClean="0">
+              <a:rPr lang="zh-TW" altLang="en-US" sz="3600" dirty="0">
                 <a:solidFill>
                   <a:srgbClr val="90CCF4"/>
                 </a:solidFill>
@@ -20213,7 +22440,7 @@
 </p:sld>
 </file>
 
-<file path=ppt/slides/slide8.xml><?xml version="1.0" encoding="utf-8"?>
+<file path=ppt/slides/slide9.xml><?xml version="1.0" encoding="utf-8"?>
 <p:sld xmlns:a="http://schemas.openxmlformats.org/drawingml/2006/main" xmlns:r="http://schemas.openxmlformats.org/officeDocument/2006/relationships" xmlns:p="http://schemas.openxmlformats.org/presentationml/2006/main">
   <p:cSld>
     <p:spTree>
@@ -20279,7 +22506,7 @@
               </a:lnSpc>
             </a:pPr>
             <a:r>
-              <a:rPr lang="zh-TW" altLang="en-US" sz="4000" dirty="0" smtClean="0">
+              <a:rPr lang="zh-TW" altLang="en-US" sz="4000" dirty="0">
                 <a:solidFill>
                   <a:srgbClr val="1E78E8"/>
                 </a:solidFill>
@@ -20308,1074 +22535,6 @@
   <p:clrMapOvr>
     <a:masterClrMapping/>
   </p:clrMapOvr>
-  <p:timing>
-    <p:tnLst>
-      <p:par>
-        <p:cTn id="1" dur="indefinite" restart="never" nodeType="tmRoot"/>
-      </p:par>
-    </p:tnLst>
-  </p:timing>
-</p:sld>
-</file>
-
-<file path=ppt/slides/slide9.xml><?xml version="1.0" encoding="utf-8"?>
-<p:sld xmlns:a="http://schemas.openxmlformats.org/drawingml/2006/main" xmlns:r="http://schemas.openxmlformats.org/officeDocument/2006/relationships" xmlns:p="http://schemas.openxmlformats.org/presentationml/2006/main">
-  <p:cSld>
-    <p:spTree>
-      <p:nvGrpSpPr>
-        <p:cNvPr id="1" name=""/>
-        <p:cNvGrpSpPr/>
-        <p:nvPr/>
-      </p:nvGrpSpPr>
-      <p:grpSpPr>
-        <a:xfrm>
-          <a:off x="0" y="0"/>
-          <a:ext cx="0" cy="0"/>
-          <a:chOff x="0" y="0"/>
-          <a:chExt cx="0" cy="0"/>
-        </a:xfrm>
-      </p:grpSpPr>
-      <p:sp>
-        <p:nvSpPr>
-          <p:cNvPr id="2" name="矩形 1"/>
-          <p:cNvSpPr/>
-          <p:nvPr/>
-        </p:nvSpPr>
-        <p:spPr>
-          <a:xfrm>
-            <a:off x="424873" y="1366982"/>
-            <a:ext cx="1570182" cy="415636"/>
-          </a:xfrm>
-          <a:prstGeom prst="rect">
-            <a:avLst/>
-          </a:prstGeom>
-        </p:spPr>
-        <p:style>
-          <a:lnRef idx="2">
-            <a:schemeClr val="accent1">
-              <a:shade val="50000"/>
-            </a:schemeClr>
-          </a:lnRef>
-          <a:fillRef idx="1">
-            <a:schemeClr val="accent1"/>
-          </a:fillRef>
-          <a:effectRef idx="0">
-            <a:schemeClr val="accent1"/>
-          </a:effectRef>
-          <a:fontRef idx="minor">
-            <a:schemeClr val="lt1"/>
-          </a:fontRef>
-        </p:style>
-        <p:txBody>
-          <a:bodyPr rtlCol="0" anchor="ctr"/>
-          <a:lstStyle/>
-          <a:p>
-            <a:pPr algn="ctr"/>
-            <a:r>
-              <a:rPr lang="zh-TW" altLang="en-US" dirty="0"/>
-              <a:t>歌手</a:t>
-            </a:r>
-            <a:r>
-              <a:rPr lang="zh-TW" altLang="en-US" dirty="0" smtClean="0"/>
-              <a:t>分類</a:t>
-            </a:r>
-            <a:endParaRPr lang="zh-TW" altLang="en-US" dirty="0"/>
-          </a:p>
-        </p:txBody>
-      </p:sp>
-      <p:sp>
-        <p:nvSpPr>
-          <p:cNvPr id="4" name="矩形 3"/>
-          <p:cNvSpPr/>
-          <p:nvPr/>
-        </p:nvSpPr>
-        <p:spPr>
-          <a:xfrm>
-            <a:off x="2452254" y="1366982"/>
-            <a:ext cx="1570182" cy="415636"/>
-          </a:xfrm>
-          <a:prstGeom prst="rect">
-            <a:avLst/>
-          </a:prstGeom>
-        </p:spPr>
-        <p:style>
-          <a:lnRef idx="2">
-            <a:schemeClr val="accent1">
-              <a:shade val="50000"/>
-            </a:schemeClr>
-          </a:lnRef>
-          <a:fillRef idx="1">
-            <a:schemeClr val="accent1"/>
-          </a:fillRef>
-          <a:effectRef idx="0">
-            <a:schemeClr val="accent1"/>
-          </a:effectRef>
-          <a:fontRef idx="minor">
-            <a:schemeClr val="lt1"/>
-          </a:fontRef>
-        </p:style>
-        <p:txBody>
-          <a:bodyPr rtlCol="0" anchor="ctr"/>
-          <a:lstStyle/>
-          <a:p>
-            <a:pPr algn="ctr"/>
-            <a:r>
-              <a:rPr lang="zh-TW" altLang="en-US" dirty="0" smtClean="0"/>
-              <a:t>熱門排行</a:t>
-            </a:r>
-            <a:endParaRPr lang="zh-TW" altLang="en-US" dirty="0"/>
-          </a:p>
-        </p:txBody>
-      </p:sp>
-      <p:sp>
-        <p:nvSpPr>
-          <p:cNvPr id="5" name="矩形 4"/>
-          <p:cNvSpPr/>
-          <p:nvPr/>
-        </p:nvSpPr>
-        <p:spPr>
-          <a:xfrm>
-            <a:off x="4479634" y="1366982"/>
-            <a:ext cx="1570182" cy="415636"/>
-          </a:xfrm>
-          <a:prstGeom prst="rect">
-            <a:avLst/>
-          </a:prstGeom>
-        </p:spPr>
-        <p:style>
-          <a:lnRef idx="2">
-            <a:schemeClr val="accent1">
-              <a:shade val="50000"/>
-            </a:schemeClr>
-          </a:lnRef>
-          <a:fillRef idx="1">
-            <a:schemeClr val="accent1"/>
-          </a:fillRef>
-          <a:effectRef idx="0">
-            <a:schemeClr val="accent1"/>
-          </a:effectRef>
-          <a:fontRef idx="minor">
-            <a:schemeClr val="lt1"/>
-          </a:fontRef>
-        </p:style>
-        <p:txBody>
-          <a:bodyPr rtlCol="0" anchor="ctr"/>
-          <a:lstStyle/>
-          <a:p>
-            <a:pPr algn="ctr"/>
-            <a:r>
-              <a:rPr lang="zh-TW" altLang="en-US" dirty="0" smtClean="0"/>
-              <a:t>關於</a:t>
-            </a:r>
-            <a:endParaRPr lang="zh-TW" altLang="en-US" dirty="0"/>
-          </a:p>
-        </p:txBody>
-      </p:sp>
-      <p:sp>
-        <p:nvSpPr>
-          <p:cNvPr id="6" name="矩形 5"/>
-          <p:cNvSpPr/>
-          <p:nvPr/>
-        </p:nvSpPr>
-        <p:spPr>
-          <a:xfrm>
-            <a:off x="4401120" y="588904"/>
-            <a:ext cx="3057247" cy="830997"/>
-          </a:xfrm>
-          <a:prstGeom prst="rect">
-            <a:avLst/>
-          </a:prstGeom>
-        </p:spPr>
-        <p:txBody>
-          <a:bodyPr wrap="none">
-            <a:spAutoFit/>
-          </a:bodyPr>
-          <a:lstStyle/>
-          <a:p>
-            <a:pPr algn="ctr">
-              <a:lnSpc>
-                <a:spcPct val="150000"/>
-              </a:lnSpc>
-            </a:pPr>
-            <a:r>
-              <a:rPr lang="zh-TW" altLang="en-US" sz="3200" dirty="0" smtClean="0">
-                <a:solidFill>
-                  <a:srgbClr val="1E78E8"/>
-                </a:solidFill>
-                <a:latin typeface="思源黑体 CN Light" panose="020B0300000000000000" pitchFamily="34" charset="-122"/>
-                <a:ea typeface="思源黑体 CN Light" panose="020B0300000000000000" pitchFamily="34" charset="-122"/>
-              </a:rPr>
-              <a:t>首頁完成搞草圖</a:t>
-            </a:r>
-            <a:endParaRPr lang="zh-CN" altLang="en-US" sz="3200" dirty="0">
-              <a:solidFill>
-                <a:srgbClr val="1E78E8"/>
-              </a:solidFill>
-              <a:latin typeface="思源黑体 CN Light" panose="020B0300000000000000" pitchFamily="34" charset="-122"/>
-              <a:ea typeface="思源黑体 CN Light" panose="020B0300000000000000" pitchFamily="34" charset="-122"/>
-            </a:endParaRPr>
-          </a:p>
-        </p:txBody>
-      </p:sp>
-      <p:sp>
-        <p:nvSpPr>
-          <p:cNvPr id="7" name="向下箭號 6"/>
-          <p:cNvSpPr/>
-          <p:nvPr/>
-        </p:nvSpPr>
-        <p:spPr>
-          <a:xfrm>
-            <a:off x="120073" y="1671782"/>
-            <a:ext cx="221672" cy="979054"/>
-          </a:xfrm>
-          <a:prstGeom prst="downArrow">
-            <a:avLst/>
-          </a:prstGeom>
-        </p:spPr>
-        <p:style>
-          <a:lnRef idx="2">
-            <a:schemeClr val="accent1">
-              <a:shade val="50000"/>
-            </a:schemeClr>
-          </a:lnRef>
-          <a:fillRef idx="1">
-            <a:schemeClr val="accent1"/>
-          </a:fillRef>
-          <a:effectRef idx="0">
-            <a:schemeClr val="accent1"/>
-          </a:effectRef>
-          <a:fontRef idx="minor">
-            <a:schemeClr val="lt1"/>
-          </a:fontRef>
-        </p:style>
-        <p:txBody>
-          <a:bodyPr rtlCol="0" anchor="ctr"/>
-          <a:lstStyle/>
-          <a:p>
-            <a:pPr algn="ctr"/>
-            <a:endParaRPr lang="zh-TW" altLang="en-US"/>
-          </a:p>
-        </p:txBody>
-      </p:sp>
-      <p:sp>
-        <p:nvSpPr>
-          <p:cNvPr id="10" name="矩形 9"/>
-          <p:cNvSpPr/>
-          <p:nvPr/>
-        </p:nvSpPr>
-        <p:spPr>
-          <a:xfrm>
-            <a:off x="424873" y="3205017"/>
-            <a:ext cx="1570182" cy="415636"/>
-          </a:xfrm>
-          <a:prstGeom prst="rect">
-            <a:avLst/>
-          </a:prstGeom>
-        </p:spPr>
-        <p:style>
-          <a:lnRef idx="2">
-            <a:schemeClr val="accent4">
-              <a:shade val="50000"/>
-            </a:schemeClr>
-          </a:lnRef>
-          <a:fillRef idx="1">
-            <a:schemeClr val="accent4"/>
-          </a:fillRef>
-          <a:effectRef idx="0">
-            <a:schemeClr val="accent4"/>
-          </a:effectRef>
-          <a:fontRef idx="minor">
-            <a:schemeClr val="lt1"/>
-          </a:fontRef>
-        </p:style>
-        <p:txBody>
-          <a:bodyPr rtlCol="0" anchor="ctr"/>
-          <a:lstStyle/>
-          <a:p>
-            <a:pPr algn="ctr"/>
-            <a:r>
-              <a:rPr lang="zh-TW" altLang="en-US" dirty="0" smtClean="0"/>
-              <a:t>韓國</a:t>
-            </a:r>
-            <a:endParaRPr lang="zh-TW" altLang="en-US" dirty="0"/>
-          </a:p>
-        </p:txBody>
-      </p:sp>
-      <p:sp>
-        <p:nvSpPr>
-          <p:cNvPr id="11" name="矩形 10"/>
-          <p:cNvSpPr/>
-          <p:nvPr/>
-        </p:nvSpPr>
-        <p:spPr>
-          <a:xfrm>
-            <a:off x="424873" y="2784763"/>
-            <a:ext cx="1570182" cy="415636"/>
-          </a:xfrm>
-          <a:prstGeom prst="rect">
-            <a:avLst/>
-          </a:prstGeom>
-        </p:spPr>
-        <p:style>
-          <a:lnRef idx="2">
-            <a:schemeClr val="accent4">
-              <a:shade val="50000"/>
-            </a:schemeClr>
-          </a:lnRef>
-          <a:fillRef idx="1">
-            <a:schemeClr val="accent4"/>
-          </a:fillRef>
-          <a:effectRef idx="0">
-            <a:schemeClr val="accent4"/>
-          </a:effectRef>
-          <a:fontRef idx="minor">
-            <a:schemeClr val="lt1"/>
-          </a:fontRef>
-        </p:style>
-        <p:txBody>
-          <a:bodyPr rtlCol="0" anchor="ctr"/>
-          <a:lstStyle/>
-          <a:p>
-            <a:pPr algn="ctr"/>
-            <a:r>
-              <a:rPr lang="zh-TW" altLang="en-US" dirty="0" smtClean="0"/>
-              <a:t>台灣</a:t>
-            </a:r>
-            <a:endParaRPr lang="zh-TW" altLang="en-US" dirty="0"/>
-          </a:p>
-        </p:txBody>
-      </p:sp>
-      <p:sp>
-        <p:nvSpPr>
-          <p:cNvPr id="12" name="矩形 11"/>
-          <p:cNvSpPr/>
-          <p:nvPr/>
-        </p:nvSpPr>
-        <p:spPr>
-          <a:xfrm>
-            <a:off x="424873" y="2369127"/>
-            <a:ext cx="1570182" cy="415636"/>
-          </a:xfrm>
-          <a:prstGeom prst="rect">
-            <a:avLst/>
-          </a:prstGeom>
-        </p:spPr>
-        <p:style>
-          <a:lnRef idx="2">
-            <a:schemeClr val="accent4">
-              <a:shade val="50000"/>
-            </a:schemeClr>
-          </a:lnRef>
-          <a:fillRef idx="1">
-            <a:schemeClr val="accent4"/>
-          </a:fillRef>
-          <a:effectRef idx="0">
-            <a:schemeClr val="accent4"/>
-          </a:effectRef>
-          <a:fontRef idx="minor">
-            <a:schemeClr val="lt1"/>
-          </a:fontRef>
-        </p:style>
-        <p:txBody>
-          <a:bodyPr rtlCol="0" anchor="ctr"/>
-          <a:lstStyle/>
-          <a:p>
-            <a:pPr algn="ctr"/>
-            <a:r>
-              <a:rPr lang="zh-TW" altLang="en-US" dirty="0" smtClean="0"/>
-              <a:t>日本</a:t>
-            </a:r>
-            <a:endParaRPr lang="zh-TW" altLang="en-US" dirty="0"/>
-          </a:p>
-        </p:txBody>
-      </p:sp>
-      <p:sp>
-        <p:nvSpPr>
-          <p:cNvPr id="13" name="矩形 12"/>
-          <p:cNvSpPr/>
-          <p:nvPr/>
-        </p:nvSpPr>
-        <p:spPr>
-          <a:xfrm>
-            <a:off x="424873" y="1953491"/>
-            <a:ext cx="1570182" cy="415636"/>
-          </a:xfrm>
-          <a:prstGeom prst="rect">
-            <a:avLst/>
-          </a:prstGeom>
-        </p:spPr>
-        <p:style>
-          <a:lnRef idx="2">
-            <a:schemeClr val="accent4">
-              <a:shade val="50000"/>
-            </a:schemeClr>
-          </a:lnRef>
-          <a:fillRef idx="1">
-            <a:schemeClr val="accent4"/>
-          </a:fillRef>
-          <a:effectRef idx="0">
-            <a:schemeClr val="accent4"/>
-          </a:effectRef>
-          <a:fontRef idx="minor">
-            <a:schemeClr val="lt1"/>
-          </a:fontRef>
-        </p:style>
-        <p:txBody>
-          <a:bodyPr rtlCol="0" anchor="ctr"/>
-          <a:lstStyle/>
-          <a:p>
-            <a:pPr algn="ctr"/>
-            <a:r>
-              <a:rPr lang="zh-TW" altLang="en-US" dirty="0" smtClean="0"/>
-              <a:t>西洋</a:t>
-            </a:r>
-            <a:endParaRPr lang="zh-TW" altLang="en-US" dirty="0"/>
-          </a:p>
-        </p:txBody>
-      </p:sp>
-      <p:sp>
-        <p:nvSpPr>
-          <p:cNvPr id="14" name="向右箭號 13"/>
-          <p:cNvSpPr/>
-          <p:nvPr/>
-        </p:nvSpPr>
-        <p:spPr>
-          <a:xfrm>
-            <a:off x="1112982" y="4313381"/>
-            <a:ext cx="1764146" cy="443346"/>
-          </a:xfrm>
-          <a:prstGeom prst="rightArrow">
-            <a:avLst/>
-          </a:prstGeom>
-        </p:spPr>
-        <p:style>
-          <a:lnRef idx="2">
-            <a:schemeClr val="accent1">
-              <a:shade val="50000"/>
-            </a:schemeClr>
-          </a:lnRef>
-          <a:fillRef idx="1">
-            <a:schemeClr val="accent1"/>
-          </a:fillRef>
-          <a:effectRef idx="0">
-            <a:schemeClr val="accent1"/>
-          </a:effectRef>
-          <a:fontRef idx="minor">
-            <a:schemeClr val="lt1"/>
-          </a:fontRef>
-        </p:style>
-        <p:txBody>
-          <a:bodyPr rtlCol="0" anchor="ctr"/>
-          <a:lstStyle/>
-          <a:p>
-            <a:pPr algn="ctr"/>
-            <a:endParaRPr lang="zh-TW" altLang="en-US"/>
-          </a:p>
-        </p:txBody>
-      </p:sp>
-      <p:sp>
-        <p:nvSpPr>
-          <p:cNvPr id="15" name="矩形 14"/>
-          <p:cNvSpPr/>
-          <p:nvPr/>
-        </p:nvSpPr>
-        <p:spPr>
-          <a:xfrm>
-            <a:off x="1990438" y="3778245"/>
-            <a:ext cx="1570182" cy="415636"/>
-          </a:xfrm>
-          <a:prstGeom prst="rect">
-            <a:avLst/>
-          </a:prstGeom>
-        </p:spPr>
-        <p:style>
-          <a:lnRef idx="2">
-            <a:schemeClr val="accent6">
-              <a:shade val="50000"/>
-            </a:schemeClr>
-          </a:lnRef>
-          <a:fillRef idx="1">
-            <a:schemeClr val="accent6"/>
-          </a:fillRef>
-          <a:effectRef idx="0">
-            <a:schemeClr val="accent6"/>
-          </a:effectRef>
-          <a:fontRef idx="minor">
-            <a:schemeClr val="lt1"/>
-          </a:fontRef>
-        </p:style>
-        <p:txBody>
-          <a:bodyPr rtlCol="0" anchor="ctr"/>
-          <a:lstStyle/>
-          <a:p>
-            <a:pPr algn="ctr"/>
-            <a:r>
-              <a:rPr lang="zh-TW" altLang="en-US" dirty="0"/>
-              <a:t>日本</a:t>
-            </a:r>
-            <a:r>
-              <a:rPr lang="zh-TW" altLang="en-US" dirty="0" smtClean="0"/>
-              <a:t>歌手丁</a:t>
-            </a:r>
-            <a:endParaRPr lang="zh-TW" altLang="en-US" dirty="0"/>
-          </a:p>
-        </p:txBody>
-      </p:sp>
-      <p:sp>
-        <p:nvSpPr>
-          <p:cNvPr id="16" name="矩形 15"/>
-          <p:cNvSpPr/>
-          <p:nvPr/>
-        </p:nvSpPr>
-        <p:spPr>
-          <a:xfrm>
-            <a:off x="1990438" y="3387722"/>
-            <a:ext cx="1570182" cy="415636"/>
-          </a:xfrm>
-          <a:prstGeom prst="rect">
-            <a:avLst/>
-          </a:prstGeom>
-        </p:spPr>
-        <p:style>
-          <a:lnRef idx="2">
-            <a:schemeClr val="accent6">
-              <a:shade val="50000"/>
-            </a:schemeClr>
-          </a:lnRef>
-          <a:fillRef idx="1">
-            <a:schemeClr val="accent6"/>
-          </a:fillRef>
-          <a:effectRef idx="0">
-            <a:schemeClr val="accent6"/>
-          </a:effectRef>
-          <a:fontRef idx="minor">
-            <a:schemeClr val="lt1"/>
-          </a:fontRef>
-        </p:style>
-        <p:txBody>
-          <a:bodyPr rtlCol="0" anchor="ctr"/>
-          <a:lstStyle/>
-          <a:p>
-            <a:pPr algn="ctr"/>
-            <a:r>
-              <a:rPr lang="zh-TW" altLang="en-US" dirty="0"/>
-              <a:t>日本</a:t>
-            </a:r>
-            <a:r>
-              <a:rPr lang="zh-TW" altLang="en-US" dirty="0" smtClean="0"/>
-              <a:t>歌手丙</a:t>
-            </a:r>
-            <a:endParaRPr lang="zh-TW" altLang="en-US" dirty="0"/>
-          </a:p>
-        </p:txBody>
-      </p:sp>
-      <p:sp>
-        <p:nvSpPr>
-          <p:cNvPr id="17" name="矩形 16"/>
-          <p:cNvSpPr/>
-          <p:nvPr/>
-        </p:nvSpPr>
-        <p:spPr>
-          <a:xfrm>
-            <a:off x="1990438" y="2976994"/>
-            <a:ext cx="1570182" cy="415636"/>
-          </a:xfrm>
-          <a:prstGeom prst="rect">
-            <a:avLst/>
-          </a:prstGeom>
-        </p:spPr>
-        <p:style>
-          <a:lnRef idx="2">
-            <a:schemeClr val="accent6">
-              <a:shade val="50000"/>
-            </a:schemeClr>
-          </a:lnRef>
-          <a:fillRef idx="1">
-            <a:schemeClr val="accent6"/>
-          </a:fillRef>
-          <a:effectRef idx="0">
-            <a:schemeClr val="accent6"/>
-          </a:effectRef>
-          <a:fontRef idx="minor">
-            <a:schemeClr val="lt1"/>
-          </a:fontRef>
-        </p:style>
-        <p:txBody>
-          <a:bodyPr rtlCol="0" anchor="ctr"/>
-          <a:lstStyle/>
-          <a:p>
-            <a:pPr algn="ctr"/>
-            <a:r>
-              <a:rPr lang="zh-TW" altLang="en-US" dirty="0"/>
-              <a:t>日本</a:t>
-            </a:r>
-            <a:r>
-              <a:rPr lang="zh-TW" altLang="en-US" dirty="0" smtClean="0"/>
-              <a:t>歌手乙</a:t>
-            </a:r>
-            <a:endParaRPr lang="zh-TW" altLang="en-US" dirty="0"/>
-          </a:p>
-        </p:txBody>
-      </p:sp>
-      <p:sp>
-        <p:nvSpPr>
-          <p:cNvPr id="18" name="矩形 17"/>
-          <p:cNvSpPr/>
-          <p:nvPr/>
-        </p:nvSpPr>
-        <p:spPr>
-          <a:xfrm>
-            <a:off x="1990438" y="2569441"/>
-            <a:ext cx="1570182" cy="415636"/>
-          </a:xfrm>
-          <a:prstGeom prst="rect">
-            <a:avLst/>
-          </a:prstGeom>
-        </p:spPr>
-        <p:style>
-          <a:lnRef idx="2">
-            <a:schemeClr val="accent6">
-              <a:shade val="50000"/>
-            </a:schemeClr>
-          </a:lnRef>
-          <a:fillRef idx="1">
-            <a:schemeClr val="accent6"/>
-          </a:fillRef>
-          <a:effectRef idx="0">
-            <a:schemeClr val="accent6"/>
-          </a:effectRef>
-          <a:fontRef idx="minor">
-            <a:schemeClr val="lt1"/>
-          </a:fontRef>
-        </p:style>
-        <p:txBody>
-          <a:bodyPr rtlCol="0" anchor="ctr"/>
-          <a:lstStyle/>
-          <a:p>
-            <a:pPr algn="ctr"/>
-            <a:r>
-              <a:rPr lang="zh-TW" altLang="en-US" dirty="0" smtClean="0"/>
-              <a:t>日本歌手甲</a:t>
-            </a:r>
-            <a:endParaRPr lang="zh-TW" altLang="en-US" dirty="0"/>
-          </a:p>
-        </p:txBody>
-      </p:sp>
-      <p:sp>
-        <p:nvSpPr>
-          <p:cNvPr id="20" name="矩形 19"/>
-          <p:cNvSpPr/>
-          <p:nvPr/>
-        </p:nvSpPr>
-        <p:spPr>
-          <a:xfrm>
-            <a:off x="424873" y="913719"/>
-            <a:ext cx="1107996" cy="369332"/>
-          </a:xfrm>
-          <a:prstGeom prst="rect">
-            <a:avLst/>
-          </a:prstGeom>
-        </p:spPr>
-        <p:txBody>
-          <a:bodyPr wrap="none">
-            <a:spAutoFit/>
-          </a:bodyPr>
-          <a:lstStyle/>
-          <a:p>
-            <a:r>
-              <a:rPr lang="zh-TW" altLang="en-US" dirty="0" smtClean="0">
-                <a:solidFill>
-                  <a:schemeClr val="tx1">
-                    <a:lumMod val="85000"/>
-                    <a:lumOff val="15000"/>
-                  </a:schemeClr>
-                </a:solidFill>
-                <a:latin typeface="思源黑体 CN Light" panose="020B0300000000000000" pitchFamily="34" charset="-122"/>
-                <a:ea typeface="思源黑体 CN Light" panose="020B0300000000000000" pitchFamily="34" charset="-122"/>
-              </a:rPr>
-              <a:t>選單下拉</a:t>
-            </a:r>
-            <a:endParaRPr lang="zh-CN" altLang="en-US" dirty="0">
-              <a:solidFill>
-                <a:schemeClr val="tx1">
-                  <a:lumMod val="85000"/>
-                  <a:lumOff val="15000"/>
-                </a:schemeClr>
-              </a:solidFill>
-              <a:latin typeface="思源黑体 CN Light" panose="020B0300000000000000" pitchFamily="34" charset="-122"/>
-              <a:ea typeface="思源黑体 CN Light" panose="020B0300000000000000" pitchFamily="34" charset="-122"/>
-            </a:endParaRPr>
-          </a:p>
-        </p:txBody>
-      </p:sp>
-      <p:sp>
-        <p:nvSpPr>
-          <p:cNvPr id="22" name="矩形 21"/>
-          <p:cNvSpPr/>
-          <p:nvPr/>
-        </p:nvSpPr>
-        <p:spPr>
-          <a:xfrm>
-            <a:off x="1436440" y="4865090"/>
-            <a:ext cx="1107996" cy="369332"/>
-          </a:xfrm>
-          <a:prstGeom prst="rect">
-            <a:avLst/>
-          </a:prstGeom>
-        </p:spPr>
-        <p:txBody>
-          <a:bodyPr wrap="none">
-            <a:spAutoFit/>
-          </a:bodyPr>
-          <a:lstStyle/>
-          <a:p>
-            <a:r>
-              <a:rPr lang="zh-TW" altLang="en-US" dirty="0" smtClean="0">
-                <a:solidFill>
-                  <a:schemeClr val="tx1">
-                    <a:lumMod val="85000"/>
-                    <a:lumOff val="15000"/>
-                  </a:schemeClr>
-                </a:solidFill>
-                <a:latin typeface="思源黑体 CN Light" panose="020B0300000000000000" pitchFamily="34" charset="-122"/>
-                <a:ea typeface="思源黑体 CN Light" panose="020B0300000000000000" pitchFamily="34" charset="-122"/>
-              </a:rPr>
-              <a:t>選單側</a:t>
-            </a:r>
-            <a:r>
-              <a:rPr lang="zh-TW" altLang="en-US" dirty="0">
-                <a:solidFill>
-                  <a:schemeClr val="tx1">
-                    <a:lumMod val="85000"/>
-                    <a:lumOff val="15000"/>
-                  </a:schemeClr>
-                </a:solidFill>
-                <a:latin typeface="思源黑体 CN Light" panose="020B0300000000000000" pitchFamily="34" charset="-122"/>
-                <a:ea typeface="思源黑体 CN Light" panose="020B0300000000000000" pitchFamily="34" charset="-122"/>
-              </a:rPr>
-              <a:t>拉</a:t>
-            </a:r>
-            <a:endParaRPr lang="zh-CN" altLang="en-US" dirty="0">
-              <a:solidFill>
-                <a:schemeClr val="tx1">
-                  <a:lumMod val="85000"/>
-                  <a:lumOff val="15000"/>
-                </a:schemeClr>
-              </a:solidFill>
-              <a:latin typeface="思源黑体 CN Light" panose="020B0300000000000000" pitchFamily="34" charset="-122"/>
-              <a:ea typeface="思源黑体 CN Light" panose="020B0300000000000000" pitchFamily="34" charset="-122"/>
-            </a:endParaRPr>
-          </a:p>
-        </p:txBody>
-      </p:sp>
-      <p:sp>
-        <p:nvSpPr>
-          <p:cNvPr id="23" name="矩形 22"/>
-          <p:cNvSpPr/>
-          <p:nvPr/>
-        </p:nvSpPr>
-        <p:spPr>
-          <a:xfrm>
-            <a:off x="4562764" y="2456873"/>
-            <a:ext cx="6604000" cy="3592945"/>
-          </a:xfrm>
-          <a:prstGeom prst="rect">
-            <a:avLst/>
-          </a:prstGeom>
-        </p:spPr>
-        <p:style>
-          <a:lnRef idx="2">
-            <a:schemeClr val="accent5">
-              <a:shade val="50000"/>
-            </a:schemeClr>
-          </a:lnRef>
-          <a:fillRef idx="1">
-            <a:schemeClr val="accent5"/>
-          </a:fillRef>
-          <a:effectRef idx="0">
-            <a:schemeClr val="accent5"/>
-          </a:effectRef>
-          <a:fontRef idx="minor">
-            <a:schemeClr val="lt1"/>
-          </a:fontRef>
-        </p:style>
-        <p:txBody>
-          <a:bodyPr rtlCol="0" anchor="ctr"/>
-          <a:lstStyle/>
-          <a:p>
-            <a:pPr algn="ctr"/>
-            <a:r>
-              <a:rPr lang="zh-TW" altLang="en-US" sz="4800" dirty="0" smtClean="0"/>
-              <a:t>我是圖片</a:t>
-            </a:r>
-            <a:endParaRPr lang="zh-TW" altLang="en-US" sz="4800" dirty="0"/>
-          </a:p>
-        </p:txBody>
-      </p:sp>
-      <p:sp>
-        <p:nvSpPr>
-          <p:cNvPr id="24" name="橢圓 23"/>
-          <p:cNvSpPr/>
-          <p:nvPr/>
-        </p:nvSpPr>
-        <p:spPr>
-          <a:xfrm>
-            <a:off x="6449295" y="5634176"/>
-            <a:ext cx="110836" cy="129309"/>
-          </a:xfrm>
-          <a:prstGeom prst="ellipse">
-            <a:avLst/>
-          </a:prstGeom>
-        </p:spPr>
-        <p:style>
-          <a:lnRef idx="2">
-            <a:schemeClr val="accent1">
-              <a:shade val="50000"/>
-            </a:schemeClr>
-          </a:lnRef>
-          <a:fillRef idx="1">
-            <a:schemeClr val="accent1"/>
-          </a:fillRef>
-          <a:effectRef idx="0">
-            <a:schemeClr val="accent1"/>
-          </a:effectRef>
-          <a:fontRef idx="minor">
-            <a:schemeClr val="lt1"/>
-          </a:fontRef>
-        </p:style>
-        <p:txBody>
-          <a:bodyPr rtlCol="0" anchor="ctr"/>
-          <a:lstStyle/>
-          <a:p>
-            <a:pPr algn="ctr"/>
-            <a:endParaRPr lang="zh-TW" altLang="en-US"/>
-          </a:p>
-        </p:txBody>
-      </p:sp>
-      <p:sp>
-        <p:nvSpPr>
-          <p:cNvPr id="25" name="橢圓 24"/>
-          <p:cNvSpPr/>
-          <p:nvPr/>
-        </p:nvSpPr>
-        <p:spPr>
-          <a:xfrm>
-            <a:off x="7128167" y="5629561"/>
-            <a:ext cx="110836" cy="129309"/>
-          </a:xfrm>
-          <a:prstGeom prst="ellipse">
-            <a:avLst/>
-          </a:prstGeom>
-        </p:spPr>
-        <p:style>
-          <a:lnRef idx="2">
-            <a:schemeClr val="accent1">
-              <a:shade val="50000"/>
-            </a:schemeClr>
-          </a:lnRef>
-          <a:fillRef idx="1">
-            <a:schemeClr val="accent1"/>
-          </a:fillRef>
-          <a:effectRef idx="0">
-            <a:schemeClr val="accent1"/>
-          </a:effectRef>
-          <a:fontRef idx="minor">
-            <a:schemeClr val="lt1"/>
-          </a:fontRef>
-        </p:style>
-        <p:txBody>
-          <a:bodyPr rtlCol="0" anchor="ctr"/>
-          <a:lstStyle/>
-          <a:p>
-            <a:pPr algn="ctr"/>
-            <a:endParaRPr lang="zh-TW" altLang="en-US"/>
-          </a:p>
-        </p:txBody>
-      </p:sp>
-      <p:sp>
-        <p:nvSpPr>
-          <p:cNvPr id="26" name="橢圓 25"/>
-          <p:cNvSpPr/>
-          <p:nvPr/>
-        </p:nvSpPr>
-        <p:spPr>
-          <a:xfrm>
-            <a:off x="7788567" y="5629561"/>
-            <a:ext cx="110836" cy="129309"/>
-          </a:xfrm>
-          <a:prstGeom prst="ellipse">
-            <a:avLst/>
-          </a:prstGeom>
-        </p:spPr>
-        <p:style>
-          <a:lnRef idx="2">
-            <a:schemeClr val="accent1">
-              <a:shade val="50000"/>
-            </a:schemeClr>
-          </a:lnRef>
-          <a:fillRef idx="1">
-            <a:schemeClr val="accent1"/>
-          </a:fillRef>
-          <a:effectRef idx="0">
-            <a:schemeClr val="accent1"/>
-          </a:effectRef>
-          <a:fontRef idx="minor">
-            <a:schemeClr val="lt1"/>
-          </a:fontRef>
-        </p:style>
-        <p:txBody>
-          <a:bodyPr rtlCol="0" anchor="ctr"/>
-          <a:lstStyle/>
-          <a:p>
-            <a:pPr algn="ctr"/>
-            <a:endParaRPr lang="zh-TW" altLang="en-US"/>
-          </a:p>
-        </p:txBody>
-      </p:sp>
-      <p:sp>
-        <p:nvSpPr>
-          <p:cNvPr id="27" name="橢圓 26"/>
-          <p:cNvSpPr/>
-          <p:nvPr/>
-        </p:nvSpPr>
-        <p:spPr>
-          <a:xfrm>
-            <a:off x="8430490" y="5629561"/>
-            <a:ext cx="110836" cy="129309"/>
-          </a:xfrm>
-          <a:prstGeom prst="ellipse">
-            <a:avLst/>
-          </a:prstGeom>
-        </p:spPr>
-        <p:style>
-          <a:lnRef idx="2">
-            <a:schemeClr val="accent1">
-              <a:shade val="50000"/>
-            </a:schemeClr>
-          </a:lnRef>
-          <a:fillRef idx="1">
-            <a:schemeClr val="accent1"/>
-          </a:fillRef>
-          <a:effectRef idx="0">
-            <a:schemeClr val="accent1"/>
-          </a:effectRef>
-          <a:fontRef idx="minor">
-            <a:schemeClr val="lt1"/>
-          </a:fontRef>
-        </p:style>
-        <p:txBody>
-          <a:bodyPr rtlCol="0" anchor="ctr"/>
-          <a:lstStyle/>
-          <a:p>
-            <a:pPr algn="ctr"/>
-            <a:endParaRPr lang="zh-TW" altLang="en-US"/>
-          </a:p>
-        </p:txBody>
-      </p:sp>
-      <p:sp>
-        <p:nvSpPr>
-          <p:cNvPr id="28" name="橢圓 27"/>
-          <p:cNvSpPr/>
-          <p:nvPr/>
-        </p:nvSpPr>
-        <p:spPr>
-          <a:xfrm>
-            <a:off x="9045873" y="5629561"/>
-            <a:ext cx="110836" cy="129309"/>
-          </a:xfrm>
-          <a:prstGeom prst="ellipse">
-            <a:avLst/>
-          </a:prstGeom>
-        </p:spPr>
-        <p:style>
-          <a:lnRef idx="2">
-            <a:schemeClr val="accent1">
-              <a:shade val="50000"/>
-            </a:schemeClr>
-          </a:lnRef>
-          <a:fillRef idx="1">
-            <a:schemeClr val="accent1"/>
-          </a:fillRef>
-          <a:effectRef idx="0">
-            <a:schemeClr val="accent1"/>
-          </a:effectRef>
-          <a:fontRef idx="minor">
-            <a:schemeClr val="lt1"/>
-          </a:fontRef>
-        </p:style>
-        <p:txBody>
-          <a:bodyPr rtlCol="0" anchor="ctr"/>
-          <a:lstStyle/>
-          <a:p>
-            <a:pPr algn="ctr"/>
-            <a:endParaRPr lang="zh-TW" altLang="en-US"/>
-          </a:p>
-        </p:txBody>
-      </p:sp>
-      <p:sp>
-        <p:nvSpPr>
-          <p:cNvPr id="29" name="矩形 28"/>
-          <p:cNvSpPr/>
-          <p:nvPr/>
-        </p:nvSpPr>
-        <p:spPr>
-          <a:xfrm>
-            <a:off x="6959823" y="6283097"/>
-            <a:ext cx="1800493" cy="369332"/>
-          </a:xfrm>
-          <a:prstGeom prst="rect">
-            <a:avLst/>
-          </a:prstGeom>
-        </p:spPr>
-        <p:txBody>
-          <a:bodyPr wrap="none">
-            <a:spAutoFit/>
-          </a:bodyPr>
-          <a:lstStyle/>
-          <a:p>
-            <a:r>
-              <a:rPr lang="zh-TW" altLang="en-US" dirty="0" smtClean="0">
-                <a:solidFill>
-                  <a:schemeClr val="tx1">
-                    <a:lumMod val="85000"/>
-                    <a:lumOff val="15000"/>
-                  </a:schemeClr>
-                </a:solidFill>
-                <a:latin typeface="思源黑体 CN Light" panose="020B0300000000000000" pitchFamily="34" charset="-122"/>
-                <a:ea typeface="思源黑体 CN Light" panose="020B0300000000000000" pitchFamily="34" charset="-122"/>
-              </a:rPr>
-              <a:t>圖片會自動撥放</a:t>
-            </a:r>
-            <a:endParaRPr lang="zh-CN" altLang="en-US" dirty="0">
-              <a:solidFill>
-                <a:schemeClr val="tx1">
-                  <a:lumMod val="85000"/>
-                  <a:lumOff val="15000"/>
-                </a:schemeClr>
-              </a:solidFill>
-              <a:latin typeface="思源黑体 CN Light" panose="020B0300000000000000" pitchFamily="34" charset="-122"/>
-              <a:ea typeface="思源黑体 CN Light" panose="020B0300000000000000" pitchFamily="34" charset="-122"/>
-            </a:endParaRPr>
-          </a:p>
-        </p:txBody>
-      </p:sp>
-    </p:spTree>
-    <p:extLst>
-      <p:ext uri="{BB962C8B-B14F-4D97-AF65-F5344CB8AC3E}">
-        <p14:creationId xmlns:p14="http://schemas.microsoft.com/office/powerpoint/2010/main" val="337627979"/>
-      </p:ext>
-    </p:extLst>
-  </p:cSld>
-  <p:clrMapOvr>
-    <a:masterClrMapping/>
-  </p:clrMapOvr>
-  <p:timing>
-    <p:tnLst>
-      <p:par>
-        <p:cTn id="1" dur="indefinite" restart="never" nodeType="tmRoot"/>
-      </p:par>
-    </p:tnLst>
-  </p:timing>
 </p:sld>
 </file>
 

--- a/網頁製作PPT.pptx
+++ b/網頁製作PPT.pptx
@@ -9516,14 +9516,14 @@
           <a:lstStyle/>
           <a:p>
             <a:r>
-              <a:rPr lang="zh-TW" altLang="en-US" dirty="0">
+              <a:rPr lang="zh-TW" altLang="en-US">
                 <a:solidFill>
                   <a:srgbClr val="1E78E8"/>
                 </a:solidFill>
                 <a:latin typeface="思源黑体 CN Light" panose="020B0300000000000000" pitchFamily="34" charset="-122"/>
                 <a:ea typeface="思源黑体 CN Light" panose="020B0300000000000000" pitchFamily="34" charset="-122"/>
               </a:rPr>
-              <a:t>顏益民</a:t>
+              <a:t>顏易民</a:t>
             </a:r>
             <a:endParaRPr lang="zh-CN" altLang="en-US" dirty="0">
               <a:solidFill>
